--- a/OSD_BallControl.pptx
+++ b/OSD_BallControl.pptx
@@ -4,15 +4,19 @@
   <p:sldMasterIdLst>
     <p:sldMasterId id="2147483669" r:id="rId1"/>
   </p:sldMasterIdLst>
+  <p:notesMasterIdLst>
+    <p:notesMasterId r:id="rId11"/>
+  </p:notesMasterIdLst>
   <p:sldIdLst>
     <p:sldId id="256" r:id="rId2"/>
-    <p:sldId id="257" r:id="rId3"/>
-    <p:sldId id="258" r:id="rId4"/>
-    <p:sldId id="259" r:id="rId5"/>
-    <p:sldId id="260" r:id="rId6"/>
-    <p:sldId id="261" r:id="rId7"/>
-    <p:sldId id="262" r:id="rId8"/>
-    <p:sldId id="263" r:id="rId9"/>
+    <p:sldId id="264" r:id="rId3"/>
+    <p:sldId id="257" r:id="rId4"/>
+    <p:sldId id="258" r:id="rId5"/>
+    <p:sldId id="259" r:id="rId6"/>
+    <p:sldId id="260" r:id="rId7"/>
+    <p:sldId id="261" r:id="rId8"/>
+    <p:sldId id="262" r:id="rId9"/>
+    <p:sldId id="263" r:id="rId10"/>
   </p:sldIdLst>
   <p:sldSz cx="12192000" cy="6858000"/>
   <p:notesSz cx="6858000" cy="9144000"/>
@@ -111,7 +115,677 @@
       </a:defRPr>
     </a:lvl9pPr>
   </p:defaultTextStyle>
+  <p:extLst>
+    <p:ext uri="{EFAFB233-063F-42B5-8137-9DF3F51BA10A}">
+      <p15:sldGuideLst xmlns:p15="http://schemas.microsoft.com/office/powerpoint/2012/main"/>
+    </p:ext>
+  </p:extLst>
 </p:presentation>
+</file>
+
+<file path=ppt/notesMasters/notesMaster1.xml><?xml version="1.0" encoding="utf-8"?>
+<p:notesMaster xmlns:a="http://schemas.openxmlformats.org/drawingml/2006/main" xmlns:r="http://schemas.openxmlformats.org/officeDocument/2006/relationships" xmlns:p="http://schemas.openxmlformats.org/presentationml/2006/main">
+  <p:cSld>
+    <p:bg>
+      <p:bgRef idx="1001">
+        <a:schemeClr val="bg1"/>
+      </p:bgRef>
+    </p:bg>
+    <p:spTree>
+      <p:nvGrpSpPr>
+        <p:cNvPr id="1" name=""/>
+        <p:cNvGrpSpPr/>
+        <p:nvPr/>
+      </p:nvGrpSpPr>
+      <p:grpSpPr>
+        <a:xfrm>
+          <a:off x="0" y="0"/>
+          <a:ext cx="0" cy="0"/>
+          <a:chOff x="0" y="0"/>
+          <a:chExt cx="0" cy="0"/>
+        </a:xfrm>
+      </p:grpSpPr>
+      <p:sp>
+        <p:nvSpPr>
+          <p:cNvPr id="2" name="Kopfzeilenplatzhalter 1"/>
+          <p:cNvSpPr>
+            <a:spLocks noGrp="1"/>
+          </p:cNvSpPr>
+          <p:nvPr>
+            <p:ph type="hdr" sz="quarter"/>
+          </p:nvPr>
+        </p:nvSpPr>
+        <p:spPr>
+          <a:xfrm>
+            <a:off x="0" y="0"/>
+            <a:ext cx="2971800" cy="458788"/>
+          </a:xfrm>
+          <a:prstGeom prst="rect">
+            <a:avLst/>
+          </a:prstGeom>
+        </p:spPr>
+        <p:txBody>
+          <a:bodyPr vert="horz" lIns="91440" tIns="45720" rIns="91440" bIns="45720" rtlCol="0"/>
+          <a:lstStyle>
+            <a:lvl1pPr algn="l">
+              <a:defRPr sz="1200"/>
+            </a:lvl1pPr>
+          </a:lstStyle>
+          <a:p>
+            <a:endParaRPr lang="en-US"/>
+          </a:p>
+        </p:txBody>
+      </p:sp>
+      <p:sp>
+        <p:nvSpPr>
+          <p:cNvPr id="3" name="Datumsplatzhalter 2"/>
+          <p:cNvSpPr>
+            <a:spLocks noGrp="1"/>
+          </p:cNvSpPr>
+          <p:nvPr>
+            <p:ph type="dt" idx="1"/>
+          </p:nvPr>
+        </p:nvSpPr>
+        <p:spPr>
+          <a:xfrm>
+            <a:off x="3884613" y="0"/>
+            <a:ext cx="2971800" cy="458788"/>
+          </a:xfrm>
+          <a:prstGeom prst="rect">
+            <a:avLst/>
+          </a:prstGeom>
+        </p:spPr>
+        <p:txBody>
+          <a:bodyPr vert="horz" lIns="91440" tIns="45720" rIns="91440" bIns="45720" rtlCol="0"/>
+          <a:lstStyle>
+            <a:lvl1pPr algn="r">
+              <a:defRPr sz="1200"/>
+            </a:lvl1pPr>
+          </a:lstStyle>
+          <a:p>
+            <a:fld id="{D3B4D332-2BB7-47DF-B388-95E82825E592}" type="datetimeFigureOut">
+              <a:rPr lang="en-US" smtClean="0"/>
+              <a:t>6/10/2018</a:t>
+            </a:fld>
+            <a:endParaRPr lang="en-US"/>
+          </a:p>
+        </p:txBody>
+      </p:sp>
+      <p:sp>
+        <p:nvSpPr>
+          <p:cNvPr id="4" name="Folienbildplatzhalter 3"/>
+          <p:cNvSpPr>
+            <a:spLocks noGrp="1" noRot="1" noChangeAspect="1"/>
+          </p:cNvSpPr>
+          <p:nvPr>
+            <p:ph type="sldImg" idx="2"/>
+          </p:nvPr>
+        </p:nvSpPr>
+        <p:spPr>
+          <a:xfrm>
+            <a:off x="685800" y="1143000"/>
+            <a:ext cx="5486400" cy="3086100"/>
+          </a:xfrm>
+          <a:prstGeom prst="rect">
+            <a:avLst/>
+          </a:prstGeom>
+          <a:noFill/>
+          <a:ln w="12700">
+            <a:solidFill>
+              <a:prstClr val="black"/>
+            </a:solidFill>
+          </a:ln>
+        </p:spPr>
+        <p:txBody>
+          <a:bodyPr vert="horz" lIns="91440" tIns="45720" rIns="91440" bIns="45720" rtlCol="0" anchor="ctr"/>
+          <a:lstStyle/>
+          <a:p>
+            <a:endParaRPr lang="en-US"/>
+          </a:p>
+        </p:txBody>
+      </p:sp>
+      <p:sp>
+        <p:nvSpPr>
+          <p:cNvPr id="5" name="Notizenplatzhalter 4"/>
+          <p:cNvSpPr>
+            <a:spLocks noGrp="1"/>
+          </p:cNvSpPr>
+          <p:nvPr>
+            <p:ph type="body" sz="quarter" idx="3"/>
+          </p:nvPr>
+        </p:nvSpPr>
+        <p:spPr>
+          <a:xfrm>
+            <a:off x="685800" y="4400550"/>
+            <a:ext cx="5486400" cy="3600450"/>
+          </a:xfrm>
+          <a:prstGeom prst="rect">
+            <a:avLst/>
+          </a:prstGeom>
+        </p:spPr>
+        <p:txBody>
+          <a:bodyPr vert="horz" lIns="91440" tIns="45720" rIns="91440" bIns="45720" rtlCol="0"/>
+          <a:lstStyle/>
+          <a:p>
+            <a:pPr lvl="0"/>
+            <a:r>
+              <a:rPr lang="de-DE"/>
+              <a:t>Mastertextformat bearbeiten</a:t>
+            </a:r>
+          </a:p>
+          <a:p>
+            <a:pPr lvl="1"/>
+            <a:r>
+              <a:rPr lang="de-DE"/>
+              <a:t>Zweite Ebene</a:t>
+            </a:r>
+          </a:p>
+          <a:p>
+            <a:pPr lvl="2"/>
+            <a:r>
+              <a:rPr lang="de-DE"/>
+              <a:t>Dritte Ebene</a:t>
+            </a:r>
+          </a:p>
+          <a:p>
+            <a:pPr lvl="3"/>
+            <a:r>
+              <a:rPr lang="de-DE"/>
+              <a:t>Vierte Ebene</a:t>
+            </a:r>
+          </a:p>
+          <a:p>
+            <a:pPr lvl="4"/>
+            <a:r>
+              <a:rPr lang="de-DE"/>
+              <a:t>Fünfte Ebene</a:t>
+            </a:r>
+            <a:endParaRPr lang="en-US"/>
+          </a:p>
+        </p:txBody>
+      </p:sp>
+      <p:sp>
+        <p:nvSpPr>
+          <p:cNvPr id="6" name="Fußzeilenplatzhalter 5"/>
+          <p:cNvSpPr>
+            <a:spLocks noGrp="1"/>
+          </p:cNvSpPr>
+          <p:nvPr>
+            <p:ph type="ftr" sz="quarter" idx="4"/>
+          </p:nvPr>
+        </p:nvSpPr>
+        <p:spPr>
+          <a:xfrm>
+            <a:off x="0" y="8685213"/>
+            <a:ext cx="2971800" cy="458787"/>
+          </a:xfrm>
+          <a:prstGeom prst="rect">
+            <a:avLst/>
+          </a:prstGeom>
+        </p:spPr>
+        <p:txBody>
+          <a:bodyPr vert="horz" lIns="91440" tIns="45720" rIns="91440" bIns="45720" rtlCol="0" anchor="b"/>
+          <a:lstStyle>
+            <a:lvl1pPr algn="l">
+              <a:defRPr sz="1200"/>
+            </a:lvl1pPr>
+          </a:lstStyle>
+          <a:p>
+            <a:endParaRPr lang="en-US"/>
+          </a:p>
+        </p:txBody>
+      </p:sp>
+      <p:sp>
+        <p:nvSpPr>
+          <p:cNvPr id="7" name="Foliennummernplatzhalter 6"/>
+          <p:cNvSpPr>
+            <a:spLocks noGrp="1"/>
+          </p:cNvSpPr>
+          <p:nvPr>
+            <p:ph type="sldNum" sz="quarter" idx="5"/>
+          </p:nvPr>
+        </p:nvSpPr>
+        <p:spPr>
+          <a:xfrm>
+            <a:off x="3884613" y="8685213"/>
+            <a:ext cx="2971800" cy="458787"/>
+          </a:xfrm>
+          <a:prstGeom prst="rect">
+            <a:avLst/>
+          </a:prstGeom>
+        </p:spPr>
+        <p:txBody>
+          <a:bodyPr vert="horz" lIns="91440" tIns="45720" rIns="91440" bIns="45720" rtlCol="0" anchor="b"/>
+          <a:lstStyle>
+            <a:lvl1pPr algn="r">
+              <a:defRPr sz="1200"/>
+            </a:lvl1pPr>
+          </a:lstStyle>
+          <a:p>
+            <a:fld id="{75A799E7-2DAE-4EF9-A31E-B01FD93BF3B5}" type="slidenum">
+              <a:rPr lang="en-US" smtClean="0"/>
+              <a:t>‹Nr.›</a:t>
+            </a:fld>
+            <a:endParaRPr lang="en-US"/>
+          </a:p>
+        </p:txBody>
+      </p:sp>
+    </p:spTree>
+    <p:extLst>
+      <p:ext uri="{BB962C8B-B14F-4D97-AF65-F5344CB8AC3E}">
+        <p14:creationId xmlns:p14="http://schemas.microsoft.com/office/powerpoint/2010/main" val="531063486"/>
+      </p:ext>
+    </p:extLst>
+  </p:cSld>
+  <p:clrMap bg1="lt1" tx1="dk1" bg2="lt2" tx2="dk2" accent1="accent1" accent2="accent2" accent3="accent3" accent4="accent4" accent5="accent5" accent6="accent6" hlink="hlink" folHlink="folHlink"/>
+  <p:notesStyle>
+    <a:lvl1pPr marL="0" algn="l" defTabSz="914400" rtl="0" eaLnBrk="1" latinLnBrk="0" hangingPunct="1">
+      <a:defRPr sz="1200" kern="1200">
+        <a:solidFill>
+          <a:schemeClr val="tx1"/>
+        </a:solidFill>
+        <a:latin typeface="+mn-lt"/>
+        <a:ea typeface="+mn-ea"/>
+        <a:cs typeface="+mn-cs"/>
+      </a:defRPr>
+    </a:lvl1pPr>
+    <a:lvl2pPr marL="457200" algn="l" defTabSz="914400" rtl="0" eaLnBrk="1" latinLnBrk="0" hangingPunct="1">
+      <a:defRPr sz="1200" kern="1200">
+        <a:solidFill>
+          <a:schemeClr val="tx1"/>
+        </a:solidFill>
+        <a:latin typeface="+mn-lt"/>
+        <a:ea typeface="+mn-ea"/>
+        <a:cs typeface="+mn-cs"/>
+      </a:defRPr>
+    </a:lvl2pPr>
+    <a:lvl3pPr marL="914400" algn="l" defTabSz="914400" rtl="0" eaLnBrk="1" latinLnBrk="0" hangingPunct="1">
+      <a:defRPr sz="1200" kern="1200">
+        <a:solidFill>
+          <a:schemeClr val="tx1"/>
+        </a:solidFill>
+        <a:latin typeface="+mn-lt"/>
+        <a:ea typeface="+mn-ea"/>
+        <a:cs typeface="+mn-cs"/>
+      </a:defRPr>
+    </a:lvl3pPr>
+    <a:lvl4pPr marL="1371600" algn="l" defTabSz="914400" rtl="0" eaLnBrk="1" latinLnBrk="0" hangingPunct="1">
+      <a:defRPr sz="1200" kern="1200">
+        <a:solidFill>
+          <a:schemeClr val="tx1"/>
+        </a:solidFill>
+        <a:latin typeface="+mn-lt"/>
+        <a:ea typeface="+mn-ea"/>
+        <a:cs typeface="+mn-cs"/>
+      </a:defRPr>
+    </a:lvl4pPr>
+    <a:lvl5pPr marL="1828800" algn="l" defTabSz="914400" rtl="0" eaLnBrk="1" latinLnBrk="0" hangingPunct="1">
+      <a:defRPr sz="1200" kern="1200">
+        <a:solidFill>
+          <a:schemeClr val="tx1"/>
+        </a:solidFill>
+        <a:latin typeface="+mn-lt"/>
+        <a:ea typeface="+mn-ea"/>
+        <a:cs typeface="+mn-cs"/>
+      </a:defRPr>
+    </a:lvl5pPr>
+    <a:lvl6pPr marL="2286000" algn="l" defTabSz="914400" rtl="0" eaLnBrk="1" latinLnBrk="0" hangingPunct="1">
+      <a:defRPr sz="1200" kern="1200">
+        <a:solidFill>
+          <a:schemeClr val="tx1"/>
+        </a:solidFill>
+        <a:latin typeface="+mn-lt"/>
+        <a:ea typeface="+mn-ea"/>
+        <a:cs typeface="+mn-cs"/>
+      </a:defRPr>
+    </a:lvl6pPr>
+    <a:lvl7pPr marL="2743200" algn="l" defTabSz="914400" rtl="0" eaLnBrk="1" latinLnBrk="0" hangingPunct="1">
+      <a:defRPr sz="1200" kern="1200">
+        <a:solidFill>
+          <a:schemeClr val="tx1"/>
+        </a:solidFill>
+        <a:latin typeface="+mn-lt"/>
+        <a:ea typeface="+mn-ea"/>
+        <a:cs typeface="+mn-cs"/>
+      </a:defRPr>
+    </a:lvl7pPr>
+    <a:lvl8pPr marL="3200400" algn="l" defTabSz="914400" rtl="0" eaLnBrk="1" latinLnBrk="0" hangingPunct="1">
+      <a:defRPr sz="1200" kern="1200">
+        <a:solidFill>
+          <a:schemeClr val="tx1"/>
+        </a:solidFill>
+        <a:latin typeface="+mn-lt"/>
+        <a:ea typeface="+mn-ea"/>
+        <a:cs typeface="+mn-cs"/>
+      </a:defRPr>
+    </a:lvl8pPr>
+    <a:lvl9pPr marL="3657600" algn="l" defTabSz="914400" rtl="0" eaLnBrk="1" latinLnBrk="0" hangingPunct="1">
+      <a:defRPr sz="1200" kern="1200">
+        <a:solidFill>
+          <a:schemeClr val="tx1"/>
+        </a:solidFill>
+        <a:latin typeface="+mn-lt"/>
+        <a:ea typeface="+mn-ea"/>
+        <a:cs typeface="+mn-cs"/>
+      </a:defRPr>
+    </a:lvl9pPr>
+  </p:notesStyle>
+</p:notesMaster>
+</file>
+
+<file path=ppt/notesSlides/notesSlide1.xml><?xml version="1.0" encoding="utf-8"?>
+<p:notes xmlns:a="http://schemas.openxmlformats.org/drawingml/2006/main" xmlns:r="http://schemas.openxmlformats.org/officeDocument/2006/relationships" xmlns:p="http://schemas.openxmlformats.org/presentationml/2006/main">
+  <p:cSld>
+    <p:spTree>
+      <p:nvGrpSpPr>
+        <p:cNvPr id="1" name=""/>
+        <p:cNvGrpSpPr/>
+        <p:nvPr/>
+      </p:nvGrpSpPr>
+      <p:grpSpPr>
+        <a:xfrm>
+          <a:off x="0" y="0"/>
+          <a:ext cx="0" cy="0"/>
+          <a:chOff x="0" y="0"/>
+          <a:chExt cx="0" cy="0"/>
+        </a:xfrm>
+      </p:grpSpPr>
+      <p:sp>
+        <p:nvSpPr>
+          <p:cNvPr id="2" name="Folienbildplatzhalter 1"/>
+          <p:cNvSpPr>
+            <a:spLocks noGrp="1" noRot="1" noChangeAspect="1"/>
+          </p:cNvSpPr>
+          <p:nvPr>
+            <p:ph type="sldImg"/>
+          </p:nvPr>
+        </p:nvSpPr>
+        <p:spPr/>
+      </p:sp>
+      <p:sp>
+        <p:nvSpPr>
+          <p:cNvPr id="3" name="Notizenplatzhalter 2"/>
+          <p:cNvSpPr>
+            <a:spLocks noGrp="1"/>
+          </p:cNvSpPr>
+          <p:nvPr>
+            <p:ph type="body" idx="1"/>
+          </p:nvPr>
+        </p:nvSpPr>
+        <p:spPr/>
+        <p:txBody>
+          <a:bodyPr/>
+          <a:lstStyle/>
+          <a:p>
+            <a:r>
+              <a:rPr lang="de-AT" dirty="0"/>
+              <a:t>NASA: </a:t>
+            </a:r>
+            <a:r>
+              <a:rPr lang="de-AT" dirty="0" err="1"/>
+              <a:t>class</a:t>
+            </a:r>
+            <a:r>
+              <a:rPr lang="de-AT" dirty="0"/>
+              <a:t> Physics erwartet Winkel in Grad (°) und alle anderen Klassen erwarten Winkel in </a:t>
+            </a:r>
+            <a:r>
+              <a:rPr lang="de-AT" dirty="0" err="1"/>
+              <a:t>radiant</a:t>
+            </a:r>
+            <a:r>
+              <a:rPr lang="de-AT" dirty="0"/>
+              <a:t>.</a:t>
+            </a:r>
+          </a:p>
+          <a:p>
+            <a:r>
+              <a:rPr lang="de-AT" dirty="0"/>
+              <a:t>Besprechung lt. 1 Einheit: Arbeiten in Grad (lt. Mitschrift Patrick)</a:t>
+            </a:r>
+            <a:endParaRPr lang="en-US" dirty="0"/>
+          </a:p>
+        </p:txBody>
+      </p:sp>
+      <p:sp>
+        <p:nvSpPr>
+          <p:cNvPr id="4" name="Foliennummernplatzhalter 3"/>
+          <p:cNvSpPr>
+            <a:spLocks noGrp="1"/>
+          </p:cNvSpPr>
+          <p:nvPr>
+            <p:ph type="sldNum" sz="quarter" idx="10"/>
+          </p:nvPr>
+        </p:nvSpPr>
+        <p:spPr/>
+        <p:txBody>
+          <a:bodyPr/>
+          <a:lstStyle/>
+          <a:p>
+            <a:fld id="{75A799E7-2DAE-4EF9-A31E-B01FD93BF3B5}" type="slidenum">
+              <a:rPr lang="en-US" smtClean="0"/>
+              <a:t>8</a:t>
+            </a:fld>
+            <a:endParaRPr lang="en-US"/>
+          </a:p>
+        </p:txBody>
+      </p:sp>
+    </p:spTree>
+    <p:extLst>
+      <p:ext uri="{BB962C8B-B14F-4D97-AF65-F5344CB8AC3E}">
+        <p14:creationId xmlns:p14="http://schemas.microsoft.com/office/powerpoint/2010/main" val="2523875158"/>
+      </p:ext>
+    </p:extLst>
+  </p:cSld>
+  <p:clrMapOvr>
+    <a:masterClrMapping/>
+  </p:clrMapOvr>
+</p:notes>
+</file>
+
+<file path=ppt/notesSlides/notesSlide2.xml><?xml version="1.0" encoding="utf-8"?>
+<p:notes xmlns:a="http://schemas.openxmlformats.org/drawingml/2006/main" xmlns:r="http://schemas.openxmlformats.org/officeDocument/2006/relationships" xmlns:p="http://schemas.openxmlformats.org/presentationml/2006/main">
+  <p:cSld>
+    <p:spTree>
+      <p:nvGrpSpPr>
+        <p:cNvPr id="1" name=""/>
+        <p:cNvGrpSpPr/>
+        <p:nvPr/>
+      </p:nvGrpSpPr>
+      <p:grpSpPr>
+        <a:xfrm>
+          <a:off x="0" y="0"/>
+          <a:ext cx="0" cy="0"/>
+          <a:chOff x="0" y="0"/>
+          <a:chExt cx="0" cy="0"/>
+        </a:xfrm>
+      </p:grpSpPr>
+      <p:sp>
+        <p:nvSpPr>
+          <p:cNvPr id="2" name="Folienbildplatzhalter 1"/>
+          <p:cNvSpPr>
+            <a:spLocks noGrp="1" noRot="1" noChangeAspect="1"/>
+          </p:cNvSpPr>
+          <p:nvPr>
+            <p:ph type="sldImg"/>
+          </p:nvPr>
+        </p:nvSpPr>
+        <p:spPr/>
+      </p:sp>
+      <p:sp>
+        <p:nvSpPr>
+          <p:cNvPr id="3" name="Notizenplatzhalter 2"/>
+          <p:cNvSpPr>
+            <a:spLocks noGrp="1"/>
+          </p:cNvSpPr>
+          <p:nvPr>
+            <p:ph type="body" idx="1"/>
+          </p:nvPr>
+        </p:nvSpPr>
+        <p:spPr/>
+        <p:txBody>
+          <a:bodyPr/>
+          <a:lstStyle/>
+          <a:p>
+            <a:r>
+              <a:rPr lang="de-AT" dirty="0"/>
+              <a:t>Am Master liegt nur das „rohe“ Projekt von Herrn </a:t>
+            </a:r>
+            <a:r>
+              <a:rPr lang="de-AT" dirty="0" err="1"/>
+              <a:t>Faschinger</a:t>
+            </a:r>
+            <a:endParaRPr lang="en-US" dirty="0"/>
+          </a:p>
+          <a:p>
+            <a:r>
+              <a:rPr lang="de-AT" dirty="0"/>
+              <a:t>D</a:t>
+            </a:r>
+            <a:r>
+              <a:rPr lang="en-US" dirty="0" err="1"/>
+              <a:t>ev</a:t>
+            </a:r>
+            <a:r>
+              <a:rPr lang="en-US" dirty="0"/>
+              <a:t>.: </a:t>
+            </a:r>
+            <a:r>
+              <a:rPr lang="en-US" dirty="0" err="1"/>
+              <a:t>Alle</a:t>
+            </a:r>
+            <a:r>
+              <a:rPr lang="en-US" dirty="0"/>
+              <a:t> </a:t>
+            </a:r>
+            <a:r>
+              <a:rPr lang="en-US" dirty="0" err="1"/>
+              <a:t>Mitglieder</a:t>
+            </a:r>
+            <a:r>
+              <a:rPr lang="en-US" dirty="0"/>
+              <a:t> </a:t>
+            </a:r>
+            <a:r>
+              <a:rPr lang="en-US" dirty="0" err="1"/>
+              <a:t>programmieren</a:t>
+            </a:r>
+            <a:r>
+              <a:rPr lang="en-US" dirty="0"/>
+              <a:t> und </a:t>
+            </a:r>
+            <a:r>
+              <a:rPr lang="en-US" dirty="0" err="1"/>
+              <a:t>entwickeln</a:t>
+            </a:r>
+            <a:r>
+              <a:rPr lang="en-US" dirty="0"/>
+              <a:t> auf </a:t>
+            </a:r>
+            <a:r>
+              <a:rPr lang="en-US" dirty="0" err="1"/>
+              <a:t>diesem</a:t>
+            </a:r>
+            <a:r>
+              <a:rPr lang="en-US" dirty="0"/>
+              <a:t> Zweig</a:t>
+            </a:r>
+          </a:p>
+          <a:p>
+            <a:r>
+              <a:rPr lang="de-AT" dirty="0"/>
+              <a:t>M</a:t>
+            </a:r>
+            <a:r>
+              <a:rPr lang="en-US" dirty="0" err="1"/>
+              <a:t>eist</a:t>
+            </a:r>
+            <a:r>
+              <a:rPr lang="en-US" dirty="0"/>
+              <a:t> </a:t>
+            </a:r>
+            <a:r>
+              <a:rPr lang="en-US" dirty="0" err="1"/>
+              <a:t>Probleme</a:t>
+            </a:r>
+            <a:r>
+              <a:rPr lang="en-US" dirty="0"/>
+              <a:t> </a:t>
+            </a:r>
+            <a:r>
+              <a:rPr lang="en-US" dirty="0" err="1"/>
+              <a:t>bei</a:t>
+            </a:r>
+            <a:r>
+              <a:rPr lang="en-US" dirty="0"/>
+              <a:t> </a:t>
+            </a:r>
+            <a:r>
+              <a:rPr lang="en-US" dirty="0" err="1"/>
+              <a:t>gleichzeitigen</a:t>
+            </a:r>
+            <a:r>
+              <a:rPr lang="en-US" dirty="0"/>
+              <a:t> </a:t>
+            </a:r>
+            <a:r>
+              <a:rPr lang="en-US" dirty="0" err="1"/>
+              <a:t>Arbeiten</a:t>
+            </a:r>
+            <a:r>
+              <a:rPr lang="en-US" dirty="0"/>
+              <a:t> </a:t>
+            </a:r>
+            <a:r>
+              <a:rPr lang="en-US" dirty="0" err="1"/>
+              <a:t>während</a:t>
+            </a:r>
+            <a:r>
+              <a:rPr lang="en-US" dirty="0"/>
+              <a:t> der </a:t>
+            </a:r>
+            <a:r>
+              <a:rPr lang="en-US" dirty="0" err="1"/>
+              <a:t>Vorlesung</a:t>
+            </a:r>
+            <a:endParaRPr lang="de-AT" dirty="0"/>
+          </a:p>
+        </p:txBody>
+      </p:sp>
+      <p:sp>
+        <p:nvSpPr>
+          <p:cNvPr id="4" name="Foliennummernplatzhalter 3"/>
+          <p:cNvSpPr>
+            <a:spLocks noGrp="1"/>
+          </p:cNvSpPr>
+          <p:nvPr>
+            <p:ph type="sldNum" sz="quarter" idx="10"/>
+          </p:nvPr>
+        </p:nvSpPr>
+        <p:spPr/>
+        <p:txBody>
+          <a:bodyPr/>
+          <a:lstStyle/>
+          <a:p>
+            <a:fld id="{75A799E7-2DAE-4EF9-A31E-B01FD93BF3B5}" type="slidenum">
+              <a:rPr lang="en-US" smtClean="0"/>
+              <a:t>9</a:t>
+            </a:fld>
+            <a:endParaRPr lang="en-US"/>
+          </a:p>
+        </p:txBody>
+      </p:sp>
+    </p:spTree>
+    <p:extLst>
+      <p:ext uri="{BB962C8B-B14F-4D97-AF65-F5344CB8AC3E}">
+        <p14:creationId xmlns:p14="http://schemas.microsoft.com/office/powerpoint/2010/main" val="12484623"/>
+      </p:ext>
+    </p:extLst>
+  </p:cSld>
+  <p:clrMapOvr>
+    <a:masterClrMapping/>
+  </p:clrMapOvr>
+</p:notes>
 </file>
 
 <file path=ppt/slideLayouts/slideLayout1.xml><?xml version="1.0" encoding="utf-8"?>
@@ -837,7 +1511,7 @@
             <a:fld id="{B61BEF0D-F0BB-DE4B-95CE-6DB70DBA9567}" type="datetimeFigureOut">
               <a:rPr lang="en-US" smtClean="0"/>
               <a:pPr/>
-              <a:t>6/8/2018</a:t>
+              <a:t>6/10/2018</a:t>
             </a:fld>
             <a:endParaRPr lang="en-US" dirty="0"/>
           </a:p>
@@ -1090,7 +1764,7 @@
             <a:fld id="{B61BEF0D-F0BB-DE4B-95CE-6DB70DBA9567}" type="datetimeFigureOut">
               <a:rPr lang="en-US" smtClean="0"/>
               <a:pPr/>
-              <a:t>6/8/2018</a:t>
+              <a:t>6/10/2018</a:t>
             </a:fld>
             <a:endParaRPr lang="en-US" dirty="0"/>
           </a:p>
@@ -1406,7 +2080,7 @@
             <a:fld id="{B61BEF0D-F0BB-DE4B-95CE-6DB70DBA9567}" type="datetimeFigureOut">
               <a:rPr lang="en-US" smtClean="0"/>
               <a:pPr/>
-              <a:t>6/8/2018</a:t>
+              <a:t>6/10/2018</a:t>
             </a:fld>
             <a:endParaRPr lang="en-US" dirty="0"/>
           </a:p>
@@ -1749,7 +2423,7 @@
             <a:fld id="{B61BEF0D-F0BB-DE4B-95CE-6DB70DBA9567}" type="datetimeFigureOut">
               <a:rPr lang="en-US" smtClean="0"/>
               <a:pPr/>
-              <a:t>6/8/2018</a:t>
+              <a:t>6/10/2018</a:t>
             </a:fld>
             <a:endParaRPr lang="en-US" dirty="0"/>
           </a:p>
@@ -2065,7 +2739,7 @@
             <a:fld id="{B61BEF0D-F0BB-DE4B-95CE-6DB70DBA9567}" type="datetimeFigureOut">
               <a:rPr lang="en-US" smtClean="0"/>
               <a:pPr/>
-              <a:t>6/8/2018</a:t>
+              <a:t>6/10/2018</a:t>
             </a:fld>
             <a:endParaRPr lang="en-US" dirty="0"/>
           </a:p>
@@ -2460,7 +3134,7 @@
             <a:fld id="{B61BEF0D-F0BB-DE4B-95CE-6DB70DBA9567}" type="datetimeFigureOut">
               <a:rPr lang="en-US" smtClean="0"/>
               <a:pPr/>
-              <a:t>6/8/2018</a:t>
+              <a:t>6/10/2018</a:t>
             </a:fld>
             <a:endParaRPr lang="en-US" dirty="0"/>
           </a:p>
@@ -2632,7 +3306,7 @@
             <a:fld id="{B61BEF0D-F0BB-DE4B-95CE-6DB70DBA9567}" type="datetimeFigureOut">
               <a:rPr lang="en-US" smtClean="0"/>
               <a:pPr/>
-              <a:t>6/8/2018</a:t>
+              <a:t>6/10/2018</a:t>
             </a:fld>
             <a:endParaRPr lang="en-US" dirty="0"/>
           </a:p>
@@ -2814,7 +3488,7 @@
             <a:fld id="{B61BEF0D-F0BB-DE4B-95CE-6DB70DBA9567}" type="datetimeFigureOut">
               <a:rPr lang="en-US" smtClean="0"/>
               <a:pPr/>
-              <a:t>6/8/2018</a:t>
+              <a:t>6/10/2018</a:t>
             </a:fld>
             <a:endParaRPr lang="en-US" dirty="0"/>
           </a:p>
@@ -2992,7 +3666,7 @@
             <a:fld id="{B61BEF0D-F0BB-DE4B-95CE-6DB70DBA9567}" type="datetimeFigureOut">
               <a:rPr lang="en-US" smtClean="0"/>
               <a:pPr/>
-              <a:t>6/8/2018</a:t>
+              <a:t>6/10/2018</a:t>
             </a:fld>
             <a:endParaRPr lang="en-US" dirty="0"/>
           </a:p>
@@ -3241,7 +3915,7 @@
             <a:fld id="{B61BEF0D-F0BB-DE4B-95CE-6DB70DBA9567}" type="datetimeFigureOut">
               <a:rPr lang="en-US" smtClean="0"/>
               <a:pPr/>
-              <a:t>6/8/2018</a:t>
+              <a:t>6/10/2018</a:t>
             </a:fld>
             <a:endParaRPr lang="en-US" dirty="0"/>
           </a:p>
@@ -3475,7 +4149,7 @@
             <a:fld id="{B61BEF0D-F0BB-DE4B-95CE-6DB70DBA9567}" type="datetimeFigureOut">
               <a:rPr lang="en-US" smtClean="0"/>
               <a:pPr/>
-              <a:t>6/8/2018</a:t>
+              <a:t>6/10/2018</a:t>
             </a:fld>
             <a:endParaRPr lang="en-US" dirty="0"/>
           </a:p>
@@ -3851,7 +4525,7 @@
             <a:fld id="{B61BEF0D-F0BB-DE4B-95CE-6DB70DBA9567}" type="datetimeFigureOut">
               <a:rPr lang="en-US" smtClean="0"/>
               <a:pPr/>
-              <a:t>6/8/2018</a:t>
+              <a:t>6/10/2018</a:t>
             </a:fld>
             <a:endParaRPr lang="en-US" dirty="0"/>
           </a:p>
@@ -3976,7 +4650,7 @@
             <a:fld id="{B61BEF0D-F0BB-DE4B-95CE-6DB70DBA9567}" type="datetimeFigureOut">
               <a:rPr lang="en-US" smtClean="0"/>
               <a:pPr/>
-              <a:t>6/8/2018</a:t>
+              <a:t>6/10/2018</a:t>
             </a:fld>
             <a:endParaRPr lang="en-US" dirty="0"/>
           </a:p>
@@ -4073,7 +4747,7 @@
             <a:fld id="{B61BEF0D-F0BB-DE4B-95CE-6DB70DBA9567}" type="datetimeFigureOut">
               <a:rPr lang="en-US" smtClean="0"/>
               <a:pPr/>
-              <a:t>6/8/2018</a:t>
+              <a:t>6/10/2018</a:t>
             </a:fld>
             <a:endParaRPr lang="en-US" dirty="0"/>
           </a:p>
@@ -4330,7 +5004,7 @@
             <a:fld id="{B61BEF0D-F0BB-DE4B-95CE-6DB70DBA9567}" type="datetimeFigureOut">
               <a:rPr lang="en-US" smtClean="0"/>
               <a:pPr/>
-              <a:t>6/8/2018</a:t>
+              <a:t>6/10/2018</a:t>
             </a:fld>
             <a:endParaRPr lang="en-US" dirty="0"/>
           </a:p>
@@ -4595,7 +5269,7 @@
             <a:fld id="{B61BEF0D-F0BB-DE4B-95CE-6DB70DBA9567}" type="datetimeFigureOut">
               <a:rPr lang="en-US" smtClean="0"/>
               <a:pPr/>
-              <a:t>6/8/2018</a:t>
+              <a:t>6/10/2018</a:t>
             </a:fld>
             <a:endParaRPr lang="en-US" dirty="0"/>
           </a:p>
@@ -5340,7 +6014,7 @@
             <a:fld id="{B61BEF0D-F0BB-DE4B-95CE-6DB70DBA9567}" type="datetimeFigureOut">
               <a:rPr lang="en-US" smtClean="0"/>
               <a:pPr/>
-              <a:t>6/8/2018</a:t>
+              <a:t>6/10/2018</a:t>
             </a:fld>
             <a:endParaRPr lang="en-US" dirty="0"/>
           </a:p>
@@ -5988,6 +6662,353 @@
 <file path=ppt/slides/slide2.xml><?xml version="1.0" encoding="utf-8"?>
 <p:sld xmlns:a="http://schemas.openxmlformats.org/drawingml/2006/main" xmlns:r="http://schemas.openxmlformats.org/officeDocument/2006/relationships" xmlns:p="http://schemas.openxmlformats.org/presentationml/2006/main">
   <p:cSld>
+    <p:spTree>
+      <p:nvGrpSpPr>
+        <p:cNvPr id="1" name=""/>
+        <p:cNvGrpSpPr/>
+        <p:nvPr/>
+      </p:nvGrpSpPr>
+      <p:grpSpPr>
+        <a:xfrm>
+          <a:off x="0" y="0"/>
+          <a:ext cx="0" cy="0"/>
+          <a:chOff x="0" y="0"/>
+          <a:chExt cx="0" cy="0"/>
+        </a:xfrm>
+      </p:grpSpPr>
+      <p:sp>
+        <p:nvSpPr>
+          <p:cNvPr id="2" name="Titel 1">
+            <a:extLst>
+              <a:ext uri="{FF2B5EF4-FFF2-40B4-BE49-F238E27FC236}">
+                <a16:creationId xmlns:a16="http://schemas.microsoft.com/office/drawing/2014/main" id="{1B940CD1-0464-4B6E-B7F7-C7C628711E71}"/>
+              </a:ext>
+            </a:extLst>
+          </p:cNvPr>
+          <p:cNvSpPr>
+            <a:spLocks noGrp="1"/>
+          </p:cNvSpPr>
+          <p:nvPr>
+            <p:ph type="title"/>
+          </p:nvPr>
+        </p:nvSpPr>
+        <p:spPr>
+          <a:xfrm>
+            <a:off x="677334" y="609600"/>
+            <a:ext cx="8596668" cy="1320800"/>
+          </a:xfrm>
+        </p:spPr>
+        <p:txBody>
+          <a:bodyPr/>
+          <a:lstStyle/>
+          <a:p>
+            <a:r>
+              <a:rPr lang="de-AT" dirty="0"/>
+              <a:t>Softwareentwurf</a:t>
+            </a:r>
+            <a:endParaRPr lang="en-US" dirty="0"/>
+          </a:p>
+        </p:txBody>
+      </p:sp>
+      <p:pic>
+        <p:nvPicPr>
+          <p:cNvPr id="4" name="Inhaltsplatzhalter 3">
+            <a:extLst>
+              <a:ext uri="{FF2B5EF4-FFF2-40B4-BE49-F238E27FC236}">
+                <a16:creationId xmlns:a16="http://schemas.microsoft.com/office/drawing/2014/main" id="{AACC0D56-B808-49FB-A8A0-5950D648EEF1}"/>
+              </a:ext>
+            </a:extLst>
+          </p:cNvPr>
+          <p:cNvPicPr>
+            <a:picLocks noGrp="1" noChangeAspect="1"/>
+          </p:cNvPicPr>
+          <p:nvPr>
+            <p:ph idx="1"/>
+          </p:nvPr>
+        </p:nvPicPr>
+        <p:blipFill rotWithShape="1">
+          <a:blip r:embed="rId2"/>
+          <a:srcRect l="20981" t="23599" r="20609" b="56278"/>
+          <a:stretch/>
+        </p:blipFill>
+        <p:spPr>
+          <a:xfrm>
+            <a:off x="677334" y="2380516"/>
+            <a:ext cx="8720306" cy="2096965"/>
+          </a:xfrm>
+          <a:prstGeom prst="rect">
+            <a:avLst/>
+          </a:prstGeom>
+        </p:spPr>
+      </p:pic>
+      <p:cxnSp>
+        <p:nvCxnSpPr>
+          <p:cNvPr id="6" name="Gerade Verbindung mit Pfeil 5">
+            <a:extLst>
+              <a:ext uri="{FF2B5EF4-FFF2-40B4-BE49-F238E27FC236}">
+                <a16:creationId xmlns:a16="http://schemas.microsoft.com/office/drawing/2014/main" id="{5D49E99B-E93D-499E-BE67-BF5C3FD15497}"/>
+              </a:ext>
+            </a:extLst>
+          </p:cNvPr>
+          <p:cNvCxnSpPr>
+            <a:cxnSpLocks/>
+          </p:cNvCxnSpPr>
+          <p:nvPr/>
+        </p:nvCxnSpPr>
+        <p:spPr>
+          <a:xfrm flipH="1">
+            <a:off x="4975668" y="1808285"/>
+            <a:ext cx="1266825" cy="1149349"/>
+          </a:xfrm>
+          <a:prstGeom prst="straightConnector1">
+            <a:avLst/>
+          </a:prstGeom>
+          <a:ln w="38100">
+            <a:solidFill>
+              <a:srgbClr val="FF0000"/>
+            </a:solidFill>
+            <a:tailEnd type="triangle"/>
+          </a:ln>
+          <a:scene3d>
+            <a:camera prst="perspectiveContrastingLeftFacing"/>
+            <a:lightRig rig="threePt" dir="t"/>
+          </a:scene3d>
+        </p:spPr>
+        <p:style>
+          <a:lnRef idx="1">
+            <a:schemeClr val="accent1"/>
+          </a:lnRef>
+          <a:fillRef idx="0">
+            <a:schemeClr val="accent1"/>
+          </a:fillRef>
+          <a:effectRef idx="0">
+            <a:schemeClr val="accent1"/>
+          </a:effectRef>
+          <a:fontRef idx="minor">
+            <a:schemeClr val="tx1"/>
+          </a:fontRef>
+        </p:style>
+      </p:cxnSp>
+      <p:sp>
+        <p:nvSpPr>
+          <p:cNvPr id="8" name="Textfeld 7">
+            <a:extLst>
+              <a:ext uri="{FF2B5EF4-FFF2-40B4-BE49-F238E27FC236}">
+                <a16:creationId xmlns:a16="http://schemas.microsoft.com/office/drawing/2014/main" id="{8C753AF6-F287-4362-BAA8-97D2255A68D5}"/>
+              </a:ext>
+            </a:extLst>
+          </p:cNvPr>
+          <p:cNvSpPr txBox="1"/>
+          <p:nvPr/>
+        </p:nvSpPr>
+        <p:spPr>
+          <a:xfrm>
+            <a:off x="6096000" y="1621176"/>
+            <a:ext cx="1966546" cy="369332"/>
+          </a:xfrm>
+          <a:prstGeom prst="rect">
+            <a:avLst/>
+          </a:prstGeom>
+          <a:noFill/>
+        </p:spPr>
+        <p:txBody>
+          <a:bodyPr wrap="square" rtlCol="0">
+            <a:spAutoFit/>
+          </a:bodyPr>
+          <a:lstStyle/>
+          <a:p>
+            <a:r>
+              <a:rPr lang="de-AT" dirty="0"/>
+              <a:t>BALL</a:t>
+            </a:r>
+            <a:endParaRPr lang="en-US" dirty="0"/>
+          </a:p>
+        </p:txBody>
+      </p:sp>
+      <p:cxnSp>
+        <p:nvCxnSpPr>
+          <p:cNvPr id="9" name="Gerade Verbindung mit Pfeil 8">
+            <a:extLst>
+              <a:ext uri="{FF2B5EF4-FFF2-40B4-BE49-F238E27FC236}">
+                <a16:creationId xmlns:a16="http://schemas.microsoft.com/office/drawing/2014/main" id="{C32EFE29-7A73-44E3-9F1D-6DC90B924E0A}"/>
+              </a:ext>
+            </a:extLst>
+          </p:cNvPr>
+          <p:cNvCxnSpPr>
+            <a:cxnSpLocks/>
+          </p:cNvCxnSpPr>
+          <p:nvPr/>
+        </p:nvCxnSpPr>
+        <p:spPr>
+          <a:xfrm flipV="1">
+            <a:off x="1081454" y="3229219"/>
+            <a:ext cx="1338630" cy="1984620"/>
+          </a:xfrm>
+          <a:prstGeom prst="straightConnector1">
+            <a:avLst/>
+          </a:prstGeom>
+          <a:ln w="38100">
+            <a:solidFill>
+              <a:srgbClr val="FF0000"/>
+            </a:solidFill>
+            <a:tailEnd type="triangle"/>
+          </a:ln>
+          <a:scene3d>
+            <a:camera prst="perspectiveContrastingLeftFacing"/>
+            <a:lightRig rig="threePt" dir="t"/>
+          </a:scene3d>
+        </p:spPr>
+        <p:style>
+          <a:lnRef idx="1">
+            <a:schemeClr val="accent1"/>
+          </a:lnRef>
+          <a:fillRef idx="0">
+            <a:schemeClr val="accent1"/>
+          </a:fillRef>
+          <a:effectRef idx="0">
+            <a:schemeClr val="accent1"/>
+          </a:effectRef>
+          <a:fontRef idx="minor">
+            <a:schemeClr val="tx1"/>
+          </a:fontRef>
+        </p:style>
+      </p:cxnSp>
+      <p:sp>
+        <p:nvSpPr>
+          <p:cNvPr id="11" name="Textfeld 10">
+            <a:extLst>
+              <a:ext uri="{FF2B5EF4-FFF2-40B4-BE49-F238E27FC236}">
+                <a16:creationId xmlns:a16="http://schemas.microsoft.com/office/drawing/2014/main" id="{66E38F57-79DC-4786-B76A-FD64AFA5C7DE}"/>
+              </a:ext>
+            </a:extLst>
+          </p:cNvPr>
+          <p:cNvSpPr txBox="1"/>
+          <p:nvPr/>
+        </p:nvSpPr>
+        <p:spPr>
+          <a:xfrm>
+            <a:off x="1081454" y="5141518"/>
+            <a:ext cx="1966546" cy="369332"/>
+          </a:xfrm>
+          <a:prstGeom prst="rect">
+            <a:avLst/>
+          </a:prstGeom>
+          <a:noFill/>
+        </p:spPr>
+        <p:txBody>
+          <a:bodyPr wrap="square" rtlCol="0">
+            <a:spAutoFit/>
+          </a:bodyPr>
+          <a:lstStyle/>
+          <a:p>
+            <a:r>
+              <a:rPr lang="de-AT" dirty="0"/>
+              <a:t>WIPPE</a:t>
+            </a:r>
+            <a:endParaRPr lang="en-US" dirty="0"/>
+          </a:p>
+        </p:txBody>
+      </p:sp>
+      <p:cxnSp>
+        <p:nvCxnSpPr>
+          <p:cNvPr id="12" name="Gerade Verbindung mit Pfeil 11">
+            <a:extLst>
+              <a:ext uri="{FF2B5EF4-FFF2-40B4-BE49-F238E27FC236}">
+                <a16:creationId xmlns:a16="http://schemas.microsoft.com/office/drawing/2014/main" id="{E7C7F186-202D-4A07-8232-FA439F774DB7}"/>
+              </a:ext>
+            </a:extLst>
+          </p:cNvPr>
+          <p:cNvCxnSpPr>
+            <a:cxnSpLocks/>
+          </p:cNvCxnSpPr>
+          <p:nvPr/>
+        </p:nvCxnSpPr>
+        <p:spPr>
+          <a:xfrm>
+            <a:off x="7578969" y="2145323"/>
+            <a:ext cx="79131" cy="2722170"/>
+          </a:xfrm>
+          <a:prstGeom prst="straightConnector1">
+            <a:avLst/>
+          </a:prstGeom>
+          <a:ln w="38100">
+            <a:solidFill>
+              <a:srgbClr val="FF0000"/>
+            </a:solidFill>
+            <a:tailEnd type="triangle"/>
+          </a:ln>
+          <a:scene3d>
+            <a:camera prst="perspectiveContrastingLeftFacing"/>
+            <a:lightRig rig="threePt" dir="t"/>
+          </a:scene3d>
+        </p:spPr>
+        <p:style>
+          <a:lnRef idx="1">
+            <a:schemeClr val="accent1"/>
+          </a:lnRef>
+          <a:fillRef idx="0">
+            <a:schemeClr val="accent1"/>
+          </a:fillRef>
+          <a:effectRef idx="0">
+            <a:schemeClr val="accent1"/>
+          </a:effectRef>
+          <a:fontRef idx="minor">
+            <a:schemeClr val="tx1"/>
+          </a:fontRef>
+        </p:style>
+      </p:cxnSp>
+      <p:sp>
+        <p:nvSpPr>
+          <p:cNvPr id="22" name="Textfeld 21">
+            <a:extLst>
+              <a:ext uri="{FF2B5EF4-FFF2-40B4-BE49-F238E27FC236}">
+                <a16:creationId xmlns:a16="http://schemas.microsoft.com/office/drawing/2014/main" id="{B57B3C4F-9EEC-4450-9F57-5F0C85E35103}"/>
+              </a:ext>
+            </a:extLst>
+          </p:cNvPr>
+          <p:cNvSpPr txBox="1"/>
+          <p:nvPr/>
+        </p:nvSpPr>
+        <p:spPr>
+          <a:xfrm>
+            <a:off x="6811107" y="4866340"/>
+            <a:ext cx="1966546" cy="369332"/>
+          </a:xfrm>
+          <a:prstGeom prst="rect">
+            <a:avLst/>
+          </a:prstGeom>
+          <a:noFill/>
+        </p:spPr>
+        <p:txBody>
+          <a:bodyPr wrap="square" rtlCol="0">
+            <a:spAutoFit/>
+          </a:bodyPr>
+          <a:lstStyle/>
+          <a:p>
+            <a:r>
+              <a:rPr lang="de-AT" dirty="0"/>
+              <a:t>SCHWERKRAFT</a:t>
+            </a:r>
+            <a:endParaRPr lang="en-US" dirty="0"/>
+          </a:p>
+        </p:txBody>
+      </p:sp>
+    </p:spTree>
+    <p:extLst>
+      <p:ext uri="{BB962C8B-B14F-4D97-AF65-F5344CB8AC3E}">
+        <p14:creationId xmlns:p14="http://schemas.microsoft.com/office/powerpoint/2010/main" val="936729658"/>
+      </p:ext>
+    </p:extLst>
+  </p:cSld>
+  <p:clrMapOvr>
+    <a:masterClrMapping/>
+  </p:clrMapOvr>
+</p:sld>
+</file>
+
+<file path=ppt/slides/slide3.xml><?xml version="1.0" encoding="utf-8"?>
+<p:sld xmlns:a="http://schemas.openxmlformats.org/drawingml/2006/main" xmlns:r="http://schemas.openxmlformats.org/officeDocument/2006/relationships" xmlns:p="http://schemas.openxmlformats.org/presentationml/2006/main">
+  <p:cSld>
     <p:bg>
       <p:bgPr>
         <a:solidFill>
@@ -6765,38 +7786,6 @@
           </a:fontRef>
         </p:style>
       </p:sp>
-      <p:pic>
-        <p:nvPicPr>
-          <p:cNvPr id="4" name="Inhaltsplatzhalter 3">
-            <a:extLst>
-              <a:ext uri="{FF2B5EF4-FFF2-40B4-BE49-F238E27FC236}">
-                <a16:creationId xmlns:a16="http://schemas.microsoft.com/office/drawing/2014/main" id="{FAFB1091-2A85-4F09-97D1-1C046E283619}"/>
-              </a:ext>
-            </a:extLst>
-          </p:cNvPr>
-          <p:cNvPicPr>
-            <a:picLocks noGrp="1" noChangeAspect="1"/>
-          </p:cNvPicPr>
-          <p:nvPr>
-            <p:ph idx="1"/>
-          </p:nvPr>
-        </p:nvPicPr>
-        <p:blipFill>
-          <a:blip r:embed="rId2"/>
-          <a:stretch>
-            <a:fillRect/>
-          </a:stretch>
-        </p:blipFill>
-        <p:spPr>
-          <a:xfrm>
-            <a:off x="888603" y="1611012"/>
-            <a:ext cx="4887354" cy="3635976"/>
-          </a:xfrm>
-          <a:prstGeom prst="rect">
-            <a:avLst/>
-          </a:prstGeom>
-        </p:spPr>
-      </p:pic>
       <p:sp>
         <p:nvSpPr>
           <p:cNvPr id="2" name="Titel 1">
@@ -6839,6 +7828,38 @@
           </a:p>
         </p:txBody>
       </p:sp>
+      <p:pic>
+        <p:nvPicPr>
+          <p:cNvPr id="7" name="Inhaltsplatzhalter 6">
+            <a:extLst>
+              <a:ext uri="{FF2B5EF4-FFF2-40B4-BE49-F238E27FC236}">
+                <a16:creationId xmlns:a16="http://schemas.microsoft.com/office/drawing/2014/main" id="{45430F2C-9D68-4246-A56A-B6787ED7C205}"/>
+              </a:ext>
+            </a:extLst>
+          </p:cNvPr>
+          <p:cNvPicPr>
+            <a:picLocks noGrp="1" noChangeAspect="1"/>
+          </p:cNvPicPr>
+          <p:nvPr>
+            <p:ph idx="1"/>
+          </p:nvPr>
+        </p:nvPicPr>
+        <p:blipFill>
+          <a:blip r:embed="rId2"/>
+          <a:stretch>
+            <a:fillRect/>
+          </a:stretch>
+        </p:blipFill>
+        <p:spPr>
+          <a:xfrm>
+            <a:off x="530624" y="2001573"/>
+            <a:ext cx="5262533" cy="3176587"/>
+          </a:xfrm>
+          <a:prstGeom prst="rect">
+            <a:avLst/>
+          </a:prstGeom>
+        </p:spPr>
+      </p:pic>
     </p:spTree>
     <p:extLst>
       <p:ext uri="{BB962C8B-B14F-4D97-AF65-F5344CB8AC3E}">
@@ -6852,7 +7873,874 @@
 </p:sld>
 </file>
 
-<file path=ppt/slides/slide3.xml><?xml version="1.0" encoding="utf-8"?>
+<file path=ppt/slides/slide4.xml><?xml version="1.0" encoding="utf-8"?>
+<p:sld xmlns:a="http://schemas.openxmlformats.org/drawingml/2006/main" xmlns:r="http://schemas.openxmlformats.org/officeDocument/2006/relationships" xmlns:p="http://schemas.openxmlformats.org/presentationml/2006/main">
+  <p:cSld>
+    <p:bg>
+      <p:bgPr>
+        <a:solidFill>
+          <a:schemeClr val="bg1"/>
+        </a:solidFill>
+        <a:effectLst/>
+      </p:bgPr>
+    </p:bg>
+    <p:spTree>
+      <p:nvGrpSpPr>
+        <p:cNvPr id="1" name=""/>
+        <p:cNvGrpSpPr/>
+        <p:nvPr/>
+      </p:nvGrpSpPr>
+      <p:grpSpPr>
+        <a:xfrm>
+          <a:off x="0" y="0"/>
+          <a:ext cx="0" cy="0"/>
+          <a:chOff x="0" y="0"/>
+          <a:chExt cx="0" cy="0"/>
+        </a:xfrm>
+      </p:grpSpPr>
+      <p:grpSp>
+        <p:nvGrpSpPr>
+          <p:cNvPr id="26" name="Group 25">
+            <a:extLst>
+              <a:ext uri="{FF2B5EF4-FFF2-40B4-BE49-F238E27FC236}">
+                <a16:creationId xmlns:a16="http://schemas.microsoft.com/office/drawing/2014/main" id="{B4DE830A-B531-4A3B-96F6-0ECE88B08555}"/>
+              </a:ext>
+              <a:ext uri="{C183D7F6-B498-43B3-948B-1728B52AA6E4}">
+                <adec:decorative xmlns:adec="http://schemas.microsoft.com/office/drawing/2017/decorative" val="1"/>
+              </a:ext>
+            </a:extLst>
+          </p:cNvPr>
+          <p:cNvGrpSpPr>
+            <a:grpSpLocks noGrp="1" noUngrp="1" noRot="1" noChangeAspect="1" noMove="1" noResize="1"/>
+          </p:cNvGrpSpPr>
+          <p:nvPr>
+            <p:extLst>
+              <p:ext uri="{386F3935-93C4-4BCD-93E2-E3B085C9AB24}">
+                <p16:designElem xmlns:p16="http://schemas.microsoft.com/office/powerpoint/2015/main" val="1"/>
+              </p:ext>
+            </p:extLst>
+          </p:nvPr>
+        </p:nvGrpSpPr>
+        <p:grpSpPr>
+          <a:xfrm>
+            <a:off x="0" y="-8467"/>
+            <a:ext cx="12192000" cy="6866467"/>
+            <a:chOff x="0" y="-8467"/>
+            <a:chExt cx="12192000" cy="6866467"/>
+          </a:xfrm>
+        </p:grpSpPr>
+        <p:cxnSp>
+          <p:nvCxnSpPr>
+            <p:cNvPr id="27" name="Straight Connector 26">
+              <a:extLst>
+                <a:ext uri="{FF2B5EF4-FFF2-40B4-BE49-F238E27FC236}">
+                  <a16:creationId xmlns:a16="http://schemas.microsoft.com/office/drawing/2014/main" id="{2813DF2C-461A-4A8F-9679-A172790D1F3A}"/>
+                </a:ext>
+                <a:ext uri="{C183D7F6-B498-43B3-948B-1728B52AA6E4}">
+                  <adec:decorative xmlns:adec="http://schemas.microsoft.com/office/drawing/2017/decorative" val="1"/>
+                </a:ext>
+              </a:extLst>
+            </p:cNvPr>
+            <p:cNvCxnSpPr/>
+            <p:nvPr>
+              <p:extLst>
+                <p:ext uri="{386F3935-93C4-4BCD-93E2-E3B085C9AB24}">
+                  <p16:designElem xmlns:p16="http://schemas.microsoft.com/office/powerpoint/2015/main" val="1"/>
+                </p:ext>
+              </p:extLst>
+            </p:nvPr>
+          </p:nvCxnSpPr>
+          <p:spPr>
+            <a:xfrm>
+              <a:off x="9371012" y="0"/>
+              <a:ext cx="1219200" cy="6858000"/>
+            </a:xfrm>
+            <a:prstGeom prst="line">
+              <a:avLst/>
+            </a:prstGeom>
+            <a:ln w="9525">
+              <a:solidFill>
+                <a:schemeClr val="bg1">
+                  <a:lumMod val="75000"/>
+                </a:schemeClr>
+              </a:solidFill>
+            </a:ln>
+          </p:spPr>
+          <p:style>
+            <a:lnRef idx="2">
+              <a:schemeClr val="accent1"/>
+            </a:lnRef>
+            <a:fillRef idx="0">
+              <a:schemeClr val="accent1"/>
+            </a:fillRef>
+            <a:effectRef idx="1">
+              <a:schemeClr val="accent1"/>
+            </a:effectRef>
+            <a:fontRef idx="minor">
+              <a:schemeClr val="tx1"/>
+            </a:fontRef>
+          </p:style>
+        </p:cxnSp>
+        <p:cxnSp>
+          <p:nvCxnSpPr>
+            <p:cNvPr id="28" name="Straight Connector 27">
+              <a:extLst>
+                <a:ext uri="{FF2B5EF4-FFF2-40B4-BE49-F238E27FC236}">
+                  <a16:creationId xmlns:a16="http://schemas.microsoft.com/office/drawing/2014/main" id="{54CD3A85-C039-4249-86E4-1EB9318B5495}"/>
+                </a:ext>
+                <a:ext uri="{C183D7F6-B498-43B3-948B-1728B52AA6E4}">
+                  <adec:decorative xmlns:adec="http://schemas.microsoft.com/office/drawing/2017/decorative" val="1"/>
+                </a:ext>
+              </a:extLst>
+            </p:cNvPr>
+            <p:cNvCxnSpPr/>
+            <p:nvPr>
+              <p:extLst>
+                <p:ext uri="{386F3935-93C4-4BCD-93E2-E3B085C9AB24}">
+                  <p16:designElem xmlns:p16="http://schemas.microsoft.com/office/powerpoint/2015/main" val="1"/>
+                </p:ext>
+              </p:extLst>
+            </p:nvPr>
+          </p:nvCxnSpPr>
+          <p:spPr>
+            <a:xfrm flipH="1">
+              <a:off x="7425267" y="3681413"/>
+              <a:ext cx="4763558" cy="3176587"/>
+            </a:xfrm>
+            <a:prstGeom prst="line">
+              <a:avLst/>
+            </a:prstGeom>
+            <a:ln w="9525">
+              <a:solidFill>
+                <a:schemeClr val="bg1">
+                  <a:lumMod val="85000"/>
+                </a:schemeClr>
+              </a:solidFill>
+            </a:ln>
+          </p:spPr>
+          <p:style>
+            <a:lnRef idx="2">
+              <a:schemeClr val="accent1"/>
+            </a:lnRef>
+            <a:fillRef idx="0">
+              <a:schemeClr val="accent1"/>
+            </a:fillRef>
+            <a:effectRef idx="1">
+              <a:schemeClr val="accent1"/>
+            </a:effectRef>
+            <a:fontRef idx="minor">
+              <a:schemeClr val="tx1"/>
+            </a:fontRef>
+          </p:style>
+        </p:cxnSp>
+        <p:sp>
+          <p:nvSpPr>
+            <p:cNvPr id="29" name="Rectangle 23">
+              <a:extLst>
+                <a:ext uri="{FF2B5EF4-FFF2-40B4-BE49-F238E27FC236}">
+                  <a16:creationId xmlns:a16="http://schemas.microsoft.com/office/drawing/2014/main" id="{887EA6D2-2883-42C2-993D-094CA6D65DA3}"/>
+                </a:ext>
+                <a:ext uri="{C183D7F6-B498-43B3-948B-1728B52AA6E4}">
+                  <adec:decorative xmlns:adec="http://schemas.microsoft.com/office/drawing/2017/decorative" val="1"/>
+                </a:ext>
+              </a:extLst>
+            </p:cNvPr>
+            <p:cNvSpPr/>
+            <p:nvPr>
+              <p:extLst>
+                <p:ext uri="{386F3935-93C4-4BCD-93E2-E3B085C9AB24}">
+                  <p16:designElem xmlns:p16="http://schemas.microsoft.com/office/powerpoint/2015/main" val="1"/>
+                </p:ext>
+              </p:extLst>
+            </p:nvPr>
+          </p:nvSpPr>
+          <p:spPr>
+            <a:xfrm>
+              <a:off x="9181476" y="-8467"/>
+              <a:ext cx="3007349" cy="6866467"/>
+            </a:xfrm>
+            <a:custGeom>
+              <a:avLst/>
+              <a:gdLst/>
+              <a:ahLst/>
+              <a:cxnLst/>
+              <a:rect l="l" t="t" r="r" b="b"/>
+              <a:pathLst>
+                <a:path w="3007349" h="6866467">
+                  <a:moveTo>
+                    <a:pt x="2045532" y="0"/>
+                  </a:moveTo>
+                  <a:lnTo>
+                    <a:pt x="3007349" y="0"/>
+                  </a:lnTo>
+                  <a:lnTo>
+                    <a:pt x="3007349" y="6866467"/>
+                  </a:lnTo>
+                  <a:lnTo>
+                    <a:pt x="0" y="6866467"/>
+                  </a:lnTo>
+                  <a:lnTo>
+                    <a:pt x="2045532" y="0"/>
+                  </a:lnTo>
+                  <a:close/>
+                </a:path>
+              </a:pathLst>
+            </a:custGeom>
+            <a:solidFill>
+              <a:schemeClr val="accent1">
+                <a:alpha val="30000"/>
+              </a:schemeClr>
+            </a:solidFill>
+            <a:ln>
+              <a:noFill/>
+            </a:ln>
+            <a:effectLst/>
+          </p:spPr>
+          <p:style>
+            <a:lnRef idx="1">
+              <a:schemeClr val="accent1"/>
+            </a:lnRef>
+            <a:fillRef idx="3">
+              <a:schemeClr val="accent1"/>
+            </a:fillRef>
+            <a:effectRef idx="2">
+              <a:schemeClr val="accent1"/>
+            </a:effectRef>
+            <a:fontRef idx="minor">
+              <a:schemeClr val="lt1"/>
+            </a:fontRef>
+          </p:style>
+        </p:sp>
+        <p:sp>
+          <p:nvSpPr>
+            <p:cNvPr id="30" name="Rectangle 25">
+              <a:extLst>
+                <a:ext uri="{FF2B5EF4-FFF2-40B4-BE49-F238E27FC236}">
+                  <a16:creationId xmlns:a16="http://schemas.microsoft.com/office/drawing/2014/main" id="{3B895046-636F-4D1B-ACA4-29AA0CB3329F}"/>
+                </a:ext>
+                <a:ext uri="{C183D7F6-B498-43B3-948B-1728B52AA6E4}">
+                  <adec:decorative xmlns:adec="http://schemas.microsoft.com/office/drawing/2017/decorative" val="1"/>
+                </a:ext>
+              </a:extLst>
+            </p:cNvPr>
+            <p:cNvSpPr/>
+            <p:nvPr>
+              <p:extLst>
+                <p:ext uri="{386F3935-93C4-4BCD-93E2-E3B085C9AB24}">
+                  <p16:designElem xmlns:p16="http://schemas.microsoft.com/office/powerpoint/2015/main" val="1"/>
+                </p:ext>
+              </p:extLst>
+            </p:nvPr>
+          </p:nvSpPr>
+          <p:spPr>
+            <a:xfrm>
+              <a:off x="9603442" y="-8467"/>
+              <a:ext cx="2588558" cy="6866467"/>
+            </a:xfrm>
+            <a:custGeom>
+              <a:avLst/>
+              <a:gdLst/>
+              <a:ahLst/>
+              <a:cxnLst/>
+              <a:rect l="l" t="t" r="r" b="b"/>
+              <a:pathLst>
+                <a:path w="2573311" h="6866467">
+                  <a:moveTo>
+                    <a:pt x="0" y="0"/>
+                  </a:moveTo>
+                  <a:lnTo>
+                    <a:pt x="2573311" y="0"/>
+                  </a:lnTo>
+                  <a:lnTo>
+                    <a:pt x="2573311" y="6866467"/>
+                  </a:lnTo>
+                  <a:lnTo>
+                    <a:pt x="1202336" y="6866467"/>
+                  </a:lnTo>
+                  <a:lnTo>
+                    <a:pt x="0" y="0"/>
+                  </a:lnTo>
+                  <a:close/>
+                </a:path>
+              </a:pathLst>
+            </a:custGeom>
+            <a:solidFill>
+              <a:schemeClr val="accent1">
+                <a:alpha val="20000"/>
+              </a:schemeClr>
+            </a:solidFill>
+            <a:ln>
+              <a:noFill/>
+            </a:ln>
+            <a:effectLst/>
+          </p:spPr>
+          <p:style>
+            <a:lnRef idx="1">
+              <a:schemeClr val="accent1"/>
+            </a:lnRef>
+            <a:fillRef idx="3">
+              <a:schemeClr val="accent1"/>
+            </a:fillRef>
+            <a:effectRef idx="2">
+              <a:schemeClr val="accent1"/>
+            </a:effectRef>
+            <a:fontRef idx="minor">
+              <a:schemeClr val="lt1"/>
+            </a:fontRef>
+          </p:style>
+        </p:sp>
+        <p:sp>
+          <p:nvSpPr>
+            <p:cNvPr id="31" name="Isosceles Triangle 30">
+              <a:extLst>
+                <a:ext uri="{FF2B5EF4-FFF2-40B4-BE49-F238E27FC236}">
+                  <a16:creationId xmlns:a16="http://schemas.microsoft.com/office/drawing/2014/main" id="{C6B0CDE3-E054-4EDD-A43B-F96843D8BF51}"/>
+                </a:ext>
+                <a:ext uri="{C183D7F6-B498-43B3-948B-1728B52AA6E4}">
+                  <adec:decorative xmlns:adec="http://schemas.microsoft.com/office/drawing/2017/decorative" val="1"/>
+                </a:ext>
+              </a:extLst>
+            </p:cNvPr>
+            <p:cNvSpPr/>
+            <p:nvPr>
+              <p:extLst>
+                <p:ext uri="{386F3935-93C4-4BCD-93E2-E3B085C9AB24}">
+                  <p16:designElem xmlns:p16="http://schemas.microsoft.com/office/powerpoint/2015/main" val="1"/>
+                </p:ext>
+              </p:extLst>
+            </p:nvPr>
+          </p:nvSpPr>
+          <p:spPr>
+            <a:xfrm>
+              <a:off x="8932333" y="3048000"/>
+              <a:ext cx="3259667" cy="3810000"/>
+            </a:xfrm>
+            <a:prstGeom prst="triangle">
+              <a:avLst>
+                <a:gd name="adj" fmla="val 100000"/>
+              </a:avLst>
+            </a:prstGeom>
+            <a:solidFill>
+              <a:schemeClr val="accent2">
+                <a:alpha val="72000"/>
+              </a:schemeClr>
+            </a:solidFill>
+            <a:ln>
+              <a:noFill/>
+            </a:ln>
+            <a:effectLst/>
+          </p:spPr>
+          <p:style>
+            <a:lnRef idx="1">
+              <a:schemeClr val="accent1"/>
+            </a:lnRef>
+            <a:fillRef idx="3">
+              <a:schemeClr val="accent1"/>
+            </a:fillRef>
+            <a:effectRef idx="2">
+              <a:schemeClr val="accent1"/>
+            </a:effectRef>
+            <a:fontRef idx="minor">
+              <a:schemeClr val="lt1"/>
+            </a:fontRef>
+          </p:style>
+        </p:sp>
+        <p:sp>
+          <p:nvSpPr>
+            <p:cNvPr id="32" name="Rectangle 27">
+              <a:extLst>
+                <a:ext uri="{FF2B5EF4-FFF2-40B4-BE49-F238E27FC236}">
+                  <a16:creationId xmlns:a16="http://schemas.microsoft.com/office/drawing/2014/main" id="{3B66B1A2-F145-4C9B-85CC-4BF30D58CBC5}"/>
+                </a:ext>
+                <a:ext uri="{C183D7F6-B498-43B3-948B-1728B52AA6E4}">
+                  <adec:decorative xmlns:adec="http://schemas.microsoft.com/office/drawing/2017/decorative" val="1"/>
+                </a:ext>
+              </a:extLst>
+            </p:cNvPr>
+            <p:cNvSpPr/>
+            <p:nvPr>
+              <p:extLst>
+                <p:ext uri="{386F3935-93C4-4BCD-93E2-E3B085C9AB24}">
+                  <p16:designElem xmlns:p16="http://schemas.microsoft.com/office/powerpoint/2015/main" val="1"/>
+                </p:ext>
+              </p:extLst>
+            </p:nvPr>
+          </p:nvSpPr>
+          <p:spPr>
+            <a:xfrm>
+              <a:off x="9334500" y="-8467"/>
+              <a:ext cx="2854326" cy="6866467"/>
+            </a:xfrm>
+            <a:custGeom>
+              <a:avLst/>
+              <a:gdLst/>
+              <a:ahLst/>
+              <a:cxnLst/>
+              <a:rect l="l" t="t" r="r" b="b"/>
+              <a:pathLst>
+                <a:path w="2858013" h="6866467">
+                  <a:moveTo>
+                    <a:pt x="0" y="0"/>
+                  </a:moveTo>
+                  <a:lnTo>
+                    <a:pt x="2858013" y="0"/>
+                  </a:lnTo>
+                  <a:lnTo>
+                    <a:pt x="2858013" y="6866467"/>
+                  </a:lnTo>
+                  <a:lnTo>
+                    <a:pt x="2473942" y="6866467"/>
+                  </a:lnTo>
+                  <a:lnTo>
+                    <a:pt x="0" y="0"/>
+                  </a:lnTo>
+                  <a:close/>
+                </a:path>
+              </a:pathLst>
+            </a:custGeom>
+            <a:solidFill>
+              <a:schemeClr val="accent2">
+                <a:lumMod val="75000"/>
+                <a:alpha val="70000"/>
+              </a:schemeClr>
+            </a:solidFill>
+            <a:ln>
+              <a:noFill/>
+            </a:ln>
+            <a:effectLst/>
+          </p:spPr>
+          <p:style>
+            <a:lnRef idx="1">
+              <a:schemeClr val="accent1"/>
+            </a:lnRef>
+            <a:fillRef idx="3">
+              <a:schemeClr val="accent1"/>
+            </a:fillRef>
+            <a:effectRef idx="2">
+              <a:schemeClr val="accent1"/>
+            </a:effectRef>
+            <a:fontRef idx="minor">
+              <a:schemeClr val="lt1"/>
+            </a:fontRef>
+          </p:style>
+        </p:sp>
+        <p:sp>
+          <p:nvSpPr>
+            <p:cNvPr id="33" name="Rectangle 28">
+              <a:extLst>
+                <a:ext uri="{FF2B5EF4-FFF2-40B4-BE49-F238E27FC236}">
+                  <a16:creationId xmlns:a16="http://schemas.microsoft.com/office/drawing/2014/main" id="{5D4FC972-94B3-4035-8D31-E668C132B411}"/>
+                </a:ext>
+                <a:ext uri="{C183D7F6-B498-43B3-948B-1728B52AA6E4}">
+                  <adec:decorative xmlns:adec="http://schemas.microsoft.com/office/drawing/2017/decorative" val="1"/>
+                </a:ext>
+              </a:extLst>
+            </p:cNvPr>
+            <p:cNvSpPr/>
+            <p:nvPr>
+              <p:extLst>
+                <p:ext uri="{386F3935-93C4-4BCD-93E2-E3B085C9AB24}">
+                  <p16:designElem xmlns:p16="http://schemas.microsoft.com/office/powerpoint/2015/main" val="1"/>
+                </p:ext>
+              </p:extLst>
+            </p:nvPr>
+          </p:nvSpPr>
+          <p:spPr>
+            <a:xfrm>
+              <a:off x="10898730" y="-8467"/>
+              <a:ext cx="1290094" cy="6866467"/>
+            </a:xfrm>
+            <a:custGeom>
+              <a:avLst/>
+              <a:gdLst/>
+              <a:ahLst/>
+              <a:cxnLst/>
+              <a:rect l="l" t="t" r="r" b="b"/>
+              <a:pathLst>
+                <a:path w="1290094" h="6858000">
+                  <a:moveTo>
+                    <a:pt x="1019735" y="0"/>
+                  </a:moveTo>
+                  <a:lnTo>
+                    <a:pt x="1290094" y="0"/>
+                  </a:lnTo>
+                  <a:lnTo>
+                    <a:pt x="1290094" y="6858000"/>
+                  </a:lnTo>
+                  <a:lnTo>
+                    <a:pt x="0" y="6858000"/>
+                  </a:lnTo>
+                  <a:lnTo>
+                    <a:pt x="1019735" y="0"/>
+                  </a:lnTo>
+                  <a:close/>
+                </a:path>
+              </a:pathLst>
+            </a:custGeom>
+            <a:solidFill>
+              <a:schemeClr val="accent1">
+                <a:lumMod val="60000"/>
+                <a:lumOff val="40000"/>
+                <a:alpha val="70000"/>
+              </a:schemeClr>
+            </a:solidFill>
+            <a:ln>
+              <a:noFill/>
+            </a:ln>
+            <a:effectLst/>
+          </p:spPr>
+          <p:style>
+            <a:lnRef idx="1">
+              <a:schemeClr val="accent1"/>
+            </a:lnRef>
+            <a:fillRef idx="3">
+              <a:schemeClr val="accent1"/>
+            </a:fillRef>
+            <a:effectRef idx="2">
+              <a:schemeClr val="accent1"/>
+            </a:effectRef>
+            <a:fontRef idx="minor">
+              <a:schemeClr val="lt1"/>
+            </a:fontRef>
+          </p:style>
+        </p:sp>
+        <p:sp>
+          <p:nvSpPr>
+            <p:cNvPr id="34" name="Rectangle 29">
+              <a:extLst>
+                <a:ext uri="{FF2B5EF4-FFF2-40B4-BE49-F238E27FC236}">
+                  <a16:creationId xmlns:a16="http://schemas.microsoft.com/office/drawing/2014/main" id="{374B9941-AFBE-4A77-A50E-B6EA04A746AE}"/>
+                </a:ext>
+                <a:ext uri="{C183D7F6-B498-43B3-948B-1728B52AA6E4}">
+                  <adec:decorative xmlns:adec="http://schemas.microsoft.com/office/drawing/2017/decorative" val="1"/>
+                </a:ext>
+              </a:extLst>
+            </p:cNvPr>
+            <p:cNvSpPr/>
+            <p:nvPr>
+              <p:extLst>
+                <p:ext uri="{386F3935-93C4-4BCD-93E2-E3B085C9AB24}">
+                  <p16:designElem xmlns:p16="http://schemas.microsoft.com/office/powerpoint/2015/main" val="1"/>
+                </p:ext>
+              </p:extLst>
+            </p:nvPr>
+          </p:nvSpPr>
+          <p:spPr>
+            <a:xfrm>
+              <a:off x="10938999" y="-8467"/>
+              <a:ext cx="1249825" cy="6866467"/>
+            </a:xfrm>
+            <a:custGeom>
+              <a:avLst/>
+              <a:gdLst/>
+              <a:ahLst/>
+              <a:cxnLst/>
+              <a:rect l="l" t="t" r="r" b="b"/>
+              <a:pathLst>
+                <a:path w="1249825" h="6858000">
+                  <a:moveTo>
+                    <a:pt x="0" y="0"/>
+                  </a:moveTo>
+                  <a:lnTo>
+                    <a:pt x="1249825" y="0"/>
+                  </a:lnTo>
+                  <a:lnTo>
+                    <a:pt x="1249825" y="6858000"/>
+                  </a:lnTo>
+                  <a:lnTo>
+                    <a:pt x="1109382" y="6858000"/>
+                  </a:lnTo>
+                  <a:lnTo>
+                    <a:pt x="0" y="0"/>
+                  </a:lnTo>
+                  <a:close/>
+                </a:path>
+              </a:pathLst>
+            </a:custGeom>
+            <a:solidFill>
+              <a:schemeClr val="accent1">
+                <a:alpha val="65000"/>
+              </a:schemeClr>
+            </a:solidFill>
+            <a:ln>
+              <a:noFill/>
+            </a:ln>
+            <a:effectLst/>
+          </p:spPr>
+          <p:style>
+            <a:lnRef idx="1">
+              <a:schemeClr val="accent1"/>
+            </a:lnRef>
+            <a:fillRef idx="3">
+              <a:schemeClr val="accent1"/>
+            </a:fillRef>
+            <a:effectRef idx="2">
+              <a:schemeClr val="accent1"/>
+            </a:effectRef>
+            <a:fontRef idx="minor">
+              <a:schemeClr val="lt1"/>
+            </a:fontRef>
+          </p:style>
+        </p:sp>
+        <p:sp>
+          <p:nvSpPr>
+            <p:cNvPr id="35" name="Isosceles Triangle 34">
+              <a:extLst>
+                <a:ext uri="{FF2B5EF4-FFF2-40B4-BE49-F238E27FC236}">
+                  <a16:creationId xmlns:a16="http://schemas.microsoft.com/office/drawing/2014/main" id="{27A982C5-2C38-4CE9-BC18-94697AD657FB}"/>
+                </a:ext>
+                <a:ext uri="{C183D7F6-B498-43B3-948B-1728B52AA6E4}">
+                  <adec:decorative xmlns:adec="http://schemas.microsoft.com/office/drawing/2017/decorative" val="1"/>
+                </a:ext>
+              </a:extLst>
+            </p:cNvPr>
+            <p:cNvSpPr/>
+            <p:nvPr>
+              <p:extLst>
+                <p:ext uri="{386F3935-93C4-4BCD-93E2-E3B085C9AB24}">
+                  <p16:designElem xmlns:p16="http://schemas.microsoft.com/office/powerpoint/2015/main" val="1"/>
+                </p:ext>
+              </p:extLst>
+            </p:nvPr>
+          </p:nvSpPr>
+          <p:spPr>
+            <a:xfrm>
+              <a:off x="10371666" y="3589867"/>
+              <a:ext cx="1817159" cy="3268133"/>
+            </a:xfrm>
+            <a:prstGeom prst="triangle">
+              <a:avLst>
+                <a:gd name="adj" fmla="val 100000"/>
+              </a:avLst>
+            </a:prstGeom>
+            <a:solidFill>
+              <a:schemeClr val="accent1">
+                <a:alpha val="80000"/>
+              </a:schemeClr>
+            </a:solidFill>
+            <a:ln>
+              <a:noFill/>
+            </a:ln>
+            <a:effectLst/>
+          </p:spPr>
+          <p:style>
+            <a:lnRef idx="1">
+              <a:schemeClr val="accent1"/>
+            </a:lnRef>
+            <a:fillRef idx="3">
+              <a:schemeClr val="accent1"/>
+            </a:fillRef>
+            <a:effectRef idx="2">
+              <a:schemeClr val="accent1"/>
+            </a:effectRef>
+            <a:fontRef idx="minor">
+              <a:schemeClr val="lt1"/>
+            </a:fontRef>
+          </p:style>
+        </p:sp>
+        <p:sp>
+          <p:nvSpPr>
+            <p:cNvPr id="36" name="Isosceles Triangle 35">
+              <a:extLst>
+                <a:ext uri="{FF2B5EF4-FFF2-40B4-BE49-F238E27FC236}">
+                  <a16:creationId xmlns:a16="http://schemas.microsoft.com/office/drawing/2014/main" id="{0060D8D1-7BB1-498F-AFBB-ADAC130A9E90}"/>
+                </a:ext>
+                <a:ext uri="{C183D7F6-B498-43B3-948B-1728B52AA6E4}">
+                  <adec:decorative xmlns:adec="http://schemas.microsoft.com/office/drawing/2017/decorative" val="1"/>
+                </a:ext>
+              </a:extLst>
+            </p:cNvPr>
+            <p:cNvSpPr/>
+            <p:nvPr>
+              <p:extLst>
+                <p:ext uri="{386F3935-93C4-4BCD-93E2-E3B085C9AB24}">
+                  <p16:designElem xmlns:p16="http://schemas.microsoft.com/office/powerpoint/2015/main" val="1"/>
+                </p:ext>
+              </p:extLst>
+            </p:nvPr>
+          </p:nvSpPr>
+          <p:spPr>
+            <a:xfrm rot="10800000">
+              <a:off x="0" y="0"/>
+              <a:ext cx="842596" cy="5666154"/>
+            </a:xfrm>
+            <a:prstGeom prst="triangle">
+              <a:avLst>
+                <a:gd name="adj" fmla="val 100000"/>
+              </a:avLst>
+            </a:prstGeom>
+            <a:solidFill>
+              <a:schemeClr val="accent1">
+                <a:alpha val="85000"/>
+              </a:schemeClr>
+            </a:solidFill>
+            <a:ln>
+              <a:noFill/>
+            </a:ln>
+            <a:effectLst/>
+          </p:spPr>
+          <p:style>
+            <a:lnRef idx="1">
+              <a:schemeClr val="accent1"/>
+            </a:lnRef>
+            <a:fillRef idx="3">
+              <a:schemeClr val="accent1"/>
+            </a:fillRef>
+            <a:effectRef idx="2">
+              <a:schemeClr val="accent1"/>
+            </a:effectRef>
+            <a:fontRef idx="minor">
+              <a:schemeClr val="lt1"/>
+            </a:fontRef>
+          </p:style>
+        </p:sp>
+      </p:grpSp>
+      <p:sp>
+        <p:nvSpPr>
+          <p:cNvPr id="38" name="Isosceles Triangle 37">
+            <a:extLst>
+              <a:ext uri="{FF2B5EF4-FFF2-40B4-BE49-F238E27FC236}">
+                <a16:creationId xmlns:a16="http://schemas.microsoft.com/office/drawing/2014/main" id="{5A7802B6-FF37-40CF-A7E2-6F2A0D9A91EF}"/>
+              </a:ext>
+              <a:ext uri="{C183D7F6-B498-43B3-948B-1728B52AA6E4}">
+                <adec:decorative xmlns:adec="http://schemas.microsoft.com/office/drawing/2017/decorative" val="1"/>
+              </a:ext>
+            </a:extLst>
+          </p:cNvPr>
+          <p:cNvSpPr>
+            <a:spLocks noGrp="1" noRot="1" noChangeAspect="1" noMove="1" noResize="1" noEditPoints="1" noAdjustHandles="1" noChangeArrowheads="1" noChangeShapeType="1" noTextEdit="1"/>
+          </p:cNvSpPr>
+          <p:nvPr>
+            <p:extLst>
+              <p:ext uri="{386F3935-93C4-4BCD-93E2-E3B085C9AB24}">
+                <p16:designElem xmlns:p16="http://schemas.microsoft.com/office/powerpoint/2015/main" val="1"/>
+              </p:ext>
+            </p:extLst>
+          </p:nvPr>
+        </p:nvSpPr>
+        <p:spPr>
+          <a:xfrm rot="10800000">
+            <a:off x="3174" y="12700"/>
+            <a:ext cx="842596" cy="5666154"/>
+          </a:xfrm>
+          <a:prstGeom prst="triangle">
+            <a:avLst>
+              <a:gd name="adj" fmla="val 100000"/>
+            </a:avLst>
+          </a:prstGeom>
+          <a:solidFill>
+            <a:schemeClr val="accent1">
+              <a:alpha val="85000"/>
+            </a:schemeClr>
+          </a:solidFill>
+          <a:ln>
+            <a:noFill/>
+          </a:ln>
+          <a:effectLst/>
+        </p:spPr>
+        <p:style>
+          <a:lnRef idx="1">
+            <a:schemeClr val="accent1"/>
+          </a:lnRef>
+          <a:fillRef idx="3">
+            <a:schemeClr val="accent1"/>
+          </a:fillRef>
+          <a:effectRef idx="2">
+            <a:schemeClr val="accent1"/>
+          </a:effectRef>
+          <a:fontRef idx="minor">
+            <a:schemeClr val="lt1"/>
+          </a:fontRef>
+        </p:style>
+      </p:sp>
+      <p:pic>
+        <p:nvPicPr>
+          <p:cNvPr id="6" name="Inhaltsplatzhalter 5">
+            <a:extLst>
+              <a:ext uri="{FF2B5EF4-FFF2-40B4-BE49-F238E27FC236}">
+                <a16:creationId xmlns:a16="http://schemas.microsoft.com/office/drawing/2014/main" id="{2E939C78-53E0-456E-B688-629DA06BFCC1}"/>
+              </a:ext>
+            </a:extLst>
+          </p:cNvPr>
+          <p:cNvPicPr>
+            <a:picLocks noGrp="1" noChangeAspect="1"/>
+          </p:cNvPicPr>
+          <p:nvPr>
+            <p:ph idx="1"/>
+          </p:nvPr>
+        </p:nvPicPr>
+        <p:blipFill>
+          <a:blip r:embed="rId2"/>
+          <a:stretch>
+            <a:fillRect/>
+          </a:stretch>
+        </p:blipFill>
+        <p:spPr>
+          <a:xfrm>
+            <a:off x="664820" y="1633039"/>
+            <a:ext cx="4765626" cy="3583454"/>
+          </a:xfrm>
+          <a:prstGeom prst="rect">
+            <a:avLst/>
+          </a:prstGeom>
+        </p:spPr>
+      </p:pic>
+      <p:sp>
+        <p:nvSpPr>
+          <p:cNvPr id="2" name="Titel 1">
+            <a:extLst>
+              <a:ext uri="{FF2B5EF4-FFF2-40B4-BE49-F238E27FC236}">
+                <a16:creationId xmlns:a16="http://schemas.microsoft.com/office/drawing/2014/main" id="{6CDC8EB2-826C-4AC3-8C32-74DEA1D6020D}"/>
+              </a:ext>
+            </a:extLst>
+          </p:cNvPr>
+          <p:cNvSpPr>
+            <a:spLocks noGrp="1"/>
+          </p:cNvSpPr>
+          <p:nvPr>
+            <p:ph type="title"/>
+          </p:nvPr>
+        </p:nvSpPr>
+        <p:spPr>
+          <a:xfrm>
+            <a:off x="5814558" y="1208511"/>
+            <a:ext cx="4299666" cy="3249131"/>
+          </a:xfrm>
+        </p:spPr>
+        <p:txBody>
+          <a:bodyPr vert="horz" lIns="91440" tIns="45720" rIns="91440" bIns="45720" rtlCol="0" anchor="b">
+            <a:normAutofit/>
+          </a:bodyPr>
+          <a:lstStyle/>
+          <a:p>
+            <a:r>
+              <a:rPr lang="en-US" sz="5400" kern="1200" dirty="0">
+                <a:solidFill>
+                  <a:schemeClr val="accent1"/>
+                </a:solidFill>
+                <a:latin typeface="+mj-lt"/>
+                <a:ea typeface="+mj-ea"/>
+                <a:cs typeface="+mj-cs"/>
+              </a:rPr>
+              <a:t>Die Wippe – class Rocker</a:t>
+            </a:r>
+          </a:p>
+        </p:txBody>
+      </p:sp>
+    </p:spTree>
+    <p:extLst>
+      <p:ext uri="{BB962C8B-B14F-4D97-AF65-F5344CB8AC3E}">
+        <p14:creationId xmlns:p14="http://schemas.microsoft.com/office/powerpoint/2010/main" val="1379480732"/>
+      </p:ext>
+    </p:extLst>
+  </p:cSld>
+  <p:clrMapOvr>
+    <a:masterClrMapping/>
+  </p:clrMapOvr>
+</p:sld>
+</file>
+
+<file path=ppt/slides/slide5.xml><?xml version="1.0" encoding="utf-8"?>
 <p:sld xmlns:a="http://schemas.openxmlformats.org/drawingml/2006/main" xmlns:r="http://schemas.openxmlformats.org/officeDocument/2006/relationships" xmlns:p="http://schemas.openxmlformats.org/presentationml/2006/main">
   <p:cSld>
     <p:bg>
@@ -7632,12 +9520,76 @@
           </a:fontRef>
         </p:style>
       </p:sp>
+      <p:sp>
+        <p:nvSpPr>
+          <p:cNvPr id="2" name="Titel 1">
+            <a:extLst>
+              <a:ext uri="{FF2B5EF4-FFF2-40B4-BE49-F238E27FC236}">
+                <a16:creationId xmlns:a16="http://schemas.microsoft.com/office/drawing/2014/main" id="{4F5D1C05-0463-4FB2-92AE-7402469E3548}"/>
+              </a:ext>
+            </a:extLst>
+          </p:cNvPr>
+          <p:cNvSpPr>
+            <a:spLocks noGrp="1"/>
+          </p:cNvSpPr>
+          <p:nvPr>
+            <p:ph type="title"/>
+          </p:nvPr>
+        </p:nvSpPr>
+        <p:spPr>
+          <a:xfrm>
+            <a:off x="5748875" y="1344446"/>
+            <a:ext cx="3497565" cy="3002662"/>
+          </a:xfrm>
+        </p:spPr>
+        <p:txBody>
+          <a:bodyPr vert="horz" lIns="91440" tIns="45720" rIns="91440" bIns="45720" rtlCol="0" anchor="b">
+            <a:normAutofit/>
+          </a:bodyPr>
+          <a:lstStyle/>
+          <a:p>
+            <a:r>
+              <a:rPr lang="en-US" sz="4400" kern="1200" dirty="0">
+                <a:solidFill>
+                  <a:schemeClr val="accent1"/>
+                </a:solidFill>
+                <a:latin typeface="+mj-lt"/>
+                <a:ea typeface="+mj-ea"/>
+                <a:cs typeface="+mj-cs"/>
+              </a:rPr>
+              <a:t>Die </a:t>
+            </a:r>
+            <a:r>
+              <a:rPr lang="en-US" sz="4400" kern="1200" dirty="0" err="1">
+                <a:solidFill>
+                  <a:schemeClr val="accent1"/>
+                </a:solidFill>
+                <a:latin typeface="+mj-lt"/>
+                <a:ea typeface="+mj-ea"/>
+                <a:cs typeface="+mj-cs"/>
+              </a:rPr>
+              <a:t>Physik</a:t>
+            </a:r>
+            <a:r>
+              <a:rPr lang="en-US" sz="4400" kern="1200" dirty="0">
+                <a:solidFill>
+                  <a:schemeClr val="accent1"/>
+                </a:solidFill>
+                <a:latin typeface="+mj-lt"/>
+                <a:ea typeface="+mj-ea"/>
+                <a:cs typeface="+mj-cs"/>
+              </a:rPr>
+              <a:t> – class Physics</a:t>
+            </a:r>
+          </a:p>
+        </p:txBody>
+      </p:sp>
       <p:pic>
         <p:nvPicPr>
-          <p:cNvPr id="4" name="Inhaltsplatzhalter 3">
+          <p:cNvPr id="6" name="Inhaltsplatzhalter 5">
             <a:extLst>
               <a:ext uri="{FF2B5EF4-FFF2-40B4-BE49-F238E27FC236}">
-                <a16:creationId xmlns:a16="http://schemas.microsoft.com/office/drawing/2014/main" id="{41E86886-6816-4D4A-8528-6ECFE708F8B6}"/>
+                <a16:creationId xmlns:a16="http://schemas.microsoft.com/office/drawing/2014/main" id="{578219FF-CE68-47A1-B767-89ED8A437E78}"/>
               </a:ext>
             </a:extLst>
           </p:cNvPr>
@@ -7656,60 +9608,18 @@
         </p:blipFill>
         <p:spPr>
           <a:xfrm>
-            <a:off x="888603" y="1298912"/>
-            <a:ext cx="4887354" cy="4260176"/>
+            <a:off x="842597" y="1566372"/>
+            <a:ext cx="4300903" cy="3725255"/>
           </a:xfrm>
           <a:prstGeom prst="rect">
             <a:avLst/>
           </a:prstGeom>
         </p:spPr>
       </p:pic>
-      <p:sp>
-        <p:nvSpPr>
-          <p:cNvPr id="2" name="Titel 1">
-            <a:extLst>
-              <a:ext uri="{FF2B5EF4-FFF2-40B4-BE49-F238E27FC236}">
-                <a16:creationId xmlns:a16="http://schemas.microsoft.com/office/drawing/2014/main" id="{6CDC8EB2-826C-4AC3-8C32-74DEA1D6020D}"/>
-              </a:ext>
-            </a:extLst>
-          </p:cNvPr>
-          <p:cNvSpPr>
-            <a:spLocks noGrp="1"/>
-          </p:cNvSpPr>
-          <p:nvPr>
-            <p:ph type="title"/>
-          </p:nvPr>
-        </p:nvSpPr>
-        <p:spPr>
-          <a:xfrm>
-            <a:off x="6094855" y="1261331"/>
-            <a:ext cx="3497565" cy="3002662"/>
-          </a:xfrm>
-        </p:spPr>
-        <p:txBody>
-          <a:bodyPr vert="horz" lIns="91440" tIns="45720" rIns="91440" bIns="45720" rtlCol="0" anchor="b">
-            <a:normAutofit/>
-          </a:bodyPr>
-          <a:lstStyle/>
-          <a:p>
-            <a:r>
-              <a:rPr lang="en-US" sz="4400" kern="1200">
-                <a:solidFill>
-                  <a:schemeClr val="accent1"/>
-                </a:solidFill>
-                <a:latin typeface="+mj-lt"/>
-                <a:ea typeface="+mj-ea"/>
-                <a:cs typeface="+mj-cs"/>
-              </a:rPr>
-              <a:t>Die Wippe – class Rocker</a:t>
-            </a:r>
-          </a:p>
-        </p:txBody>
-      </p:sp>
     </p:spTree>
     <p:extLst>
       <p:ext uri="{BB962C8B-B14F-4D97-AF65-F5344CB8AC3E}">
-        <p14:creationId xmlns:p14="http://schemas.microsoft.com/office/powerpoint/2010/main" val="1379480732"/>
+        <p14:creationId xmlns:p14="http://schemas.microsoft.com/office/powerpoint/2010/main" val="1111191032"/>
       </p:ext>
     </p:extLst>
   </p:cSld>
@@ -7719,7 +9629,7 @@
 </p:sld>
 </file>
 
-<file path=ppt/slides/slide4.xml><?xml version="1.0" encoding="utf-8"?>
+<file path=ppt/slides/slide6.xml><?xml version="1.0" encoding="utf-8"?>
 <p:sld xmlns:a="http://schemas.openxmlformats.org/drawingml/2006/main" xmlns:r="http://schemas.openxmlformats.org/officeDocument/2006/relationships" xmlns:p="http://schemas.openxmlformats.org/presentationml/2006/main">
   <p:cSld>
     <p:bg>
@@ -7746,7 +9656,896 @@
       </p:grpSpPr>
       <p:grpSp>
         <p:nvGrpSpPr>
-          <p:cNvPr id="9" name="Group 8">
+          <p:cNvPr id="43" name="Group 42">
+            <a:extLst>
+              <a:ext uri="{FF2B5EF4-FFF2-40B4-BE49-F238E27FC236}">
+                <a16:creationId xmlns:a16="http://schemas.microsoft.com/office/drawing/2014/main" id="{B4DE830A-B531-4A3B-96F6-0ECE88B08555}"/>
+              </a:ext>
+              <a:ext uri="{C183D7F6-B498-43B3-948B-1728B52AA6E4}">
+                <adec:decorative xmlns:adec="http://schemas.microsoft.com/office/drawing/2017/decorative" val="1"/>
+              </a:ext>
+            </a:extLst>
+          </p:cNvPr>
+          <p:cNvGrpSpPr>
+            <a:grpSpLocks noGrp="1" noUngrp="1" noRot="1" noChangeAspect="1" noMove="1" noResize="1"/>
+          </p:cNvGrpSpPr>
+          <p:nvPr>
+            <p:extLst>
+              <p:ext uri="{386F3935-93C4-4BCD-93E2-E3B085C9AB24}">
+                <p16:designElem xmlns:p16="http://schemas.microsoft.com/office/powerpoint/2015/main" val="1"/>
+              </p:ext>
+            </p:extLst>
+          </p:nvPr>
+        </p:nvGrpSpPr>
+        <p:grpSpPr>
+          <a:xfrm>
+            <a:off x="0" y="-8467"/>
+            <a:ext cx="12192000" cy="6866467"/>
+            <a:chOff x="0" y="-8467"/>
+            <a:chExt cx="12192000" cy="6866467"/>
+          </a:xfrm>
+        </p:grpSpPr>
+        <p:cxnSp>
+          <p:nvCxnSpPr>
+            <p:cNvPr id="44" name="Straight Connector 43">
+              <a:extLst>
+                <a:ext uri="{FF2B5EF4-FFF2-40B4-BE49-F238E27FC236}">
+                  <a16:creationId xmlns:a16="http://schemas.microsoft.com/office/drawing/2014/main" id="{2813DF2C-461A-4A8F-9679-A172790D1F3A}"/>
+                </a:ext>
+                <a:ext uri="{C183D7F6-B498-43B3-948B-1728B52AA6E4}">
+                  <adec:decorative xmlns:adec="http://schemas.microsoft.com/office/drawing/2017/decorative" val="1"/>
+                </a:ext>
+              </a:extLst>
+            </p:cNvPr>
+            <p:cNvCxnSpPr/>
+            <p:nvPr>
+              <p:extLst>
+                <p:ext uri="{386F3935-93C4-4BCD-93E2-E3B085C9AB24}">
+                  <p16:designElem xmlns:p16="http://schemas.microsoft.com/office/powerpoint/2015/main" val="1"/>
+                </p:ext>
+              </p:extLst>
+            </p:nvPr>
+          </p:nvCxnSpPr>
+          <p:spPr>
+            <a:xfrm>
+              <a:off x="9371012" y="0"/>
+              <a:ext cx="1219200" cy="6858000"/>
+            </a:xfrm>
+            <a:prstGeom prst="line">
+              <a:avLst/>
+            </a:prstGeom>
+            <a:ln w="9525">
+              <a:solidFill>
+                <a:schemeClr val="bg1">
+                  <a:lumMod val="75000"/>
+                </a:schemeClr>
+              </a:solidFill>
+            </a:ln>
+          </p:spPr>
+          <p:style>
+            <a:lnRef idx="2">
+              <a:schemeClr val="accent1"/>
+            </a:lnRef>
+            <a:fillRef idx="0">
+              <a:schemeClr val="accent1"/>
+            </a:fillRef>
+            <a:effectRef idx="1">
+              <a:schemeClr val="accent1"/>
+            </a:effectRef>
+            <a:fontRef idx="minor">
+              <a:schemeClr val="tx1"/>
+            </a:fontRef>
+          </p:style>
+        </p:cxnSp>
+        <p:cxnSp>
+          <p:nvCxnSpPr>
+            <p:cNvPr id="45" name="Straight Connector 44">
+              <a:extLst>
+                <a:ext uri="{FF2B5EF4-FFF2-40B4-BE49-F238E27FC236}">
+                  <a16:creationId xmlns:a16="http://schemas.microsoft.com/office/drawing/2014/main" id="{54CD3A85-C039-4249-86E4-1EB9318B5495}"/>
+                </a:ext>
+                <a:ext uri="{C183D7F6-B498-43B3-948B-1728B52AA6E4}">
+                  <adec:decorative xmlns:adec="http://schemas.microsoft.com/office/drawing/2017/decorative" val="1"/>
+                </a:ext>
+              </a:extLst>
+            </p:cNvPr>
+            <p:cNvCxnSpPr/>
+            <p:nvPr>
+              <p:extLst>
+                <p:ext uri="{386F3935-93C4-4BCD-93E2-E3B085C9AB24}">
+                  <p16:designElem xmlns:p16="http://schemas.microsoft.com/office/powerpoint/2015/main" val="1"/>
+                </p:ext>
+              </p:extLst>
+            </p:nvPr>
+          </p:nvCxnSpPr>
+          <p:spPr>
+            <a:xfrm flipH="1">
+              <a:off x="7425267" y="3681413"/>
+              <a:ext cx="4763558" cy="3176587"/>
+            </a:xfrm>
+            <a:prstGeom prst="line">
+              <a:avLst/>
+            </a:prstGeom>
+            <a:ln w="9525">
+              <a:solidFill>
+                <a:schemeClr val="bg1">
+                  <a:lumMod val="85000"/>
+                </a:schemeClr>
+              </a:solidFill>
+            </a:ln>
+          </p:spPr>
+          <p:style>
+            <a:lnRef idx="2">
+              <a:schemeClr val="accent1"/>
+            </a:lnRef>
+            <a:fillRef idx="0">
+              <a:schemeClr val="accent1"/>
+            </a:fillRef>
+            <a:effectRef idx="1">
+              <a:schemeClr val="accent1"/>
+            </a:effectRef>
+            <a:fontRef idx="minor">
+              <a:schemeClr val="tx1"/>
+            </a:fontRef>
+          </p:style>
+        </p:cxnSp>
+        <p:sp>
+          <p:nvSpPr>
+            <p:cNvPr id="46" name="Rectangle 23">
+              <a:extLst>
+                <a:ext uri="{FF2B5EF4-FFF2-40B4-BE49-F238E27FC236}">
+                  <a16:creationId xmlns:a16="http://schemas.microsoft.com/office/drawing/2014/main" id="{887EA6D2-2883-42C2-993D-094CA6D65DA3}"/>
+                </a:ext>
+                <a:ext uri="{C183D7F6-B498-43B3-948B-1728B52AA6E4}">
+                  <adec:decorative xmlns:adec="http://schemas.microsoft.com/office/drawing/2017/decorative" val="1"/>
+                </a:ext>
+              </a:extLst>
+            </p:cNvPr>
+            <p:cNvSpPr/>
+            <p:nvPr>
+              <p:extLst>
+                <p:ext uri="{386F3935-93C4-4BCD-93E2-E3B085C9AB24}">
+                  <p16:designElem xmlns:p16="http://schemas.microsoft.com/office/powerpoint/2015/main" val="1"/>
+                </p:ext>
+              </p:extLst>
+            </p:nvPr>
+          </p:nvSpPr>
+          <p:spPr>
+            <a:xfrm>
+              <a:off x="9181476" y="-8467"/>
+              <a:ext cx="3007349" cy="6866467"/>
+            </a:xfrm>
+            <a:custGeom>
+              <a:avLst/>
+              <a:gdLst/>
+              <a:ahLst/>
+              <a:cxnLst/>
+              <a:rect l="l" t="t" r="r" b="b"/>
+              <a:pathLst>
+                <a:path w="3007349" h="6866467">
+                  <a:moveTo>
+                    <a:pt x="2045532" y="0"/>
+                  </a:moveTo>
+                  <a:lnTo>
+                    <a:pt x="3007349" y="0"/>
+                  </a:lnTo>
+                  <a:lnTo>
+                    <a:pt x="3007349" y="6866467"/>
+                  </a:lnTo>
+                  <a:lnTo>
+                    <a:pt x="0" y="6866467"/>
+                  </a:lnTo>
+                  <a:lnTo>
+                    <a:pt x="2045532" y="0"/>
+                  </a:lnTo>
+                  <a:close/>
+                </a:path>
+              </a:pathLst>
+            </a:custGeom>
+            <a:solidFill>
+              <a:schemeClr val="accent1">
+                <a:alpha val="30000"/>
+              </a:schemeClr>
+            </a:solidFill>
+            <a:ln>
+              <a:noFill/>
+            </a:ln>
+            <a:effectLst/>
+          </p:spPr>
+          <p:style>
+            <a:lnRef idx="1">
+              <a:schemeClr val="accent1"/>
+            </a:lnRef>
+            <a:fillRef idx="3">
+              <a:schemeClr val="accent1"/>
+            </a:fillRef>
+            <a:effectRef idx="2">
+              <a:schemeClr val="accent1"/>
+            </a:effectRef>
+            <a:fontRef idx="minor">
+              <a:schemeClr val="lt1"/>
+            </a:fontRef>
+          </p:style>
+        </p:sp>
+        <p:sp>
+          <p:nvSpPr>
+            <p:cNvPr id="47" name="Rectangle 25">
+              <a:extLst>
+                <a:ext uri="{FF2B5EF4-FFF2-40B4-BE49-F238E27FC236}">
+                  <a16:creationId xmlns:a16="http://schemas.microsoft.com/office/drawing/2014/main" id="{3B895046-636F-4D1B-ACA4-29AA0CB3329F}"/>
+                </a:ext>
+                <a:ext uri="{C183D7F6-B498-43B3-948B-1728B52AA6E4}">
+                  <adec:decorative xmlns:adec="http://schemas.microsoft.com/office/drawing/2017/decorative" val="1"/>
+                </a:ext>
+              </a:extLst>
+            </p:cNvPr>
+            <p:cNvSpPr/>
+            <p:nvPr>
+              <p:extLst>
+                <p:ext uri="{386F3935-93C4-4BCD-93E2-E3B085C9AB24}">
+                  <p16:designElem xmlns:p16="http://schemas.microsoft.com/office/powerpoint/2015/main" val="1"/>
+                </p:ext>
+              </p:extLst>
+            </p:nvPr>
+          </p:nvSpPr>
+          <p:spPr>
+            <a:xfrm>
+              <a:off x="9603442" y="-8467"/>
+              <a:ext cx="2588558" cy="6866467"/>
+            </a:xfrm>
+            <a:custGeom>
+              <a:avLst/>
+              <a:gdLst/>
+              <a:ahLst/>
+              <a:cxnLst/>
+              <a:rect l="l" t="t" r="r" b="b"/>
+              <a:pathLst>
+                <a:path w="2573311" h="6866467">
+                  <a:moveTo>
+                    <a:pt x="0" y="0"/>
+                  </a:moveTo>
+                  <a:lnTo>
+                    <a:pt x="2573311" y="0"/>
+                  </a:lnTo>
+                  <a:lnTo>
+                    <a:pt x="2573311" y="6866467"/>
+                  </a:lnTo>
+                  <a:lnTo>
+                    <a:pt x="1202336" y="6866467"/>
+                  </a:lnTo>
+                  <a:lnTo>
+                    <a:pt x="0" y="0"/>
+                  </a:lnTo>
+                  <a:close/>
+                </a:path>
+              </a:pathLst>
+            </a:custGeom>
+            <a:solidFill>
+              <a:schemeClr val="accent1">
+                <a:alpha val="20000"/>
+              </a:schemeClr>
+            </a:solidFill>
+            <a:ln>
+              <a:noFill/>
+            </a:ln>
+            <a:effectLst/>
+          </p:spPr>
+          <p:style>
+            <a:lnRef idx="1">
+              <a:schemeClr val="accent1"/>
+            </a:lnRef>
+            <a:fillRef idx="3">
+              <a:schemeClr val="accent1"/>
+            </a:fillRef>
+            <a:effectRef idx="2">
+              <a:schemeClr val="accent1"/>
+            </a:effectRef>
+            <a:fontRef idx="minor">
+              <a:schemeClr val="lt1"/>
+            </a:fontRef>
+          </p:style>
+        </p:sp>
+        <p:sp>
+          <p:nvSpPr>
+            <p:cNvPr id="48" name="Isosceles Triangle 47">
+              <a:extLst>
+                <a:ext uri="{FF2B5EF4-FFF2-40B4-BE49-F238E27FC236}">
+                  <a16:creationId xmlns:a16="http://schemas.microsoft.com/office/drawing/2014/main" id="{C6B0CDE3-E054-4EDD-A43B-F96843D8BF51}"/>
+                </a:ext>
+                <a:ext uri="{C183D7F6-B498-43B3-948B-1728B52AA6E4}">
+                  <adec:decorative xmlns:adec="http://schemas.microsoft.com/office/drawing/2017/decorative" val="1"/>
+                </a:ext>
+              </a:extLst>
+            </p:cNvPr>
+            <p:cNvSpPr/>
+            <p:nvPr>
+              <p:extLst>
+                <p:ext uri="{386F3935-93C4-4BCD-93E2-E3B085C9AB24}">
+                  <p16:designElem xmlns:p16="http://schemas.microsoft.com/office/powerpoint/2015/main" val="1"/>
+                </p:ext>
+              </p:extLst>
+            </p:nvPr>
+          </p:nvSpPr>
+          <p:spPr>
+            <a:xfrm>
+              <a:off x="8932333" y="3048000"/>
+              <a:ext cx="3259667" cy="3810000"/>
+            </a:xfrm>
+            <a:prstGeom prst="triangle">
+              <a:avLst>
+                <a:gd name="adj" fmla="val 100000"/>
+              </a:avLst>
+            </a:prstGeom>
+            <a:solidFill>
+              <a:schemeClr val="accent2">
+                <a:alpha val="72000"/>
+              </a:schemeClr>
+            </a:solidFill>
+            <a:ln>
+              <a:noFill/>
+            </a:ln>
+            <a:effectLst/>
+          </p:spPr>
+          <p:style>
+            <a:lnRef idx="1">
+              <a:schemeClr val="accent1"/>
+            </a:lnRef>
+            <a:fillRef idx="3">
+              <a:schemeClr val="accent1"/>
+            </a:fillRef>
+            <a:effectRef idx="2">
+              <a:schemeClr val="accent1"/>
+            </a:effectRef>
+            <a:fontRef idx="minor">
+              <a:schemeClr val="lt1"/>
+            </a:fontRef>
+          </p:style>
+        </p:sp>
+        <p:sp>
+          <p:nvSpPr>
+            <p:cNvPr id="49" name="Rectangle 27">
+              <a:extLst>
+                <a:ext uri="{FF2B5EF4-FFF2-40B4-BE49-F238E27FC236}">
+                  <a16:creationId xmlns:a16="http://schemas.microsoft.com/office/drawing/2014/main" id="{3B66B1A2-F145-4C9B-85CC-4BF30D58CBC5}"/>
+                </a:ext>
+                <a:ext uri="{C183D7F6-B498-43B3-948B-1728B52AA6E4}">
+                  <adec:decorative xmlns:adec="http://schemas.microsoft.com/office/drawing/2017/decorative" val="1"/>
+                </a:ext>
+              </a:extLst>
+            </p:cNvPr>
+            <p:cNvSpPr/>
+            <p:nvPr>
+              <p:extLst>
+                <p:ext uri="{386F3935-93C4-4BCD-93E2-E3B085C9AB24}">
+                  <p16:designElem xmlns:p16="http://schemas.microsoft.com/office/powerpoint/2015/main" val="1"/>
+                </p:ext>
+              </p:extLst>
+            </p:nvPr>
+          </p:nvSpPr>
+          <p:spPr>
+            <a:xfrm>
+              <a:off x="9334500" y="-8467"/>
+              <a:ext cx="2854326" cy="6866467"/>
+            </a:xfrm>
+            <a:custGeom>
+              <a:avLst/>
+              <a:gdLst/>
+              <a:ahLst/>
+              <a:cxnLst/>
+              <a:rect l="l" t="t" r="r" b="b"/>
+              <a:pathLst>
+                <a:path w="2858013" h="6866467">
+                  <a:moveTo>
+                    <a:pt x="0" y="0"/>
+                  </a:moveTo>
+                  <a:lnTo>
+                    <a:pt x="2858013" y="0"/>
+                  </a:lnTo>
+                  <a:lnTo>
+                    <a:pt x="2858013" y="6866467"/>
+                  </a:lnTo>
+                  <a:lnTo>
+                    <a:pt x="2473942" y="6866467"/>
+                  </a:lnTo>
+                  <a:lnTo>
+                    <a:pt x="0" y="0"/>
+                  </a:lnTo>
+                  <a:close/>
+                </a:path>
+              </a:pathLst>
+            </a:custGeom>
+            <a:solidFill>
+              <a:schemeClr val="accent2">
+                <a:lumMod val="75000"/>
+                <a:alpha val="70000"/>
+              </a:schemeClr>
+            </a:solidFill>
+            <a:ln>
+              <a:noFill/>
+            </a:ln>
+            <a:effectLst/>
+          </p:spPr>
+          <p:style>
+            <a:lnRef idx="1">
+              <a:schemeClr val="accent1"/>
+            </a:lnRef>
+            <a:fillRef idx="3">
+              <a:schemeClr val="accent1"/>
+            </a:fillRef>
+            <a:effectRef idx="2">
+              <a:schemeClr val="accent1"/>
+            </a:effectRef>
+            <a:fontRef idx="minor">
+              <a:schemeClr val="lt1"/>
+            </a:fontRef>
+          </p:style>
+        </p:sp>
+        <p:sp>
+          <p:nvSpPr>
+            <p:cNvPr id="50" name="Rectangle 28">
+              <a:extLst>
+                <a:ext uri="{FF2B5EF4-FFF2-40B4-BE49-F238E27FC236}">
+                  <a16:creationId xmlns:a16="http://schemas.microsoft.com/office/drawing/2014/main" id="{5D4FC972-94B3-4035-8D31-E668C132B411}"/>
+                </a:ext>
+                <a:ext uri="{C183D7F6-B498-43B3-948B-1728B52AA6E4}">
+                  <adec:decorative xmlns:adec="http://schemas.microsoft.com/office/drawing/2017/decorative" val="1"/>
+                </a:ext>
+              </a:extLst>
+            </p:cNvPr>
+            <p:cNvSpPr/>
+            <p:nvPr>
+              <p:extLst>
+                <p:ext uri="{386F3935-93C4-4BCD-93E2-E3B085C9AB24}">
+                  <p16:designElem xmlns:p16="http://schemas.microsoft.com/office/powerpoint/2015/main" val="1"/>
+                </p:ext>
+              </p:extLst>
+            </p:nvPr>
+          </p:nvSpPr>
+          <p:spPr>
+            <a:xfrm>
+              <a:off x="10898730" y="-8467"/>
+              <a:ext cx="1290094" cy="6866467"/>
+            </a:xfrm>
+            <a:custGeom>
+              <a:avLst/>
+              <a:gdLst/>
+              <a:ahLst/>
+              <a:cxnLst/>
+              <a:rect l="l" t="t" r="r" b="b"/>
+              <a:pathLst>
+                <a:path w="1290094" h="6858000">
+                  <a:moveTo>
+                    <a:pt x="1019735" y="0"/>
+                  </a:moveTo>
+                  <a:lnTo>
+                    <a:pt x="1290094" y="0"/>
+                  </a:lnTo>
+                  <a:lnTo>
+                    <a:pt x="1290094" y="6858000"/>
+                  </a:lnTo>
+                  <a:lnTo>
+                    <a:pt x="0" y="6858000"/>
+                  </a:lnTo>
+                  <a:lnTo>
+                    <a:pt x="1019735" y="0"/>
+                  </a:lnTo>
+                  <a:close/>
+                </a:path>
+              </a:pathLst>
+            </a:custGeom>
+            <a:solidFill>
+              <a:schemeClr val="accent1">
+                <a:lumMod val="60000"/>
+                <a:lumOff val="40000"/>
+                <a:alpha val="70000"/>
+              </a:schemeClr>
+            </a:solidFill>
+            <a:ln>
+              <a:noFill/>
+            </a:ln>
+            <a:effectLst/>
+          </p:spPr>
+          <p:style>
+            <a:lnRef idx="1">
+              <a:schemeClr val="accent1"/>
+            </a:lnRef>
+            <a:fillRef idx="3">
+              <a:schemeClr val="accent1"/>
+            </a:fillRef>
+            <a:effectRef idx="2">
+              <a:schemeClr val="accent1"/>
+            </a:effectRef>
+            <a:fontRef idx="minor">
+              <a:schemeClr val="lt1"/>
+            </a:fontRef>
+          </p:style>
+        </p:sp>
+        <p:sp>
+          <p:nvSpPr>
+            <p:cNvPr id="51" name="Rectangle 29">
+              <a:extLst>
+                <a:ext uri="{FF2B5EF4-FFF2-40B4-BE49-F238E27FC236}">
+                  <a16:creationId xmlns:a16="http://schemas.microsoft.com/office/drawing/2014/main" id="{374B9941-AFBE-4A77-A50E-B6EA04A746AE}"/>
+                </a:ext>
+                <a:ext uri="{C183D7F6-B498-43B3-948B-1728B52AA6E4}">
+                  <adec:decorative xmlns:adec="http://schemas.microsoft.com/office/drawing/2017/decorative" val="1"/>
+                </a:ext>
+              </a:extLst>
+            </p:cNvPr>
+            <p:cNvSpPr/>
+            <p:nvPr>
+              <p:extLst>
+                <p:ext uri="{386F3935-93C4-4BCD-93E2-E3B085C9AB24}">
+                  <p16:designElem xmlns:p16="http://schemas.microsoft.com/office/powerpoint/2015/main" val="1"/>
+                </p:ext>
+              </p:extLst>
+            </p:nvPr>
+          </p:nvSpPr>
+          <p:spPr>
+            <a:xfrm>
+              <a:off x="10938999" y="-8467"/>
+              <a:ext cx="1249825" cy="6866467"/>
+            </a:xfrm>
+            <a:custGeom>
+              <a:avLst/>
+              <a:gdLst/>
+              <a:ahLst/>
+              <a:cxnLst/>
+              <a:rect l="l" t="t" r="r" b="b"/>
+              <a:pathLst>
+                <a:path w="1249825" h="6858000">
+                  <a:moveTo>
+                    <a:pt x="0" y="0"/>
+                  </a:moveTo>
+                  <a:lnTo>
+                    <a:pt x="1249825" y="0"/>
+                  </a:lnTo>
+                  <a:lnTo>
+                    <a:pt x="1249825" y="6858000"/>
+                  </a:lnTo>
+                  <a:lnTo>
+                    <a:pt x="1109382" y="6858000"/>
+                  </a:lnTo>
+                  <a:lnTo>
+                    <a:pt x="0" y="0"/>
+                  </a:lnTo>
+                  <a:close/>
+                </a:path>
+              </a:pathLst>
+            </a:custGeom>
+            <a:solidFill>
+              <a:schemeClr val="accent1">
+                <a:alpha val="65000"/>
+              </a:schemeClr>
+            </a:solidFill>
+            <a:ln>
+              <a:noFill/>
+            </a:ln>
+            <a:effectLst/>
+          </p:spPr>
+          <p:style>
+            <a:lnRef idx="1">
+              <a:schemeClr val="accent1"/>
+            </a:lnRef>
+            <a:fillRef idx="3">
+              <a:schemeClr val="accent1"/>
+            </a:fillRef>
+            <a:effectRef idx="2">
+              <a:schemeClr val="accent1"/>
+            </a:effectRef>
+            <a:fontRef idx="minor">
+              <a:schemeClr val="lt1"/>
+            </a:fontRef>
+          </p:style>
+        </p:sp>
+        <p:sp>
+          <p:nvSpPr>
+            <p:cNvPr id="52" name="Isosceles Triangle 51">
+              <a:extLst>
+                <a:ext uri="{FF2B5EF4-FFF2-40B4-BE49-F238E27FC236}">
+                  <a16:creationId xmlns:a16="http://schemas.microsoft.com/office/drawing/2014/main" id="{27A982C5-2C38-4CE9-BC18-94697AD657FB}"/>
+                </a:ext>
+                <a:ext uri="{C183D7F6-B498-43B3-948B-1728B52AA6E4}">
+                  <adec:decorative xmlns:adec="http://schemas.microsoft.com/office/drawing/2017/decorative" val="1"/>
+                </a:ext>
+              </a:extLst>
+            </p:cNvPr>
+            <p:cNvSpPr/>
+            <p:nvPr>
+              <p:extLst>
+                <p:ext uri="{386F3935-93C4-4BCD-93E2-E3B085C9AB24}">
+                  <p16:designElem xmlns:p16="http://schemas.microsoft.com/office/powerpoint/2015/main" val="1"/>
+                </p:ext>
+              </p:extLst>
+            </p:nvPr>
+          </p:nvSpPr>
+          <p:spPr>
+            <a:xfrm>
+              <a:off x="10371666" y="3589867"/>
+              <a:ext cx="1817159" cy="3268133"/>
+            </a:xfrm>
+            <a:prstGeom prst="triangle">
+              <a:avLst>
+                <a:gd name="adj" fmla="val 100000"/>
+              </a:avLst>
+            </a:prstGeom>
+            <a:solidFill>
+              <a:schemeClr val="accent1">
+                <a:alpha val="80000"/>
+              </a:schemeClr>
+            </a:solidFill>
+            <a:ln>
+              <a:noFill/>
+            </a:ln>
+            <a:effectLst/>
+          </p:spPr>
+          <p:style>
+            <a:lnRef idx="1">
+              <a:schemeClr val="accent1"/>
+            </a:lnRef>
+            <a:fillRef idx="3">
+              <a:schemeClr val="accent1"/>
+            </a:fillRef>
+            <a:effectRef idx="2">
+              <a:schemeClr val="accent1"/>
+            </a:effectRef>
+            <a:fontRef idx="minor">
+              <a:schemeClr val="lt1"/>
+            </a:fontRef>
+          </p:style>
+        </p:sp>
+        <p:sp>
+          <p:nvSpPr>
+            <p:cNvPr id="53" name="Isosceles Triangle 52">
+              <a:extLst>
+                <a:ext uri="{FF2B5EF4-FFF2-40B4-BE49-F238E27FC236}">
+                  <a16:creationId xmlns:a16="http://schemas.microsoft.com/office/drawing/2014/main" id="{0060D8D1-7BB1-498F-AFBB-ADAC130A9E90}"/>
+                </a:ext>
+                <a:ext uri="{C183D7F6-B498-43B3-948B-1728B52AA6E4}">
+                  <adec:decorative xmlns:adec="http://schemas.microsoft.com/office/drawing/2017/decorative" val="1"/>
+                </a:ext>
+              </a:extLst>
+            </p:cNvPr>
+            <p:cNvSpPr/>
+            <p:nvPr>
+              <p:extLst>
+                <p:ext uri="{386F3935-93C4-4BCD-93E2-E3B085C9AB24}">
+                  <p16:designElem xmlns:p16="http://schemas.microsoft.com/office/powerpoint/2015/main" val="1"/>
+                </p:ext>
+              </p:extLst>
+            </p:nvPr>
+          </p:nvSpPr>
+          <p:spPr>
+            <a:xfrm rot="10800000">
+              <a:off x="0" y="0"/>
+              <a:ext cx="842596" cy="5666154"/>
+            </a:xfrm>
+            <a:prstGeom prst="triangle">
+              <a:avLst>
+                <a:gd name="adj" fmla="val 100000"/>
+              </a:avLst>
+            </a:prstGeom>
+            <a:solidFill>
+              <a:schemeClr val="accent1">
+                <a:alpha val="85000"/>
+              </a:schemeClr>
+            </a:solidFill>
+            <a:ln>
+              <a:noFill/>
+            </a:ln>
+            <a:effectLst/>
+          </p:spPr>
+          <p:style>
+            <a:lnRef idx="1">
+              <a:schemeClr val="accent1"/>
+            </a:lnRef>
+            <a:fillRef idx="3">
+              <a:schemeClr val="accent1"/>
+            </a:fillRef>
+            <a:effectRef idx="2">
+              <a:schemeClr val="accent1"/>
+            </a:effectRef>
+            <a:fontRef idx="minor">
+              <a:schemeClr val="lt1"/>
+            </a:fontRef>
+          </p:style>
+        </p:sp>
+      </p:grpSp>
+      <p:sp>
+        <p:nvSpPr>
+          <p:cNvPr id="55" name="Isosceles Triangle 54">
+            <a:extLst>
+              <a:ext uri="{FF2B5EF4-FFF2-40B4-BE49-F238E27FC236}">
+                <a16:creationId xmlns:a16="http://schemas.microsoft.com/office/drawing/2014/main" id="{AA330523-F25B-4007-B3E5-ABB5637D160A}"/>
+              </a:ext>
+              <a:ext uri="{C183D7F6-B498-43B3-948B-1728B52AA6E4}">
+                <adec:decorative xmlns:adec="http://schemas.microsoft.com/office/drawing/2017/decorative" val="1"/>
+              </a:ext>
+            </a:extLst>
+          </p:cNvPr>
+          <p:cNvSpPr>
+            <a:spLocks noGrp="1" noRot="1" noChangeAspect="1" noMove="1" noResize="1" noEditPoints="1" noAdjustHandles="1" noChangeArrowheads="1" noChangeShapeType="1" noTextEdit="1"/>
+          </p:cNvSpPr>
+          <p:nvPr>
+            <p:extLst>
+              <p:ext uri="{386F3935-93C4-4BCD-93E2-E3B085C9AB24}">
+                <p16:designElem xmlns:p16="http://schemas.microsoft.com/office/powerpoint/2015/main" val="1"/>
+              </p:ext>
+            </p:extLst>
+          </p:nvPr>
+        </p:nvSpPr>
+        <p:spPr>
+          <a:xfrm rot="10800000">
+            <a:off x="3174" y="12700"/>
+            <a:ext cx="842596" cy="5666154"/>
+          </a:xfrm>
+          <a:prstGeom prst="triangle">
+            <a:avLst>
+              <a:gd name="adj" fmla="val 100000"/>
+            </a:avLst>
+          </a:prstGeom>
+          <a:solidFill>
+            <a:schemeClr val="accent1">
+              <a:alpha val="85000"/>
+            </a:schemeClr>
+          </a:solidFill>
+          <a:ln>
+            <a:noFill/>
+          </a:ln>
+          <a:effectLst/>
+        </p:spPr>
+        <p:style>
+          <a:lnRef idx="1">
+            <a:schemeClr val="accent1"/>
+          </a:lnRef>
+          <a:fillRef idx="3">
+            <a:schemeClr val="accent1"/>
+          </a:fillRef>
+          <a:effectRef idx="2">
+            <a:schemeClr val="accent1"/>
+          </a:effectRef>
+          <a:fontRef idx="minor">
+            <a:schemeClr val="lt1"/>
+          </a:fontRef>
+        </p:style>
+      </p:sp>
+      <p:pic>
+        <p:nvPicPr>
+          <p:cNvPr id="6" name="Inhaltsplatzhalter 5">
+            <a:extLst>
+              <a:ext uri="{FF2B5EF4-FFF2-40B4-BE49-F238E27FC236}">
+                <a16:creationId xmlns:a16="http://schemas.microsoft.com/office/drawing/2014/main" id="{BD595AD9-45C6-4D2B-AB61-084C698239A5}"/>
+              </a:ext>
+            </a:extLst>
+          </p:cNvPr>
+          <p:cNvPicPr>
+            <a:picLocks noGrp="1" noChangeAspect="1"/>
+          </p:cNvPicPr>
+          <p:nvPr>
+            <p:ph idx="1"/>
+          </p:nvPr>
+        </p:nvPicPr>
+        <p:blipFill>
+          <a:blip r:embed="rId2"/>
+          <a:stretch>
+            <a:fillRect/>
+          </a:stretch>
+        </p:blipFill>
+        <p:spPr>
+          <a:xfrm>
+            <a:off x="879109" y="773617"/>
+            <a:ext cx="4673673" cy="5302298"/>
+          </a:xfrm>
+          <a:prstGeom prst="rect">
+            <a:avLst/>
+          </a:prstGeom>
+        </p:spPr>
+      </p:pic>
+      <p:sp>
+        <p:nvSpPr>
+          <p:cNvPr id="2" name="Titel 1">
+            <a:extLst>
+              <a:ext uri="{FF2B5EF4-FFF2-40B4-BE49-F238E27FC236}">
+                <a16:creationId xmlns:a16="http://schemas.microsoft.com/office/drawing/2014/main" id="{6F079721-4268-4335-8730-C0E0847AA4E2}"/>
+              </a:ext>
+            </a:extLst>
+          </p:cNvPr>
+          <p:cNvSpPr>
+            <a:spLocks noGrp="1"/>
+          </p:cNvSpPr>
+          <p:nvPr>
+            <p:ph type="title"/>
+          </p:nvPr>
+        </p:nvSpPr>
+        <p:spPr>
+          <a:xfrm>
+            <a:off x="5861300" y="1331746"/>
+            <a:ext cx="3968293" cy="3002662"/>
+          </a:xfrm>
+        </p:spPr>
+        <p:txBody>
+          <a:bodyPr vert="horz" lIns="91440" tIns="45720" rIns="91440" bIns="45720" rtlCol="0" anchor="b">
+            <a:normAutofit/>
+          </a:bodyPr>
+          <a:lstStyle/>
+          <a:p>
+            <a:r>
+              <a:rPr lang="en-US" sz="4400" kern="1200" dirty="0">
+                <a:solidFill>
+                  <a:schemeClr val="accent1"/>
+                </a:solidFill>
+                <a:latin typeface="+mj-lt"/>
+                <a:ea typeface="+mj-ea"/>
+                <a:cs typeface="+mj-cs"/>
+              </a:rPr>
+              <a:t>Der </a:t>
+            </a:r>
+            <a:r>
+              <a:rPr lang="en-US" sz="4400" kern="1200" dirty="0" err="1">
+                <a:solidFill>
+                  <a:schemeClr val="accent1"/>
+                </a:solidFill>
+                <a:latin typeface="+mj-lt"/>
+                <a:ea typeface="+mj-ea"/>
+                <a:cs typeface="+mj-cs"/>
+              </a:rPr>
+              <a:t>Regler</a:t>
+            </a:r>
+            <a:r>
+              <a:rPr lang="en-US" sz="4400" kern="1200" dirty="0">
+                <a:solidFill>
+                  <a:schemeClr val="accent1"/>
+                </a:solidFill>
+                <a:latin typeface="+mj-lt"/>
+                <a:ea typeface="+mj-ea"/>
+                <a:cs typeface="+mj-cs"/>
+              </a:rPr>
+              <a:t> – class Stabilizer</a:t>
+            </a:r>
+          </a:p>
+        </p:txBody>
+      </p:sp>
+    </p:spTree>
+    <p:extLst>
+      <p:ext uri="{BB962C8B-B14F-4D97-AF65-F5344CB8AC3E}">
+        <p14:creationId xmlns:p14="http://schemas.microsoft.com/office/powerpoint/2010/main" val="975908603"/>
+      </p:ext>
+    </p:extLst>
+  </p:cSld>
+  <p:clrMapOvr>
+    <a:masterClrMapping/>
+  </p:clrMapOvr>
+</p:sld>
+</file>
+
+<file path=ppt/slides/slide7.xml><?xml version="1.0" encoding="utf-8"?>
+<p:sld xmlns:a="http://schemas.openxmlformats.org/drawingml/2006/main" xmlns:r="http://schemas.openxmlformats.org/officeDocument/2006/relationships" xmlns:p="http://schemas.openxmlformats.org/presentationml/2006/main">
+  <p:cSld>
+    <p:bg>
+      <p:bgPr>
+        <a:solidFill>
+          <a:schemeClr val="bg1"/>
+        </a:solidFill>
+        <a:effectLst/>
+      </p:bgPr>
+    </p:bg>
+    <p:spTree>
+      <p:nvGrpSpPr>
+        <p:cNvPr id="1" name=""/>
+        <p:cNvGrpSpPr/>
+        <p:nvPr/>
+      </p:nvGrpSpPr>
+      <p:grpSpPr>
+        <a:xfrm>
+          <a:off x="0" y="0"/>
+          <a:ext cx="0" cy="0"/>
+          <a:chOff x="0" y="0"/>
+          <a:chExt cx="0" cy="0"/>
+        </a:xfrm>
+      </p:grpSpPr>
+      <p:grpSp>
+        <p:nvGrpSpPr>
+          <p:cNvPr id="23" name="Group 8">
             <a:extLst>
               <a:ext uri="{FF2B5EF4-FFF2-40B4-BE49-F238E27FC236}">
                 <a16:creationId xmlns:a16="http://schemas.microsoft.com/office/drawing/2014/main" id="{B4DE830A-B531-4A3B-96F6-0ECE88B08555}"/>
@@ -8443,7 +11242,7 @@
       </p:grpSp>
       <p:sp>
         <p:nvSpPr>
-          <p:cNvPr id="21" name="Isosceles Triangle 20">
+          <p:cNvPr id="24" name="Isosceles Triangle 20">
             <a:extLst>
               <a:ext uri="{FF2B5EF4-FFF2-40B4-BE49-F238E27FC236}">
                 <a16:creationId xmlns:a16="http://schemas.microsoft.com/office/drawing/2014/main" id="{AA330523-F25B-4007-B3E5-ABB5637D160A}"/>
@@ -8499,1794 +11298,6 @@
           </a:fontRef>
         </p:style>
       </p:sp>
-      <p:pic>
-        <p:nvPicPr>
-          <p:cNvPr id="4" name="Inhaltsplatzhalter 3">
-            <a:extLst>
-              <a:ext uri="{FF2B5EF4-FFF2-40B4-BE49-F238E27FC236}">
-                <a16:creationId xmlns:a16="http://schemas.microsoft.com/office/drawing/2014/main" id="{9E056690-B87B-4E36-A2CB-CB9BA4B0F1AE}"/>
-              </a:ext>
-            </a:extLst>
-          </p:cNvPr>
-          <p:cNvPicPr>
-            <a:picLocks noGrp="1" noChangeAspect="1"/>
-          </p:cNvPicPr>
-          <p:nvPr>
-            <p:ph idx="1"/>
-          </p:nvPr>
-        </p:nvPicPr>
-        <p:blipFill>
-          <a:blip r:embed="rId2"/>
-          <a:stretch>
-            <a:fillRect/>
-          </a:stretch>
-        </p:blipFill>
-        <p:spPr>
-          <a:xfrm>
-            <a:off x="888603" y="1633880"/>
-            <a:ext cx="4887354" cy="3590240"/>
-          </a:xfrm>
-          <a:prstGeom prst="rect">
-            <a:avLst/>
-          </a:prstGeom>
-        </p:spPr>
-      </p:pic>
-      <p:sp>
-        <p:nvSpPr>
-          <p:cNvPr id="2" name="Titel 1">
-            <a:extLst>
-              <a:ext uri="{FF2B5EF4-FFF2-40B4-BE49-F238E27FC236}">
-                <a16:creationId xmlns:a16="http://schemas.microsoft.com/office/drawing/2014/main" id="{4F5D1C05-0463-4FB2-92AE-7402469E3548}"/>
-              </a:ext>
-            </a:extLst>
-          </p:cNvPr>
-          <p:cNvSpPr>
-            <a:spLocks noGrp="1"/>
-          </p:cNvSpPr>
-          <p:nvPr>
-            <p:ph type="title"/>
-          </p:nvPr>
-        </p:nvSpPr>
-        <p:spPr>
-          <a:xfrm>
-            <a:off x="6094855" y="1261331"/>
-            <a:ext cx="3497565" cy="3002662"/>
-          </a:xfrm>
-        </p:spPr>
-        <p:txBody>
-          <a:bodyPr vert="horz" lIns="91440" tIns="45720" rIns="91440" bIns="45720" rtlCol="0" anchor="b">
-            <a:normAutofit/>
-          </a:bodyPr>
-          <a:lstStyle/>
-          <a:p>
-            <a:r>
-              <a:rPr lang="en-US" sz="4400" kern="1200">
-                <a:solidFill>
-                  <a:schemeClr val="accent1"/>
-                </a:solidFill>
-                <a:latin typeface="+mj-lt"/>
-                <a:ea typeface="+mj-ea"/>
-                <a:cs typeface="+mj-cs"/>
-              </a:rPr>
-              <a:t>Die Physik – class Physics</a:t>
-            </a:r>
-          </a:p>
-        </p:txBody>
-      </p:sp>
-    </p:spTree>
-    <p:extLst>
-      <p:ext uri="{BB962C8B-B14F-4D97-AF65-F5344CB8AC3E}">
-        <p14:creationId xmlns:p14="http://schemas.microsoft.com/office/powerpoint/2010/main" val="1111191032"/>
-      </p:ext>
-    </p:extLst>
-  </p:cSld>
-  <p:clrMapOvr>
-    <a:masterClrMapping/>
-  </p:clrMapOvr>
-</p:sld>
-</file>
-
-<file path=ppt/slides/slide5.xml><?xml version="1.0" encoding="utf-8"?>
-<p:sld xmlns:a="http://schemas.openxmlformats.org/drawingml/2006/main" xmlns:r="http://schemas.openxmlformats.org/officeDocument/2006/relationships" xmlns:p="http://schemas.openxmlformats.org/presentationml/2006/main">
-  <p:cSld>
-    <p:bg>
-      <p:bgPr>
-        <a:solidFill>
-          <a:schemeClr val="bg1"/>
-        </a:solidFill>
-        <a:effectLst/>
-      </p:bgPr>
-    </p:bg>
-    <p:spTree>
-      <p:nvGrpSpPr>
-        <p:cNvPr id="1" name=""/>
-        <p:cNvGrpSpPr/>
-        <p:nvPr/>
-      </p:nvGrpSpPr>
-      <p:grpSpPr>
-        <a:xfrm>
-          <a:off x="0" y="0"/>
-          <a:ext cx="0" cy="0"/>
-          <a:chOff x="0" y="0"/>
-          <a:chExt cx="0" cy="0"/>
-        </a:xfrm>
-      </p:grpSpPr>
-      <p:grpSp>
-        <p:nvGrpSpPr>
-          <p:cNvPr id="26" name="Group 25">
-            <a:extLst>
-              <a:ext uri="{FF2B5EF4-FFF2-40B4-BE49-F238E27FC236}">
-                <a16:creationId xmlns:a16="http://schemas.microsoft.com/office/drawing/2014/main" id="{B4DE830A-B531-4A3B-96F6-0ECE88B08555}"/>
-              </a:ext>
-              <a:ext uri="{C183D7F6-B498-43B3-948B-1728B52AA6E4}">
-                <adec:decorative xmlns:adec="http://schemas.microsoft.com/office/drawing/2017/decorative" val="1"/>
-              </a:ext>
-            </a:extLst>
-          </p:cNvPr>
-          <p:cNvGrpSpPr>
-            <a:grpSpLocks noGrp="1" noUngrp="1" noRot="1" noChangeAspect="1" noMove="1" noResize="1"/>
-          </p:cNvGrpSpPr>
-          <p:nvPr>
-            <p:extLst>
-              <p:ext uri="{386F3935-93C4-4BCD-93E2-E3B085C9AB24}">
-                <p16:designElem xmlns:p16="http://schemas.microsoft.com/office/powerpoint/2015/main" val="1"/>
-              </p:ext>
-            </p:extLst>
-          </p:nvPr>
-        </p:nvGrpSpPr>
-        <p:grpSpPr>
-          <a:xfrm>
-            <a:off x="0" y="-8467"/>
-            <a:ext cx="12192000" cy="6866467"/>
-            <a:chOff x="0" y="-8467"/>
-            <a:chExt cx="12192000" cy="6866467"/>
-          </a:xfrm>
-        </p:grpSpPr>
-        <p:cxnSp>
-          <p:nvCxnSpPr>
-            <p:cNvPr id="27" name="Straight Connector 26">
-              <a:extLst>
-                <a:ext uri="{FF2B5EF4-FFF2-40B4-BE49-F238E27FC236}">
-                  <a16:creationId xmlns:a16="http://schemas.microsoft.com/office/drawing/2014/main" id="{2813DF2C-461A-4A8F-9679-A172790D1F3A}"/>
-                </a:ext>
-                <a:ext uri="{C183D7F6-B498-43B3-948B-1728B52AA6E4}">
-                  <adec:decorative xmlns:adec="http://schemas.microsoft.com/office/drawing/2017/decorative" val="1"/>
-                </a:ext>
-              </a:extLst>
-            </p:cNvPr>
-            <p:cNvCxnSpPr/>
-            <p:nvPr>
-              <p:extLst>
-                <p:ext uri="{386F3935-93C4-4BCD-93E2-E3B085C9AB24}">
-                  <p16:designElem xmlns:p16="http://schemas.microsoft.com/office/powerpoint/2015/main" val="1"/>
-                </p:ext>
-              </p:extLst>
-            </p:nvPr>
-          </p:nvCxnSpPr>
-          <p:spPr>
-            <a:xfrm>
-              <a:off x="9371012" y="0"/>
-              <a:ext cx="1219200" cy="6858000"/>
-            </a:xfrm>
-            <a:prstGeom prst="line">
-              <a:avLst/>
-            </a:prstGeom>
-            <a:ln w="9525">
-              <a:solidFill>
-                <a:schemeClr val="bg1">
-                  <a:lumMod val="75000"/>
-                </a:schemeClr>
-              </a:solidFill>
-            </a:ln>
-          </p:spPr>
-          <p:style>
-            <a:lnRef idx="2">
-              <a:schemeClr val="accent1"/>
-            </a:lnRef>
-            <a:fillRef idx="0">
-              <a:schemeClr val="accent1"/>
-            </a:fillRef>
-            <a:effectRef idx="1">
-              <a:schemeClr val="accent1"/>
-            </a:effectRef>
-            <a:fontRef idx="minor">
-              <a:schemeClr val="tx1"/>
-            </a:fontRef>
-          </p:style>
-        </p:cxnSp>
-        <p:cxnSp>
-          <p:nvCxnSpPr>
-            <p:cNvPr id="28" name="Straight Connector 27">
-              <a:extLst>
-                <a:ext uri="{FF2B5EF4-FFF2-40B4-BE49-F238E27FC236}">
-                  <a16:creationId xmlns:a16="http://schemas.microsoft.com/office/drawing/2014/main" id="{54CD3A85-C039-4249-86E4-1EB9318B5495}"/>
-                </a:ext>
-                <a:ext uri="{C183D7F6-B498-43B3-948B-1728B52AA6E4}">
-                  <adec:decorative xmlns:adec="http://schemas.microsoft.com/office/drawing/2017/decorative" val="1"/>
-                </a:ext>
-              </a:extLst>
-            </p:cNvPr>
-            <p:cNvCxnSpPr/>
-            <p:nvPr>
-              <p:extLst>
-                <p:ext uri="{386F3935-93C4-4BCD-93E2-E3B085C9AB24}">
-                  <p16:designElem xmlns:p16="http://schemas.microsoft.com/office/powerpoint/2015/main" val="1"/>
-                </p:ext>
-              </p:extLst>
-            </p:nvPr>
-          </p:nvCxnSpPr>
-          <p:spPr>
-            <a:xfrm flipH="1">
-              <a:off x="7425267" y="3681413"/>
-              <a:ext cx="4763558" cy="3176587"/>
-            </a:xfrm>
-            <a:prstGeom prst="line">
-              <a:avLst/>
-            </a:prstGeom>
-            <a:ln w="9525">
-              <a:solidFill>
-                <a:schemeClr val="bg1">
-                  <a:lumMod val="85000"/>
-                </a:schemeClr>
-              </a:solidFill>
-            </a:ln>
-          </p:spPr>
-          <p:style>
-            <a:lnRef idx="2">
-              <a:schemeClr val="accent1"/>
-            </a:lnRef>
-            <a:fillRef idx="0">
-              <a:schemeClr val="accent1"/>
-            </a:fillRef>
-            <a:effectRef idx="1">
-              <a:schemeClr val="accent1"/>
-            </a:effectRef>
-            <a:fontRef idx="minor">
-              <a:schemeClr val="tx1"/>
-            </a:fontRef>
-          </p:style>
-        </p:cxnSp>
-        <p:sp>
-          <p:nvSpPr>
-            <p:cNvPr id="29" name="Rectangle 23">
-              <a:extLst>
-                <a:ext uri="{FF2B5EF4-FFF2-40B4-BE49-F238E27FC236}">
-                  <a16:creationId xmlns:a16="http://schemas.microsoft.com/office/drawing/2014/main" id="{887EA6D2-2883-42C2-993D-094CA6D65DA3}"/>
-                </a:ext>
-                <a:ext uri="{C183D7F6-B498-43B3-948B-1728B52AA6E4}">
-                  <adec:decorative xmlns:adec="http://schemas.microsoft.com/office/drawing/2017/decorative" val="1"/>
-                </a:ext>
-              </a:extLst>
-            </p:cNvPr>
-            <p:cNvSpPr/>
-            <p:nvPr>
-              <p:extLst>
-                <p:ext uri="{386F3935-93C4-4BCD-93E2-E3B085C9AB24}">
-                  <p16:designElem xmlns:p16="http://schemas.microsoft.com/office/powerpoint/2015/main" val="1"/>
-                </p:ext>
-              </p:extLst>
-            </p:nvPr>
-          </p:nvSpPr>
-          <p:spPr>
-            <a:xfrm>
-              <a:off x="9181476" y="-8467"/>
-              <a:ext cx="3007349" cy="6866467"/>
-            </a:xfrm>
-            <a:custGeom>
-              <a:avLst/>
-              <a:gdLst/>
-              <a:ahLst/>
-              <a:cxnLst/>
-              <a:rect l="l" t="t" r="r" b="b"/>
-              <a:pathLst>
-                <a:path w="3007349" h="6866467">
-                  <a:moveTo>
-                    <a:pt x="2045532" y="0"/>
-                  </a:moveTo>
-                  <a:lnTo>
-                    <a:pt x="3007349" y="0"/>
-                  </a:lnTo>
-                  <a:lnTo>
-                    <a:pt x="3007349" y="6866467"/>
-                  </a:lnTo>
-                  <a:lnTo>
-                    <a:pt x="0" y="6866467"/>
-                  </a:lnTo>
-                  <a:lnTo>
-                    <a:pt x="2045532" y="0"/>
-                  </a:lnTo>
-                  <a:close/>
-                </a:path>
-              </a:pathLst>
-            </a:custGeom>
-            <a:solidFill>
-              <a:schemeClr val="accent1">
-                <a:alpha val="30000"/>
-              </a:schemeClr>
-            </a:solidFill>
-            <a:ln>
-              <a:noFill/>
-            </a:ln>
-            <a:effectLst/>
-          </p:spPr>
-          <p:style>
-            <a:lnRef idx="1">
-              <a:schemeClr val="accent1"/>
-            </a:lnRef>
-            <a:fillRef idx="3">
-              <a:schemeClr val="accent1"/>
-            </a:fillRef>
-            <a:effectRef idx="2">
-              <a:schemeClr val="accent1"/>
-            </a:effectRef>
-            <a:fontRef idx="minor">
-              <a:schemeClr val="lt1"/>
-            </a:fontRef>
-          </p:style>
-        </p:sp>
-        <p:sp>
-          <p:nvSpPr>
-            <p:cNvPr id="30" name="Rectangle 25">
-              <a:extLst>
-                <a:ext uri="{FF2B5EF4-FFF2-40B4-BE49-F238E27FC236}">
-                  <a16:creationId xmlns:a16="http://schemas.microsoft.com/office/drawing/2014/main" id="{3B895046-636F-4D1B-ACA4-29AA0CB3329F}"/>
-                </a:ext>
-                <a:ext uri="{C183D7F6-B498-43B3-948B-1728B52AA6E4}">
-                  <adec:decorative xmlns:adec="http://schemas.microsoft.com/office/drawing/2017/decorative" val="1"/>
-                </a:ext>
-              </a:extLst>
-            </p:cNvPr>
-            <p:cNvSpPr/>
-            <p:nvPr>
-              <p:extLst>
-                <p:ext uri="{386F3935-93C4-4BCD-93E2-E3B085C9AB24}">
-                  <p16:designElem xmlns:p16="http://schemas.microsoft.com/office/powerpoint/2015/main" val="1"/>
-                </p:ext>
-              </p:extLst>
-            </p:nvPr>
-          </p:nvSpPr>
-          <p:spPr>
-            <a:xfrm>
-              <a:off x="9603442" y="-8467"/>
-              <a:ext cx="2588558" cy="6866467"/>
-            </a:xfrm>
-            <a:custGeom>
-              <a:avLst/>
-              <a:gdLst/>
-              <a:ahLst/>
-              <a:cxnLst/>
-              <a:rect l="l" t="t" r="r" b="b"/>
-              <a:pathLst>
-                <a:path w="2573311" h="6866467">
-                  <a:moveTo>
-                    <a:pt x="0" y="0"/>
-                  </a:moveTo>
-                  <a:lnTo>
-                    <a:pt x="2573311" y="0"/>
-                  </a:lnTo>
-                  <a:lnTo>
-                    <a:pt x="2573311" y="6866467"/>
-                  </a:lnTo>
-                  <a:lnTo>
-                    <a:pt x="1202336" y="6866467"/>
-                  </a:lnTo>
-                  <a:lnTo>
-                    <a:pt x="0" y="0"/>
-                  </a:lnTo>
-                  <a:close/>
-                </a:path>
-              </a:pathLst>
-            </a:custGeom>
-            <a:solidFill>
-              <a:schemeClr val="accent1">
-                <a:alpha val="20000"/>
-              </a:schemeClr>
-            </a:solidFill>
-            <a:ln>
-              <a:noFill/>
-            </a:ln>
-            <a:effectLst/>
-          </p:spPr>
-          <p:style>
-            <a:lnRef idx="1">
-              <a:schemeClr val="accent1"/>
-            </a:lnRef>
-            <a:fillRef idx="3">
-              <a:schemeClr val="accent1"/>
-            </a:fillRef>
-            <a:effectRef idx="2">
-              <a:schemeClr val="accent1"/>
-            </a:effectRef>
-            <a:fontRef idx="minor">
-              <a:schemeClr val="lt1"/>
-            </a:fontRef>
-          </p:style>
-        </p:sp>
-        <p:sp>
-          <p:nvSpPr>
-            <p:cNvPr id="31" name="Isosceles Triangle 30">
-              <a:extLst>
-                <a:ext uri="{FF2B5EF4-FFF2-40B4-BE49-F238E27FC236}">
-                  <a16:creationId xmlns:a16="http://schemas.microsoft.com/office/drawing/2014/main" id="{C6B0CDE3-E054-4EDD-A43B-F96843D8BF51}"/>
-                </a:ext>
-                <a:ext uri="{C183D7F6-B498-43B3-948B-1728B52AA6E4}">
-                  <adec:decorative xmlns:adec="http://schemas.microsoft.com/office/drawing/2017/decorative" val="1"/>
-                </a:ext>
-              </a:extLst>
-            </p:cNvPr>
-            <p:cNvSpPr/>
-            <p:nvPr>
-              <p:extLst>
-                <p:ext uri="{386F3935-93C4-4BCD-93E2-E3B085C9AB24}">
-                  <p16:designElem xmlns:p16="http://schemas.microsoft.com/office/powerpoint/2015/main" val="1"/>
-                </p:ext>
-              </p:extLst>
-            </p:nvPr>
-          </p:nvSpPr>
-          <p:spPr>
-            <a:xfrm>
-              <a:off x="8932333" y="3048000"/>
-              <a:ext cx="3259667" cy="3810000"/>
-            </a:xfrm>
-            <a:prstGeom prst="triangle">
-              <a:avLst>
-                <a:gd name="adj" fmla="val 100000"/>
-              </a:avLst>
-            </a:prstGeom>
-            <a:solidFill>
-              <a:schemeClr val="accent2">
-                <a:alpha val="72000"/>
-              </a:schemeClr>
-            </a:solidFill>
-            <a:ln>
-              <a:noFill/>
-            </a:ln>
-            <a:effectLst/>
-          </p:spPr>
-          <p:style>
-            <a:lnRef idx="1">
-              <a:schemeClr val="accent1"/>
-            </a:lnRef>
-            <a:fillRef idx="3">
-              <a:schemeClr val="accent1"/>
-            </a:fillRef>
-            <a:effectRef idx="2">
-              <a:schemeClr val="accent1"/>
-            </a:effectRef>
-            <a:fontRef idx="minor">
-              <a:schemeClr val="lt1"/>
-            </a:fontRef>
-          </p:style>
-        </p:sp>
-        <p:sp>
-          <p:nvSpPr>
-            <p:cNvPr id="32" name="Rectangle 27">
-              <a:extLst>
-                <a:ext uri="{FF2B5EF4-FFF2-40B4-BE49-F238E27FC236}">
-                  <a16:creationId xmlns:a16="http://schemas.microsoft.com/office/drawing/2014/main" id="{3B66B1A2-F145-4C9B-85CC-4BF30D58CBC5}"/>
-                </a:ext>
-                <a:ext uri="{C183D7F6-B498-43B3-948B-1728B52AA6E4}">
-                  <adec:decorative xmlns:adec="http://schemas.microsoft.com/office/drawing/2017/decorative" val="1"/>
-                </a:ext>
-              </a:extLst>
-            </p:cNvPr>
-            <p:cNvSpPr/>
-            <p:nvPr>
-              <p:extLst>
-                <p:ext uri="{386F3935-93C4-4BCD-93E2-E3B085C9AB24}">
-                  <p16:designElem xmlns:p16="http://schemas.microsoft.com/office/powerpoint/2015/main" val="1"/>
-                </p:ext>
-              </p:extLst>
-            </p:nvPr>
-          </p:nvSpPr>
-          <p:spPr>
-            <a:xfrm>
-              <a:off x="9334500" y="-8467"/>
-              <a:ext cx="2854326" cy="6866467"/>
-            </a:xfrm>
-            <a:custGeom>
-              <a:avLst/>
-              <a:gdLst/>
-              <a:ahLst/>
-              <a:cxnLst/>
-              <a:rect l="l" t="t" r="r" b="b"/>
-              <a:pathLst>
-                <a:path w="2858013" h="6866467">
-                  <a:moveTo>
-                    <a:pt x="0" y="0"/>
-                  </a:moveTo>
-                  <a:lnTo>
-                    <a:pt x="2858013" y="0"/>
-                  </a:lnTo>
-                  <a:lnTo>
-                    <a:pt x="2858013" y="6866467"/>
-                  </a:lnTo>
-                  <a:lnTo>
-                    <a:pt x="2473942" y="6866467"/>
-                  </a:lnTo>
-                  <a:lnTo>
-                    <a:pt x="0" y="0"/>
-                  </a:lnTo>
-                  <a:close/>
-                </a:path>
-              </a:pathLst>
-            </a:custGeom>
-            <a:solidFill>
-              <a:schemeClr val="accent2">
-                <a:lumMod val="75000"/>
-                <a:alpha val="70000"/>
-              </a:schemeClr>
-            </a:solidFill>
-            <a:ln>
-              <a:noFill/>
-            </a:ln>
-            <a:effectLst/>
-          </p:spPr>
-          <p:style>
-            <a:lnRef idx="1">
-              <a:schemeClr val="accent1"/>
-            </a:lnRef>
-            <a:fillRef idx="3">
-              <a:schemeClr val="accent1"/>
-            </a:fillRef>
-            <a:effectRef idx="2">
-              <a:schemeClr val="accent1"/>
-            </a:effectRef>
-            <a:fontRef idx="minor">
-              <a:schemeClr val="lt1"/>
-            </a:fontRef>
-          </p:style>
-        </p:sp>
-        <p:sp>
-          <p:nvSpPr>
-            <p:cNvPr id="33" name="Rectangle 28">
-              <a:extLst>
-                <a:ext uri="{FF2B5EF4-FFF2-40B4-BE49-F238E27FC236}">
-                  <a16:creationId xmlns:a16="http://schemas.microsoft.com/office/drawing/2014/main" id="{5D4FC972-94B3-4035-8D31-E668C132B411}"/>
-                </a:ext>
-                <a:ext uri="{C183D7F6-B498-43B3-948B-1728B52AA6E4}">
-                  <adec:decorative xmlns:adec="http://schemas.microsoft.com/office/drawing/2017/decorative" val="1"/>
-                </a:ext>
-              </a:extLst>
-            </p:cNvPr>
-            <p:cNvSpPr/>
-            <p:nvPr>
-              <p:extLst>
-                <p:ext uri="{386F3935-93C4-4BCD-93E2-E3B085C9AB24}">
-                  <p16:designElem xmlns:p16="http://schemas.microsoft.com/office/powerpoint/2015/main" val="1"/>
-                </p:ext>
-              </p:extLst>
-            </p:nvPr>
-          </p:nvSpPr>
-          <p:spPr>
-            <a:xfrm>
-              <a:off x="10898730" y="-8467"/>
-              <a:ext cx="1290094" cy="6866467"/>
-            </a:xfrm>
-            <a:custGeom>
-              <a:avLst/>
-              <a:gdLst/>
-              <a:ahLst/>
-              <a:cxnLst/>
-              <a:rect l="l" t="t" r="r" b="b"/>
-              <a:pathLst>
-                <a:path w="1290094" h="6858000">
-                  <a:moveTo>
-                    <a:pt x="1019735" y="0"/>
-                  </a:moveTo>
-                  <a:lnTo>
-                    <a:pt x="1290094" y="0"/>
-                  </a:lnTo>
-                  <a:lnTo>
-                    <a:pt x="1290094" y="6858000"/>
-                  </a:lnTo>
-                  <a:lnTo>
-                    <a:pt x="0" y="6858000"/>
-                  </a:lnTo>
-                  <a:lnTo>
-                    <a:pt x="1019735" y="0"/>
-                  </a:lnTo>
-                  <a:close/>
-                </a:path>
-              </a:pathLst>
-            </a:custGeom>
-            <a:solidFill>
-              <a:schemeClr val="accent1">
-                <a:lumMod val="60000"/>
-                <a:lumOff val="40000"/>
-                <a:alpha val="70000"/>
-              </a:schemeClr>
-            </a:solidFill>
-            <a:ln>
-              <a:noFill/>
-            </a:ln>
-            <a:effectLst/>
-          </p:spPr>
-          <p:style>
-            <a:lnRef idx="1">
-              <a:schemeClr val="accent1"/>
-            </a:lnRef>
-            <a:fillRef idx="3">
-              <a:schemeClr val="accent1"/>
-            </a:fillRef>
-            <a:effectRef idx="2">
-              <a:schemeClr val="accent1"/>
-            </a:effectRef>
-            <a:fontRef idx="minor">
-              <a:schemeClr val="lt1"/>
-            </a:fontRef>
-          </p:style>
-        </p:sp>
-        <p:sp>
-          <p:nvSpPr>
-            <p:cNvPr id="34" name="Rectangle 29">
-              <a:extLst>
-                <a:ext uri="{FF2B5EF4-FFF2-40B4-BE49-F238E27FC236}">
-                  <a16:creationId xmlns:a16="http://schemas.microsoft.com/office/drawing/2014/main" id="{374B9941-AFBE-4A77-A50E-B6EA04A746AE}"/>
-                </a:ext>
-                <a:ext uri="{C183D7F6-B498-43B3-948B-1728B52AA6E4}">
-                  <adec:decorative xmlns:adec="http://schemas.microsoft.com/office/drawing/2017/decorative" val="1"/>
-                </a:ext>
-              </a:extLst>
-            </p:cNvPr>
-            <p:cNvSpPr/>
-            <p:nvPr>
-              <p:extLst>
-                <p:ext uri="{386F3935-93C4-4BCD-93E2-E3B085C9AB24}">
-                  <p16:designElem xmlns:p16="http://schemas.microsoft.com/office/powerpoint/2015/main" val="1"/>
-                </p:ext>
-              </p:extLst>
-            </p:nvPr>
-          </p:nvSpPr>
-          <p:spPr>
-            <a:xfrm>
-              <a:off x="10938999" y="-8467"/>
-              <a:ext cx="1249825" cy="6866467"/>
-            </a:xfrm>
-            <a:custGeom>
-              <a:avLst/>
-              <a:gdLst/>
-              <a:ahLst/>
-              <a:cxnLst/>
-              <a:rect l="l" t="t" r="r" b="b"/>
-              <a:pathLst>
-                <a:path w="1249825" h="6858000">
-                  <a:moveTo>
-                    <a:pt x="0" y="0"/>
-                  </a:moveTo>
-                  <a:lnTo>
-                    <a:pt x="1249825" y="0"/>
-                  </a:lnTo>
-                  <a:lnTo>
-                    <a:pt x="1249825" y="6858000"/>
-                  </a:lnTo>
-                  <a:lnTo>
-                    <a:pt x="1109382" y="6858000"/>
-                  </a:lnTo>
-                  <a:lnTo>
-                    <a:pt x="0" y="0"/>
-                  </a:lnTo>
-                  <a:close/>
-                </a:path>
-              </a:pathLst>
-            </a:custGeom>
-            <a:solidFill>
-              <a:schemeClr val="accent1">
-                <a:alpha val="65000"/>
-              </a:schemeClr>
-            </a:solidFill>
-            <a:ln>
-              <a:noFill/>
-            </a:ln>
-            <a:effectLst/>
-          </p:spPr>
-          <p:style>
-            <a:lnRef idx="1">
-              <a:schemeClr val="accent1"/>
-            </a:lnRef>
-            <a:fillRef idx="3">
-              <a:schemeClr val="accent1"/>
-            </a:fillRef>
-            <a:effectRef idx="2">
-              <a:schemeClr val="accent1"/>
-            </a:effectRef>
-            <a:fontRef idx="minor">
-              <a:schemeClr val="lt1"/>
-            </a:fontRef>
-          </p:style>
-        </p:sp>
-        <p:sp>
-          <p:nvSpPr>
-            <p:cNvPr id="35" name="Isosceles Triangle 34">
-              <a:extLst>
-                <a:ext uri="{FF2B5EF4-FFF2-40B4-BE49-F238E27FC236}">
-                  <a16:creationId xmlns:a16="http://schemas.microsoft.com/office/drawing/2014/main" id="{27A982C5-2C38-4CE9-BC18-94697AD657FB}"/>
-                </a:ext>
-                <a:ext uri="{C183D7F6-B498-43B3-948B-1728B52AA6E4}">
-                  <adec:decorative xmlns:adec="http://schemas.microsoft.com/office/drawing/2017/decorative" val="1"/>
-                </a:ext>
-              </a:extLst>
-            </p:cNvPr>
-            <p:cNvSpPr/>
-            <p:nvPr>
-              <p:extLst>
-                <p:ext uri="{386F3935-93C4-4BCD-93E2-E3B085C9AB24}">
-                  <p16:designElem xmlns:p16="http://schemas.microsoft.com/office/powerpoint/2015/main" val="1"/>
-                </p:ext>
-              </p:extLst>
-            </p:nvPr>
-          </p:nvSpPr>
-          <p:spPr>
-            <a:xfrm>
-              <a:off x="10371666" y="3589867"/>
-              <a:ext cx="1817159" cy="3268133"/>
-            </a:xfrm>
-            <a:prstGeom prst="triangle">
-              <a:avLst>
-                <a:gd name="adj" fmla="val 100000"/>
-              </a:avLst>
-            </a:prstGeom>
-            <a:solidFill>
-              <a:schemeClr val="accent1">
-                <a:alpha val="80000"/>
-              </a:schemeClr>
-            </a:solidFill>
-            <a:ln>
-              <a:noFill/>
-            </a:ln>
-            <a:effectLst/>
-          </p:spPr>
-          <p:style>
-            <a:lnRef idx="1">
-              <a:schemeClr val="accent1"/>
-            </a:lnRef>
-            <a:fillRef idx="3">
-              <a:schemeClr val="accent1"/>
-            </a:fillRef>
-            <a:effectRef idx="2">
-              <a:schemeClr val="accent1"/>
-            </a:effectRef>
-            <a:fontRef idx="minor">
-              <a:schemeClr val="lt1"/>
-            </a:fontRef>
-          </p:style>
-        </p:sp>
-        <p:sp>
-          <p:nvSpPr>
-            <p:cNvPr id="36" name="Isosceles Triangle 35">
-              <a:extLst>
-                <a:ext uri="{FF2B5EF4-FFF2-40B4-BE49-F238E27FC236}">
-                  <a16:creationId xmlns:a16="http://schemas.microsoft.com/office/drawing/2014/main" id="{0060D8D1-7BB1-498F-AFBB-ADAC130A9E90}"/>
-                </a:ext>
-                <a:ext uri="{C183D7F6-B498-43B3-948B-1728B52AA6E4}">
-                  <adec:decorative xmlns:adec="http://schemas.microsoft.com/office/drawing/2017/decorative" val="1"/>
-                </a:ext>
-              </a:extLst>
-            </p:cNvPr>
-            <p:cNvSpPr/>
-            <p:nvPr>
-              <p:extLst>
-                <p:ext uri="{386F3935-93C4-4BCD-93E2-E3B085C9AB24}">
-                  <p16:designElem xmlns:p16="http://schemas.microsoft.com/office/powerpoint/2015/main" val="1"/>
-                </p:ext>
-              </p:extLst>
-            </p:nvPr>
-          </p:nvSpPr>
-          <p:spPr>
-            <a:xfrm rot="10800000">
-              <a:off x="0" y="0"/>
-              <a:ext cx="842596" cy="5666154"/>
-            </a:xfrm>
-            <a:prstGeom prst="triangle">
-              <a:avLst>
-                <a:gd name="adj" fmla="val 100000"/>
-              </a:avLst>
-            </a:prstGeom>
-            <a:solidFill>
-              <a:schemeClr val="accent1">
-                <a:alpha val="85000"/>
-              </a:schemeClr>
-            </a:solidFill>
-            <a:ln>
-              <a:noFill/>
-            </a:ln>
-            <a:effectLst/>
-          </p:spPr>
-          <p:style>
-            <a:lnRef idx="1">
-              <a:schemeClr val="accent1"/>
-            </a:lnRef>
-            <a:fillRef idx="3">
-              <a:schemeClr val="accent1"/>
-            </a:fillRef>
-            <a:effectRef idx="2">
-              <a:schemeClr val="accent1"/>
-            </a:effectRef>
-            <a:fontRef idx="minor">
-              <a:schemeClr val="lt1"/>
-            </a:fontRef>
-          </p:style>
-        </p:sp>
-      </p:grpSp>
-      <p:sp>
-        <p:nvSpPr>
-          <p:cNvPr id="38" name="Isosceles Triangle 37">
-            <a:extLst>
-              <a:ext uri="{FF2B5EF4-FFF2-40B4-BE49-F238E27FC236}">
-                <a16:creationId xmlns:a16="http://schemas.microsoft.com/office/drawing/2014/main" id="{AA330523-F25B-4007-B3E5-ABB5637D160A}"/>
-              </a:ext>
-              <a:ext uri="{C183D7F6-B498-43B3-948B-1728B52AA6E4}">
-                <adec:decorative xmlns:adec="http://schemas.microsoft.com/office/drawing/2017/decorative" val="1"/>
-              </a:ext>
-            </a:extLst>
-          </p:cNvPr>
-          <p:cNvSpPr>
-            <a:spLocks noGrp="1" noRot="1" noChangeAspect="1" noMove="1" noResize="1" noEditPoints="1" noAdjustHandles="1" noChangeArrowheads="1" noChangeShapeType="1" noTextEdit="1"/>
-          </p:cNvSpPr>
-          <p:nvPr>
-            <p:extLst>
-              <p:ext uri="{386F3935-93C4-4BCD-93E2-E3B085C9AB24}">
-                <p16:designElem xmlns:p16="http://schemas.microsoft.com/office/powerpoint/2015/main" val="1"/>
-              </p:ext>
-            </p:extLst>
-          </p:nvPr>
-        </p:nvSpPr>
-        <p:spPr>
-          <a:xfrm rot="10800000">
-            <a:off x="3174" y="12700"/>
-            <a:ext cx="842596" cy="5666154"/>
-          </a:xfrm>
-          <a:prstGeom prst="triangle">
-            <a:avLst>
-              <a:gd name="adj" fmla="val 100000"/>
-            </a:avLst>
-          </a:prstGeom>
-          <a:solidFill>
-            <a:schemeClr val="accent1">
-              <a:alpha val="85000"/>
-            </a:schemeClr>
-          </a:solidFill>
-          <a:ln>
-            <a:noFill/>
-          </a:ln>
-          <a:effectLst/>
-        </p:spPr>
-        <p:style>
-          <a:lnRef idx="1">
-            <a:schemeClr val="accent1"/>
-          </a:lnRef>
-          <a:fillRef idx="3">
-            <a:schemeClr val="accent1"/>
-          </a:fillRef>
-          <a:effectRef idx="2">
-            <a:schemeClr val="accent1"/>
-          </a:effectRef>
-          <a:fontRef idx="minor">
-            <a:schemeClr val="lt1"/>
-          </a:fontRef>
-        </p:style>
-      </p:sp>
-      <p:pic>
-        <p:nvPicPr>
-          <p:cNvPr id="7" name="Inhaltsplatzhalter 6">
-            <a:extLst>
-              <a:ext uri="{FF2B5EF4-FFF2-40B4-BE49-F238E27FC236}">
-                <a16:creationId xmlns:a16="http://schemas.microsoft.com/office/drawing/2014/main" id="{B437137E-3323-4EDE-A291-333FB2BF0A19}"/>
-              </a:ext>
-            </a:extLst>
-          </p:cNvPr>
-          <p:cNvPicPr>
-            <a:picLocks noGrp="1" noChangeAspect="1"/>
-          </p:cNvPicPr>
-          <p:nvPr>
-            <p:ph idx="1"/>
-          </p:nvPr>
-        </p:nvPicPr>
-        <p:blipFill>
-          <a:blip r:embed="rId2"/>
-          <a:stretch>
-            <a:fillRect/>
-          </a:stretch>
-        </p:blipFill>
-        <p:spPr>
-          <a:xfrm>
-            <a:off x="1240689" y="740202"/>
-            <a:ext cx="4108644" cy="5377595"/>
-          </a:xfrm>
-          <a:prstGeom prst="rect">
-            <a:avLst/>
-          </a:prstGeom>
-        </p:spPr>
-      </p:pic>
-      <p:sp>
-        <p:nvSpPr>
-          <p:cNvPr id="2" name="Titel 1">
-            <a:extLst>
-              <a:ext uri="{FF2B5EF4-FFF2-40B4-BE49-F238E27FC236}">
-                <a16:creationId xmlns:a16="http://schemas.microsoft.com/office/drawing/2014/main" id="{6F079721-4268-4335-8730-C0E0847AA4E2}"/>
-              </a:ext>
-            </a:extLst>
-          </p:cNvPr>
-          <p:cNvSpPr>
-            <a:spLocks noGrp="1"/>
-          </p:cNvSpPr>
-          <p:nvPr>
-            <p:ph type="title"/>
-          </p:nvPr>
-        </p:nvSpPr>
-        <p:spPr>
-          <a:xfrm>
-            <a:off x="5657851" y="1261331"/>
-            <a:ext cx="3934570" cy="3002662"/>
-          </a:xfrm>
-        </p:spPr>
-        <p:txBody>
-          <a:bodyPr vert="horz" lIns="91440" tIns="45720" rIns="91440" bIns="45720" rtlCol="0" anchor="b">
-            <a:normAutofit/>
-          </a:bodyPr>
-          <a:lstStyle/>
-          <a:p>
-            <a:r>
-              <a:rPr lang="en-US" sz="4400" kern="1200" dirty="0">
-                <a:solidFill>
-                  <a:schemeClr val="accent1"/>
-                </a:solidFill>
-                <a:latin typeface="+mj-lt"/>
-                <a:ea typeface="+mj-ea"/>
-                <a:cs typeface="+mj-cs"/>
-              </a:rPr>
-              <a:t>Der </a:t>
-            </a:r>
-            <a:r>
-              <a:rPr lang="en-US" sz="4400" kern="1200" dirty="0" err="1">
-                <a:solidFill>
-                  <a:schemeClr val="accent1"/>
-                </a:solidFill>
-                <a:latin typeface="+mj-lt"/>
-                <a:ea typeface="+mj-ea"/>
-                <a:cs typeface="+mj-cs"/>
-              </a:rPr>
-              <a:t>Regler</a:t>
-            </a:r>
-            <a:r>
-              <a:rPr lang="en-US" sz="4400" kern="1200" dirty="0">
-                <a:solidFill>
-                  <a:schemeClr val="accent1"/>
-                </a:solidFill>
-                <a:latin typeface="+mj-lt"/>
-                <a:ea typeface="+mj-ea"/>
-                <a:cs typeface="+mj-cs"/>
-              </a:rPr>
-              <a:t> – class Stabilizer</a:t>
-            </a:r>
-          </a:p>
-        </p:txBody>
-      </p:sp>
-    </p:spTree>
-    <p:extLst>
-      <p:ext uri="{BB962C8B-B14F-4D97-AF65-F5344CB8AC3E}">
-        <p14:creationId xmlns:p14="http://schemas.microsoft.com/office/powerpoint/2010/main" val="975908603"/>
-      </p:ext>
-    </p:extLst>
-  </p:cSld>
-  <p:clrMapOvr>
-    <a:masterClrMapping/>
-  </p:clrMapOvr>
-</p:sld>
-</file>
-
-<file path=ppt/slides/slide6.xml><?xml version="1.0" encoding="utf-8"?>
-<p:sld xmlns:a="http://schemas.openxmlformats.org/drawingml/2006/main" xmlns:r="http://schemas.openxmlformats.org/officeDocument/2006/relationships" xmlns:p="http://schemas.openxmlformats.org/presentationml/2006/main">
-  <p:cSld>
-    <p:bg>
-      <p:bgPr>
-        <a:solidFill>
-          <a:schemeClr val="bg1"/>
-        </a:solidFill>
-        <a:effectLst/>
-      </p:bgPr>
-    </p:bg>
-    <p:spTree>
-      <p:nvGrpSpPr>
-        <p:cNvPr id="1" name=""/>
-        <p:cNvGrpSpPr/>
-        <p:nvPr/>
-      </p:nvGrpSpPr>
-      <p:grpSpPr>
-        <a:xfrm>
-          <a:off x="0" y="0"/>
-          <a:ext cx="0" cy="0"/>
-          <a:chOff x="0" y="0"/>
-          <a:chExt cx="0" cy="0"/>
-        </a:xfrm>
-      </p:grpSpPr>
-      <p:grpSp>
-        <p:nvGrpSpPr>
-          <p:cNvPr id="23" name="Group 8">
-            <a:extLst>
-              <a:ext uri="{FF2B5EF4-FFF2-40B4-BE49-F238E27FC236}">
-                <a16:creationId xmlns:a16="http://schemas.microsoft.com/office/drawing/2014/main" id="{B4DE830A-B531-4A3B-96F6-0ECE88B08555}"/>
-              </a:ext>
-              <a:ext uri="{C183D7F6-B498-43B3-948B-1728B52AA6E4}">
-                <adec:decorative xmlns:adec="http://schemas.microsoft.com/office/drawing/2017/decorative" val="1"/>
-              </a:ext>
-            </a:extLst>
-          </p:cNvPr>
-          <p:cNvGrpSpPr>
-            <a:grpSpLocks noGrp="1" noUngrp="1" noRot="1" noChangeAspect="1" noMove="1" noResize="1"/>
-          </p:cNvGrpSpPr>
-          <p:nvPr>
-            <p:extLst>
-              <p:ext uri="{386F3935-93C4-4BCD-93E2-E3B085C9AB24}">
-                <p16:designElem xmlns:p16="http://schemas.microsoft.com/office/powerpoint/2015/main" val="1"/>
-              </p:ext>
-            </p:extLst>
-          </p:nvPr>
-        </p:nvGrpSpPr>
-        <p:grpSpPr>
-          <a:xfrm>
-            <a:off x="0" y="-8467"/>
-            <a:ext cx="12192000" cy="6866467"/>
-            <a:chOff x="0" y="-8467"/>
-            <a:chExt cx="12192000" cy="6866467"/>
-          </a:xfrm>
-        </p:grpSpPr>
-        <p:cxnSp>
-          <p:nvCxnSpPr>
-            <p:cNvPr id="10" name="Straight Connector 9">
-              <a:extLst>
-                <a:ext uri="{FF2B5EF4-FFF2-40B4-BE49-F238E27FC236}">
-                  <a16:creationId xmlns:a16="http://schemas.microsoft.com/office/drawing/2014/main" id="{2813DF2C-461A-4A8F-9679-A172790D1F3A}"/>
-                </a:ext>
-                <a:ext uri="{C183D7F6-B498-43B3-948B-1728B52AA6E4}">
-                  <adec:decorative xmlns:adec="http://schemas.microsoft.com/office/drawing/2017/decorative" val="1"/>
-                </a:ext>
-              </a:extLst>
-            </p:cNvPr>
-            <p:cNvCxnSpPr/>
-            <p:nvPr>
-              <p:extLst>
-                <p:ext uri="{386F3935-93C4-4BCD-93E2-E3B085C9AB24}">
-                  <p16:designElem xmlns:p16="http://schemas.microsoft.com/office/powerpoint/2015/main" val="1"/>
-                </p:ext>
-              </p:extLst>
-            </p:nvPr>
-          </p:nvCxnSpPr>
-          <p:spPr>
-            <a:xfrm>
-              <a:off x="9371012" y="0"/>
-              <a:ext cx="1219200" cy="6858000"/>
-            </a:xfrm>
-            <a:prstGeom prst="line">
-              <a:avLst/>
-            </a:prstGeom>
-            <a:ln w="9525">
-              <a:solidFill>
-                <a:schemeClr val="bg1">
-                  <a:lumMod val="75000"/>
-                </a:schemeClr>
-              </a:solidFill>
-            </a:ln>
-          </p:spPr>
-          <p:style>
-            <a:lnRef idx="2">
-              <a:schemeClr val="accent1"/>
-            </a:lnRef>
-            <a:fillRef idx="0">
-              <a:schemeClr val="accent1"/>
-            </a:fillRef>
-            <a:effectRef idx="1">
-              <a:schemeClr val="accent1"/>
-            </a:effectRef>
-            <a:fontRef idx="minor">
-              <a:schemeClr val="tx1"/>
-            </a:fontRef>
-          </p:style>
-        </p:cxnSp>
-        <p:cxnSp>
-          <p:nvCxnSpPr>
-            <p:cNvPr id="11" name="Straight Connector 10">
-              <a:extLst>
-                <a:ext uri="{FF2B5EF4-FFF2-40B4-BE49-F238E27FC236}">
-                  <a16:creationId xmlns:a16="http://schemas.microsoft.com/office/drawing/2014/main" id="{54CD3A85-C039-4249-86E4-1EB9318B5495}"/>
-                </a:ext>
-                <a:ext uri="{C183D7F6-B498-43B3-948B-1728B52AA6E4}">
-                  <adec:decorative xmlns:adec="http://schemas.microsoft.com/office/drawing/2017/decorative" val="1"/>
-                </a:ext>
-              </a:extLst>
-            </p:cNvPr>
-            <p:cNvCxnSpPr/>
-            <p:nvPr>
-              <p:extLst>
-                <p:ext uri="{386F3935-93C4-4BCD-93E2-E3B085C9AB24}">
-                  <p16:designElem xmlns:p16="http://schemas.microsoft.com/office/powerpoint/2015/main" val="1"/>
-                </p:ext>
-              </p:extLst>
-            </p:nvPr>
-          </p:nvCxnSpPr>
-          <p:spPr>
-            <a:xfrm flipH="1">
-              <a:off x="7425267" y="3681413"/>
-              <a:ext cx="4763558" cy="3176587"/>
-            </a:xfrm>
-            <a:prstGeom prst="line">
-              <a:avLst/>
-            </a:prstGeom>
-            <a:ln w="9525">
-              <a:solidFill>
-                <a:schemeClr val="bg1">
-                  <a:lumMod val="85000"/>
-                </a:schemeClr>
-              </a:solidFill>
-            </a:ln>
-          </p:spPr>
-          <p:style>
-            <a:lnRef idx="2">
-              <a:schemeClr val="accent1"/>
-            </a:lnRef>
-            <a:fillRef idx="0">
-              <a:schemeClr val="accent1"/>
-            </a:fillRef>
-            <a:effectRef idx="1">
-              <a:schemeClr val="accent1"/>
-            </a:effectRef>
-            <a:fontRef idx="minor">
-              <a:schemeClr val="tx1"/>
-            </a:fontRef>
-          </p:style>
-        </p:cxnSp>
-        <p:sp>
-          <p:nvSpPr>
-            <p:cNvPr id="12" name="Rectangle 23">
-              <a:extLst>
-                <a:ext uri="{FF2B5EF4-FFF2-40B4-BE49-F238E27FC236}">
-                  <a16:creationId xmlns:a16="http://schemas.microsoft.com/office/drawing/2014/main" id="{887EA6D2-2883-42C2-993D-094CA6D65DA3}"/>
-                </a:ext>
-                <a:ext uri="{C183D7F6-B498-43B3-948B-1728B52AA6E4}">
-                  <adec:decorative xmlns:adec="http://schemas.microsoft.com/office/drawing/2017/decorative" val="1"/>
-                </a:ext>
-              </a:extLst>
-            </p:cNvPr>
-            <p:cNvSpPr/>
-            <p:nvPr>
-              <p:extLst>
-                <p:ext uri="{386F3935-93C4-4BCD-93E2-E3B085C9AB24}">
-                  <p16:designElem xmlns:p16="http://schemas.microsoft.com/office/powerpoint/2015/main" val="1"/>
-                </p:ext>
-              </p:extLst>
-            </p:nvPr>
-          </p:nvSpPr>
-          <p:spPr>
-            <a:xfrm>
-              <a:off x="9181476" y="-8467"/>
-              <a:ext cx="3007349" cy="6866467"/>
-            </a:xfrm>
-            <a:custGeom>
-              <a:avLst/>
-              <a:gdLst/>
-              <a:ahLst/>
-              <a:cxnLst/>
-              <a:rect l="l" t="t" r="r" b="b"/>
-              <a:pathLst>
-                <a:path w="3007349" h="6866467">
-                  <a:moveTo>
-                    <a:pt x="2045532" y="0"/>
-                  </a:moveTo>
-                  <a:lnTo>
-                    <a:pt x="3007349" y="0"/>
-                  </a:lnTo>
-                  <a:lnTo>
-                    <a:pt x="3007349" y="6866467"/>
-                  </a:lnTo>
-                  <a:lnTo>
-                    <a:pt x="0" y="6866467"/>
-                  </a:lnTo>
-                  <a:lnTo>
-                    <a:pt x="2045532" y="0"/>
-                  </a:lnTo>
-                  <a:close/>
-                </a:path>
-              </a:pathLst>
-            </a:custGeom>
-            <a:solidFill>
-              <a:schemeClr val="accent1">
-                <a:alpha val="30000"/>
-              </a:schemeClr>
-            </a:solidFill>
-            <a:ln>
-              <a:noFill/>
-            </a:ln>
-            <a:effectLst/>
-          </p:spPr>
-          <p:style>
-            <a:lnRef idx="1">
-              <a:schemeClr val="accent1"/>
-            </a:lnRef>
-            <a:fillRef idx="3">
-              <a:schemeClr val="accent1"/>
-            </a:fillRef>
-            <a:effectRef idx="2">
-              <a:schemeClr val="accent1"/>
-            </a:effectRef>
-            <a:fontRef idx="minor">
-              <a:schemeClr val="lt1"/>
-            </a:fontRef>
-          </p:style>
-        </p:sp>
-        <p:sp>
-          <p:nvSpPr>
-            <p:cNvPr id="13" name="Rectangle 25">
-              <a:extLst>
-                <a:ext uri="{FF2B5EF4-FFF2-40B4-BE49-F238E27FC236}">
-                  <a16:creationId xmlns:a16="http://schemas.microsoft.com/office/drawing/2014/main" id="{3B895046-636F-4D1B-ACA4-29AA0CB3329F}"/>
-                </a:ext>
-                <a:ext uri="{C183D7F6-B498-43B3-948B-1728B52AA6E4}">
-                  <adec:decorative xmlns:adec="http://schemas.microsoft.com/office/drawing/2017/decorative" val="1"/>
-                </a:ext>
-              </a:extLst>
-            </p:cNvPr>
-            <p:cNvSpPr/>
-            <p:nvPr>
-              <p:extLst>
-                <p:ext uri="{386F3935-93C4-4BCD-93E2-E3B085C9AB24}">
-                  <p16:designElem xmlns:p16="http://schemas.microsoft.com/office/powerpoint/2015/main" val="1"/>
-                </p:ext>
-              </p:extLst>
-            </p:nvPr>
-          </p:nvSpPr>
-          <p:spPr>
-            <a:xfrm>
-              <a:off x="9603442" y="-8467"/>
-              <a:ext cx="2588558" cy="6866467"/>
-            </a:xfrm>
-            <a:custGeom>
-              <a:avLst/>
-              <a:gdLst/>
-              <a:ahLst/>
-              <a:cxnLst/>
-              <a:rect l="l" t="t" r="r" b="b"/>
-              <a:pathLst>
-                <a:path w="2573311" h="6866467">
-                  <a:moveTo>
-                    <a:pt x="0" y="0"/>
-                  </a:moveTo>
-                  <a:lnTo>
-                    <a:pt x="2573311" y="0"/>
-                  </a:lnTo>
-                  <a:lnTo>
-                    <a:pt x="2573311" y="6866467"/>
-                  </a:lnTo>
-                  <a:lnTo>
-                    <a:pt x="1202336" y="6866467"/>
-                  </a:lnTo>
-                  <a:lnTo>
-                    <a:pt x="0" y="0"/>
-                  </a:lnTo>
-                  <a:close/>
-                </a:path>
-              </a:pathLst>
-            </a:custGeom>
-            <a:solidFill>
-              <a:schemeClr val="accent1">
-                <a:alpha val="20000"/>
-              </a:schemeClr>
-            </a:solidFill>
-            <a:ln>
-              <a:noFill/>
-            </a:ln>
-            <a:effectLst/>
-          </p:spPr>
-          <p:style>
-            <a:lnRef idx="1">
-              <a:schemeClr val="accent1"/>
-            </a:lnRef>
-            <a:fillRef idx="3">
-              <a:schemeClr val="accent1"/>
-            </a:fillRef>
-            <a:effectRef idx="2">
-              <a:schemeClr val="accent1"/>
-            </a:effectRef>
-            <a:fontRef idx="minor">
-              <a:schemeClr val="lt1"/>
-            </a:fontRef>
-          </p:style>
-        </p:sp>
-        <p:sp>
-          <p:nvSpPr>
-            <p:cNvPr id="14" name="Isosceles Triangle 13">
-              <a:extLst>
-                <a:ext uri="{FF2B5EF4-FFF2-40B4-BE49-F238E27FC236}">
-                  <a16:creationId xmlns:a16="http://schemas.microsoft.com/office/drawing/2014/main" id="{C6B0CDE3-E054-4EDD-A43B-F96843D8BF51}"/>
-                </a:ext>
-                <a:ext uri="{C183D7F6-B498-43B3-948B-1728B52AA6E4}">
-                  <adec:decorative xmlns:adec="http://schemas.microsoft.com/office/drawing/2017/decorative" val="1"/>
-                </a:ext>
-              </a:extLst>
-            </p:cNvPr>
-            <p:cNvSpPr/>
-            <p:nvPr>
-              <p:extLst>
-                <p:ext uri="{386F3935-93C4-4BCD-93E2-E3B085C9AB24}">
-                  <p16:designElem xmlns:p16="http://schemas.microsoft.com/office/powerpoint/2015/main" val="1"/>
-                </p:ext>
-              </p:extLst>
-            </p:nvPr>
-          </p:nvSpPr>
-          <p:spPr>
-            <a:xfrm>
-              <a:off x="8932333" y="3048000"/>
-              <a:ext cx="3259667" cy="3810000"/>
-            </a:xfrm>
-            <a:prstGeom prst="triangle">
-              <a:avLst>
-                <a:gd name="adj" fmla="val 100000"/>
-              </a:avLst>
-            </a:prstGeom>
-            <a:solidFill>
-              <a:schemeClr val="accent2">
-                <a:alpha val="72000"/>
-              </a:schemeClr>
-            </a:solidFill>
-            <a:ln>
-              <a:noFill/>
-            </a:ln>
-            <a:effectLst/>
-          </p:spPr>
-          <p:style>
-            <a:lnRef idx="1">
-              <a:schemeClr val="accent1"/>
-            </a:lnRef>
-            <a:fillRef idx="3">
-              <a:schemeClr val="accent1"/>
-            </a:fillRef>
-            <a:effectRef idx="2">
-              <a:schemeClr val="accent1"/>
-            </a:effectRef>
-            <a:fontRef idx="minor">
-              <a:schemeClr val="lt1"/>
-            </a:fontRef>
-          </p:style>
-        </p:sp>
-        <p:sp>
-          <p:nvSpPr>
-            <p:cNvPr id="15" name="Rectangle 27">
-              <a:extLst>
-                <a:ext uri="{FF2B5EF4-FFF2-40B4-BE49-F238E27FC236}">
-                  <a16:creationId xmlns:a16="http://schemas.microsoft.com/office/drawing/2014/main" id="{3B66B1A2-F145-4C9B-85CC-4BF30D58CBC5}"/>
-                </a:ext>
-                <a:ext uri="{C183D7F6-B498-43B3-948B-1728B52AA6E4}">
-                  <adec:decorative xmlns:adec="http://schemas.microsoft.com/office/drawing/2017/decorative" val="1"/>
-                </a:ext>
-              </a:extLst>
-            </p:cNvPr>
-            <p:cNvSpPr/>
-            <p:nvPr>
-              <p:extLst>
-                <p:ext uri="{386F3935-93C4-4BCD-93E2-E3B085C9AB24}">
-                  <p16:designElem xmlns:p16="http://schemas.microsoft.com/office/powerpoint/2015/main" val="1"/>
-                </p:ext>
-              </p:extLst>
-            </p:nvPr>
-          </p:nvSpPr>
-          <p:spPr>
-            <a:xfrm>
-              <a:off x="9334500" y="-8467"/>
-              <a:ext cx="2854326" cy="6866467"/>
-            </a:xfrm>
-            <a:custGeom>
-              <a:avLst/>
-              <a:gdLst/>
-              <a:ahLst/>
-              <a:cxnLst/>
-              <a:rect l="l" t="t" r="r" b="b"/>
-              <a:pathLst>
-                <a:path w="2858013" h="6866467">
-                  <a:moveTo>
-                    <a:pt x="0" y="0"/>
-                  </a:moveTo>
-                  <a:lnTo>
-                    <a:pt x="2858013" y="0"/>
-                  </a:lnTo>
-                  <a:lnTo>
-                    <a:pt x="2858013" y="6866467"/>
-                  </a:lnTo>
-                  <a:lnTo>
-                    <a:pt x="2473942" y="6866467"/>
-                  </a:lnTo>
-                  <a:lnTo>
-                    <a:pt x="0" y="0"/>
-                  </a:lnTo>
-                  <a:close/>
-                </a:path>
-              </a:pathLst>
-            </a:custGeom>
-            <a:solidFill>
-              <a:schemeClr val="accent2">
-                <a:lumMod val="75000"/>
-                <a:alpha val="70000"/>
-              </a:schemeClr>
-            </a:solidFill>
-            <a:ln>
-              <a:noFill/>
-            </a:ln>
-            <a:effectLst/>
-          </p:spPr>
-          <p:style>
-            <a:lnRef idx="1">
-              <a:schemeClr val="accent1"/>
-            </a:lnRef>
-            <a:fillRef idx="3">
-              <a:schemeClr val="accent1"/>
-            </a:fillRef>
-            <a:effectRef idx="2">
-              <a:schemeClr val="accent1"/>
-            </a:effectRef>
-            <a:fontRef idx="minor">
-              <a:schemeClr val="lt1"/>
-            </a:fontRef>
-          </p:style>
-        </p:sp>
-        <p:sp>
-          <p:nvSpPr>
-            <p:cNvPr id="16" name="Rectangle 28">
-              <a:extLst>
-                <a:ext uri="{FF2B5EF4-FFF2-40B4-BE49-F238E27FC236}">
-                  <a16:creationId xmlns:a16="http://schemas.microsoft.com/office/drawing/2014/main" id="{5D4FC972-94B3-4035-8D31-E668C132B411}"/>
-                </a:ext>
-                <a:ext uri="{C183D7F6-B498-43B3-948B-1728B52AA6E4}">
-                  <adec:decorative xmlns:adec="http://schemas.microsoft.com/office/drawing/2017/decorative" val="1"/>
-                </a:ext>
-              </a:extLst>
-            </p:cNvPr>
-            <p:cNvSpPr/>
-            <p:nvPr>
-              <p:extLst>
-                <p:ext uri="{386F3935-93C4-4BCD-93E2-E3B085C9AB24}">
-                  <p16:designElem xmlns:p16="http://schemas.microsoft.com/office/powerpoint/2015/main" val="1"/>
-                </p:ext>
-              </p:extLst>
-            </p:nvPr>
-          </p:nvSpPr>
-          <p:spPr>
-            <a:xfrm>
-              <a:off x="10898730" y="-8467"/>
-              <a:ext cx="1290094" cy="6866467"/>
-            </a:xfrm>
-            <a:custGeom>
-              <a:avLst/>
-              <a:gdLst/>
-              <a:ahLst/>
-              <a:cxnLst/>
-              <a:rect l="l" t="t" r="r" b="b"/>
-              <a:pathLst>
-                <a:path w="1290094" h="6858000">
-                  <a:moveTo>
-                    <a:pt x="1019735" y="0"/>
-                  </a:moveTo>
-                  <a:lnTo>
-                    <a:pt x="1290094" y="0"/>
-                  </a:lnTo>
-                  <a:lnTo>
-                    <a:pt x="1290094" y="6858000"/>
-                  </a:lnTo>
-                  <a:lnTo>
-                    <a:pt x="0" y="6858000"/>
-                  </a:lnTo>
-                  <a:lnTo>
-                    <a:pt x="1019735" y="0"/>
-                  </a:lnTo>
-                  <a:close/>
-                </a:path>
-              </a:pathLst>
-            </a:custGeom>
-            <a:solidFill>
-              <a:schemeClr val="accent1">
-                <a:lumMod val="60000"/>
-                <a:lumOff val="40000"/>
-                <a:alpha val="70000"/>
-              </a:schemeClr>
-            </a:solidFill>
-            <a:ln>
-              <a:noFill/>
-            </a:ln>
-            <a:effectLst/>
-          </p:spPr>
-          <p:style>
-            <a:lnRef idx="1">
-              <a:schemeClr val="accent1"/>
-            </a:lnRef>
-            <a:fillRef idx="3">
-              <a:schemeClr val="accent1"/>
-            </a:fillRef>
-            <a:effectRef idx="2">
-              <a:schemeClr val="accent1"/>
-            </a:effectRef>
-            <a:fontRef idx="minor">
-              <a:schemeClr val="lt1"/>
-            </a:fontRef>
-          </p:style>
-        </p:sp>
-        <p:sp>
-          <p:nvSpPr>
-            <p:cNvPr id="17" name="Rectangle 29">
-              <a:extLst>
-                <a:ext uri="{FF2B5EF4-FFF2-40B4-BE49-F238E27FC236}">
-                  <a16:creationId xmlns:a16="http://schemas.microsoft.com/office/drawing/2014/main" id="{374B9941-AFBE-4A77-A50E-B6EA04A746AE}"/>
-                </a:ext>
-                <a:ext uri="{C183D7F6-B498-43B3-948B-1728B52AA6E4}">
-                  <adec:decorative xmlns:adec="http://schemas.microsoft.com/office/drawing/2017/decorative" val="1"/>
-                </a:ext>
-              </a:extLst>
-            </p:cNvPr>
-            <p:cNvSpPr/>
-            <p:nvPr>
-              <p:extLst>
-                <p:ext uri="{386F3935-93C4-4BCD-93E2-E3B085C9AB24}">
-                  <p16:designElem xmlns:p16="http://schemas.microsoft.com/office/powerpoint/2015/main" val="1"/>
-                </p:ext>
-              </p:extLst>
-            </p:nvPr>
-          </p:nvSpPr>
-          <p:spPr>
-            <a:xfrm>
-              <a:off x="10938999" y="-8467"/>
-              <a:ext cx="1249825" cy="6866467"/>
-            </a:xfrm>
-            <a:custGeom>
-              <a:avLst/>
-              <a:gdLst/>
-              <a:ahLst/>
-              <a:cxnLst/>
-              <a:rect l="l" t="t" r="r" b="b"/>
-              <a:pathLst>
-                <a:path w="1249825" h="6858000">
-                  <a:moveTo>
-                    <a:pt x="0" y="0"/>
-                  </a:moveTo>
-                  <a:lnTo>
-                    <a:pt x="1249825" y="0"/>
-                  </a:lnTo>
-                  <a:lnTo>
-                    <a:pt x="1249825" y="6858000"/>
-                  </a:lnTo>
-                  <a:lnTo>
-                    <a:pt x="1109382" y="6858000"/>
-                  </a:lnTo>
-                  <a:lnTo>
-                    <a:pt x="0" y="0"/>
-                  </a:lnTo>
-                  <a:close/>
-                </a:path>
-              </a:pathLst>
-            </a:custGeom>
-            <a:solidFill>
-              <a:schemeClr val="accent1">
-                <a:alpha val="65000"/>
-              </a:schemeClr>
-            </a:solidFill>
-            <a:ln>
-              <a:noFill/>
-            </a:ln>
-            <a:effectLst/>
-          </p:spPr>
-          <p:style>
-            <a:lnRef idx="1">
-              <a:schemeClr val="accent1"/>
-            </a:lnRef>
-            <a:fillRef idx="3">
-              <a:schemeClr val="accent1"/>
-            </a:fillRef>
-            <a:effectRef idx="2">
-              <a:schemeClr val="accent1"/>
-            </a:effectRef>
-            <a:fontRef idx="minor">
-              <a:schemeClr val="lt1"/>
-            </a:fontRef>
-          </p:style>
-        </p:sp>
-        <p:sp>
-          <p:nvSpPr>
-            <p:cNvPr id="18" name="Isosceles Triangle 17">
-              <a:extLst>
-                <a:ext uri="{FF2B5EF4-FFF2-40B4-BE49-F238E27FC236}">
-                  <a16:creationId xmlns:a16="http://schemas.microsoft.com/office/drawing/2014/main" id="{27A982C5-2C38-4CE9-BC18-94697AD657FB}"/>
-                </a:ext>
-                <a:ext uri="{C183D7F6-B498-43B3-948B-1728B52AA6E4}">
-                  <adec:decorative xmlns:adec="http://schemas.microsoft.com/office/drawing/2017/decorative" val="1"/>
-                </a:ext>
-              </a:extLst>
-            </p:cNvPr>
-            <p:cNvSpPr/>
-            <p:nvPr>
-              <p:extLst>
-                <p:ext uri="{386F3935-93C4-4BCD-93E2-E3B085C9AB24}">
-                  <p16:designElem xmlns:p16="http://schemas.microsoft.com/office/powerpoint/2015/main" val="1"/>
-                </p:ext>
-              </p:extLst>
-            </p:nvPr>
-          </p:nvSpPr>
-          <p:spPr>
-            <a:xfrm>
-              <a:off x="10371666" y="3589867"/>
-              <a:ext cx="1817159" cy="3268133"/>
-            </a:xfrm>
-            <a:prstGeom prst="triangle">
-              <a:avLst>
-                <a:gd name="adj" fmla="val 100000"/>
-              </a:avLst>
-            </a:prstGeom>
-            <a:solidFill>
-              <a:schemeClr val="accent1">
-                <a:alpha val="80000"/>
-              </a:schemeClr>
-            </a:solidFill>
-            <a:ln>
-              <a:noFill/>
-            </a:ln>
-            <a:effectLst/>
-          </p:spPr>
-          <p:style>
-            <a:lnRef idx="1">
-              <a:schemeClr val="accent1"/>
-            </a:lnRef>
-            <a:fillRef idx="3">
-              <a:schemeClr val="accent1"/>
-            </a:fillRef>
-            <a:effectRef idx="2">
-              <a:schemeClr val="accent1"/>
-            </a:effectRef>
-            <a:fontRef idx="minor">
-              <a:schemeClr val="lt1"/>
-            </a:fontRef>
-          </p:style>
-        </p:sp>
-        <p:sp>
-          <p:nvSpPr>
-            <p:cNvPr id="19" name="Isosceles Triangle 18">
-              <a:extLst>
-                <a:ext uri="{FF2B5EF4-FFF2-40B4-BE49-F238E27FC236}">
-                  <a16:creationId xmlns:a16="http://schemas.microsoft.com/office/drawing/2014/main" id="{0060D8D1-7BB1-498F-AFBB-ADAC130A9E90}"/>
-                </a:ext>
-                <a:ext uri="{C183D7F6-B498-43B3-948B-1728B52AA6E4}">
-                  <adec:decorative xmlns:adec="http://schemas.microsoft.com/office/drawing/2017/decorative" val="1"/>
-                </a:ext>
-              </a:extLst>
-            </p:cNvPr>
-            <p:cNvSpPr/>
-            <p:nvPr>
-              <p:extLst>
-                <p:ext uri="{386F3935-93C4-4BCD-93E2-E3B085C9AB24}">
-                  <p16:designElem xmlns:p16="http://schemas.microsoft.com/office/powerpoint/2015/main" val="1"/>
-                </p:ext>
-              </p:extLst>
-            </p:nvPr>
-          </p:nvSpPr>
-          <p:spPr>
-            <a:xfrm rot="10800000">
-              <a:off x="0" y="0"/>
-              <a:ext cx="842596" cy="5666154"/>
-            </a:xfrm>
-            <a:prstGeom prst="triangle">
-              <a:avLst>
-                <a:gd name="adj" fmla="val 100000"/>
-              </a:avLst>
-            </a:prstGeom>
-            <a:solidFill>
-              <a:schemeClr val="accent1">
-                <a:alpha val="85000"/>
-              </a:schemeClr>
-            </a:solidFill>
-            <a:ln>
-              <a:noFill/>
-            </a:ln>
-            <a:effectLst/>
-          </p:spPr>
-          <p:style>
-            <a:lnRef idx="1">
-              <a:schemeClr val="accent1"/>
-            </a:lnRef>
-            <a:fillRef idx="3">
-              <a:schemeClr val="accent1"/>
-            </a:fillRef>
-            <a:effectRef idx="2">
-              <a:schemeClr val="accent1"/>
-            </a:effectRef>
-            <a:fontRef idx="minor">
-              <a:schemeClr val="lt1"/>
-            </a:fontRef>
-          </p:style>
-        </p:sp>
-      </p:grpSp>
-      <p:sp>
-        <p:nvSpPr>
-          <p:cNvPr id="24" name="Isosceles Triangle 20">
-            <a:extLst>
-              <a:ext uri="{FF2B5EF4-FFF2-40B4-BE49-F238E27FC236}">
-                <a16:creationId xmlns:a16="http://schemas.microsoft.com/office/drawing/2014/main" id="{AA330523-F25B-4007-B3E5-ABB5637D160A}"/>
-              </a:ext>
-              <a:ext uri="{C183D7F6-B498-43B3-948B-1728B52AA6E4}">
-                <adec:decorative xmlns:adec="http://schemas.microsoft.com/office/drawing/2017/decorative" val="1"/>
-              </a:ext>
-            </a:extLst>
-          </p:cNvPr>
-          <p:cNvSpPr>
-            <a:spLocks noGrp="1" noRot="1" noChangeAspect="1" noMove="1" noResize="1" noEditPoints="1" noAdjustHandles="1" noChangeArrowheads="1" noChangeShapeType="1" noTextEdit="1"/>
-          </p:cNvSpPr>
-          <p:nvPr>
-            <p:extLst>
-              <p:ext uri="{386F3935-93C4-4BCD-93E2-E3B085C9AB24}">
-                <p16:designElem xmlns:p16="http://schemas.microsoft.com/office/powerpoint/2015/main" val="1"/>
-              </p:ext>
-            </p:extLst>
-          </p:nvPr>
-        </p:nvSpPr>
-        <p:spPr>
-          <a:xfrm rot="10800000">
-            <a:off x="3174" y="12700"/>
-            <a:ext cx="842596" cy="5666154"/>
-          </a:xfrm>
-          <a:prstGeom prst="triangle">
-            <a:avLst>
-              <a:gd name="adj" fmla="val 100000"/>
-            </a:avLst>
-          </a:prstGeom>
-          <a:solidFill>
-            <a:schemeClr val="accent1">
-              <a:alpha val="85000"/>
-            </a:schemeClr>
-          </a:solidFill>
-          <a:ln>
-            <a:noFill/>
-          </a:ln>
-          <a:effectLst/>
-        </p:spPr>
-        <p:style>
-          <a:lnRef idx="1">
-            <a:schemeClr val="accent1"/>
-          </a:lnRef>
-          <a:fillRef idx="3">
-            <a:schemeClr val="accent1"/>
-          </a:fillRef>
-          <a:effectRef idx="2">
-            <a:schemeClr val="accent1"/>
-          </a:effectRef>
-          <a:fontRef idx="minor">
-            <a:schemeClr val="lt1"/>
-          </a:fontRef>
-        </p:style>
-      </p:sp>
-      <p:pic>
-        <p:nvPicPr>
-          <p:cNvPr id="4" name="Inhaltsplatzhalter 3">
-            <a:extLst>
-              <a:ext uri="{FF2B5EF4-FFF2-40B4-BE49-F238E27FC236}">
-                <a16:creationId xmlns:a16="http://schemas.microsoft.com/office/drawing/2014/main" id="{1140E0CD-8BE0-420F-B8F0-0D016ED06154}"/>
-              </a:ext>
-            </a:extLst>
-          </p:cNvPr>
-          <p:cNvPicPr>
-            <a:picLocks noGrp="1" noChangeAspect="1"/>
-          </p:cNvPicPr>
-          <p:nvPr>
-            <p:ph idx="1"/>
-          </p:nvPr>
-        </p:nvPicPr>
-        <p:blipFill>
-          <a:blip r:embed="rId2"/>
-          <a:stretch>
-            <a:fillRect/>
-          </a:stretch>
-        </p:blipFill>
-        <p:spPr>
-          <a:xfrm>
-            <a:off x="559857" y="1950090"/>
-            <a:ext cx="4887354" cy="2949352"/>
-          </a:xfrm>
-          <a:prstGeom prst="rect">
-            <a:avLst/>
-          </a:prstGeom>
-        </p:spPr>
-      </p:pic>
       <p:sp>
         <p:nvSpPr>
           <p:cNvPr id="2" name="Titel 1">
@@ -10375,94 +11386,42 @@
           </a:p>
         </p:txBody>
       </p:sp>
+      <p:pic>
+        <p:nvPicPr>
+          <p:cNvPr id="6" name="Inhaltsplatzhalter 5">
+            <a:extLst>
+              <a:ext uri="{FF2B5EF4-FFF2-40B4-BE49-F238E27FC236}">
+                <a16:creationId xmlns:a16="http://schemas.microsoft.com/office/drawing/2014/main" id="{091135D8-75A6-4DA7-8D96-29F48917668A}"/>
+              </a:ext>
+            </a:extLst>
+          </p:cNvPr>
+          <p:cNvPicPr>
+            <a:picLocks noGrp="1" noChangeAspect="1"/>
+          </p:cNvPicPr>
+          <p:nvPr>
+            <p:ph idx="1"/>
+          </p:nvPr>
+        </p:nvPicPr>
+        <p:blipFill>
+          <a:blip r:embed="rId2"/>
+          <a:stretch>
+            <a:fillRect/>
+          </a:stretch>
+        </p:blipFill>
+        <p:spPr>
+          <a:xfrm>
+            <a:off x="691274" y="1356394"/>
+            <a:ext cx="4483902" cy="4466946"/>
+          </a:xfrm>
+          <a:prstGeom prst="rect">
+            <a:avLst/>
+          </a:prstGeom>
+        </p:spPr>
+      </p:pic>
     </p:spTree>
     <p:extLst>
       <p:ext uri="{BB962C8B-B14F-4D97-AF65-F5344CB8AC3E}">
         <p14:creationId xmlns:p14="http://schemas.microsoft.com/office/powerpoint/2010/main" val="3244772601"/>
-      </p:ext>
-    </p:extLst>
-  </p:cSld>
-  <p:clrMapOvr>
-    <a:masterClrMapping/>
-  </p:clrMapOvr>
-</p:sld>
-</file>
-
-<file path=ppt/slides/slide7.xml><?xml version="1.0" encoding="utf-8"?>
-<p:sld xmlns:a="http://schemas.openxmlformats.org/drawingml/2006/main" xmlns:r="http://schemas.openxmlformats.org/officeDocument/2006/relationships" xmlns:p="http://schemas.openxmlformats.org/presentationml/2006/main">
-  <p:cSld>
-    <p:spTree>
-      <p:nvGrpSpPr>
-        <p:cNvPr id="1" name=""/>
-        <p:cNvGrpSpPr/>
-        <p:nvPr/>
-      </p:nvGrpSpPr>
-      <p:grpSpPr>
-        <a:xfrm>
-          <a:off x="0" y="0"/>
-          <a:ext cx="0" cy="0"/>
-          <a:chOff x="0" y="0"/>
-          <a:chExt cx="0" cy="0"/>
-        </a:xfrm>
-      </p:grpSpPr>
-      <p:sp>
-        <p:nvSpPr>
-          <p:cNvPr id="2" name="Titel 1">
-            <a:extLst>
-              <a:ext uri="{FF2B5EF4-FFF2-40B4-BE49-F238E27FC236}">
-                <a16:creationId xmlns:a16="http://schemas.microsoft.com/office/drawing/2014/main" id="{3BEB6D1C-A9B2-4643-9496-4FDFC3A3B47C}"/>
-              </a:ext>
-            </a:extLst>
-          </p:cNvPr>
-          <p:cNvSpPr>
-            <a:spLocks noGrp="1"/>
-          </p:cNvSpPr>
-          <p:nvPr>
-            <p:ph type="title"/>
-          </p:nvPr>
-        </p:nvSpPr>
-        <p:spPr/>
-        <p:txBody>
-          <a:bodyPr/>
-          <a:lstStyle/>
-          <a:p>
-            <a:r>
-              <a:rPr lang="de-AT" dirty="0"/>
-              <a:t>Projekt Standpunkt</a:t>
-            </a:r>
-            <a:endParaRPr lang="en-US" dirty="0"/>
-          </a:p>
-        </p:txBody>
-      </p:sp>
-      <p:sp>
-        <p:nvSpPr>
-          <p:cNvPr id="3" name="Inhaltsplatzhalter 2">
-            <a:extLst>
-              <a:ext uri="{FF2B5EF4-FFF2-40B4-BE49-F238E27FC236}">
-                <a16:creationId xmlns:a16="http://schemas.microsoft.com/office/drawing/2014/main" id="{FAC360CD-12AD-4602-848C-EDBA99C73ACB}"/>
-              </a:ext>
-            </a:extLst>
-          </p:cNvPr>
-          <p:cNvSpPr>
-            <a:spLocks noGrp="1"/>
-          </p:cNvSpPr>
-          <p:nvPr>
-            <p:ph idx="1"/>
-          </p:nvPr>
-        </p:nvSpPr>
-        <p:spPr/>
-        <p:txBody>
-          <a:bodyPr/>
-          <a:lstStyle/>
-          <a:p>
-            <a:endParaRPr lang="en-US"/>
-          </a:p>
-        </p:txBody>
-      </p:sp>
-    </p:spTree>
-    <p:extLst>
-      <p:ext uri="{BB962C8B-B14F-4D97-AF65-F5344CB8AC3E}">
-        <p14:creationId xmlns:p14="http://schemas.microsoft.com/office/powerpoint/2010/main" val="1982593105"/>
       </p:ext>
     </p:extLst>
   </p:cSld>
@@ -10494,6 +11453,631 @@
           <p:cNvPr id="2" name="Titel 1">
             <a:extLst>
               <a:ext uri="{FF2B5EF4-FFF2-40B4-BE49-F238E27FC236}">
+                <a16:creationId xmlns:a16="http://schemas.microsoft.com/office/drawing/2014/main" id="{3BEB6D1C-A9B2-4643-9496-4FDFC3A3B47C}"/>
+              </a:ext>
+            </a:extLst>
+          </p:cNvPr>
+          <p:cNvSpPr>
+            <a:spLocks noGrp="1"/>
+          </p:cNvSpPr>
+          <p:nvPr>
+            <p:ph type="title"/>
+          </p:nvPr>
+        </p:nvSpPr>
+        <p:spPr/>
+        <p:txBody>
+          <a:bodyPr/>
+          <a:lstStyle/>
+          <a:p>
+            <a:r>
+              <a:rPr lang="de-AT" dirty="0"/>
+              <a:t>Projekt Standpunkt</a:t>
+            </a:r>
+            <a:endParaRPr lang="en-US" dirty="0"/>
+          </a:p>
+        </p:txBody>
+      </p:sp>
+      <p:sp>
+        <p:nvSpPr>
+          <p:cNvPr id="3" name="Inhaltsplatzhalter 2">
+            <a:extLst>
+              <a:ext uri="{FF2B5EF4-FFF2-40B4-BE49-F238E27FC236}">
+                <a16:creationId xmlns:a16="http://schemas.microsoft.com/office/drawing/2014/main" id="{FAC360CD-12AD-4602-848C-EDBA99C73ACB}"/>
+              </a:ext>
+            </a:extLst>
+          </p:cNvPr>
+          <p:cNvSpPr>
+            <a:spLocks noGrp="1"/>
+          </p:cNvSpPr>
+          <p:nvPr>
+            <p:ph idx="1"/>
+          </p:nvPr>
+        </p:nvSpPr>
+        <p:spPr>
+          <a:xfrm>
+            <a:off x="677334" y="1863969"/>
+            <a:ext cx="8596668" cy="4177393"/>
+          </a:xfrm>
+        </p:spPr>
+        <p:txBody>
+          <a:bodyPr>
+            <a:normAutofit fontScale="62500" lnSpcReduction="20000"/>
+          </a:bodyPr>
+          <a:lstStyle/>
+          <a:p>
+            <a:pPr>
+              <a:lnSpc>
+                <a:spcPct val="150000"/>
+              </a:lnSpc>
+            </a:pPr>
+            <a:r>
+              <a:rPr lang="de-AT" sz="3800" dirty="0"/>
+              <a:t>Ball		</a:t>
+            </a:r>
+            <a:r>
+              <a:rPr lang="de-AT" sz="3800" b="1" dirty="0">
+                <a:solidFill>
+                  <a:schemeClr val="accent1"/>
+                </a:solidFill>
+                <a:latin typeface="Segoe UI Symbol" panose="020B0502040204020203" pitchFamily="34" charset="0"/>
+                <a:ea typeface="Segoe UI Symbol" panose="020B0502040204020203" pitchFamily="34" charset="0"/>
+              </a:rPr>
+              <a:t> 					</a:t>
+            </a:r>
+            <a:endParaRPr lang="de-AT" sz="3800" dirty="0"/>
+          </a:p>
+          <a:p>
+            <a:pPr>
+              <a:lnSpc>
+                <a:spcPct val="150000"/>
+              </a:lnSpc>
+            </a:pPr>
+            <a:r>
+              <a:rPr lang="de-AT" sz="3800" dirty="0"/>
+              <a:t>Wippe	 					</a:t>
+            </a:r>
+            <a:r>
+              <a:rPr lang="de-AT" sz="3800" b="1" dirty="0">
+                <a:solidFill>
+                  <a:schemeClr val="accent1"/>
+                </a:solidFill>
+                <a:latin typeface="Segoe UI Symbol" panose="020B0502040204020203" pitchFamily="34" charset="0"/>
+                <a:ea typeface="Segoe UI Symbol" panose="020B0502040204020203" pitchFamily="34" charset="0"/>
+              </a:rPr>
+              <a:t></a:t>
+            </a:r>
+          </a:p>
+          <a:p>
+            <a:pPr>
+              <a:lnSpc>
+                <a:spcPct val="150000"/>
+              </a:lnSpc>
+            </a:pPr>
+            <a:r>
+              <a:rPr lang="de-AT" sz="3800" dirty="0"/>
+              <a:t>Physik	</a:t>
+            </a:r>
+            <a:r>
+              <a:rPr lang="de-AT" sz="3800" b="1" dirty="0">
+                <a:solidFill>
+                  <a:schemeClr val="accent1"/>
+                </a:solidFill>
+                <a:latin typeface="Segoe UI Symbol" panose="020B0502040204020203" pitchFamily="34" charset="0"/>
+                <a:ea typeface="Segoe UI Symbol" panose="020B0502040204020203" pitchFamily="34" charset="0"/>
+              </a:rPr>
+              <a:t> 					</a:t>
+            </a:r>
+            <a:endParaRPr lang="de-AT" sz="3800" dirty="0"/>
+          </a:p>
+          <a:p>
+            <a:pPr>
+              <a:lnSpc>
+                <a:spcPct val="150000"/>
+              </a:lnSpc>
+            </a:pPr>
+            <a:r>
+              <a:rPr lang="de-AT" sz="3800" dirty="0"/>
+              <a:t>Regler	</a:t>
+            </a:r>
+            <a:r>
+              <a:rPr lang="de-AT" sz="3800" b="1" dirty="0">
+                <a:solidFill>
+                  <a:schemeClr val="accent1"/>
+                </a:solidFill>
+                <a:latin typeface="Segoe UI Symbol" panose="020B0502040204020203" pitchFamily="34" charset="0"/>
+                <a:ea typeface="Segoe UI Symbol" panose="020B0502040204020203" pitchFamily="34" charset="0"/>
+              </a:rPr>
+              <a:t> 					</a:t>
+            </a:r>
+            <a:endParaRPr lang="de-AT" sz="3800" dirty="0"/>
+          </a:p>
+          <a:p>
+            <a:pPr>
+              <a:lnSpc>
+                <a:spcPct val="150000"/>
+              </a:lnSpc>
+            </a:pPr>
+            <a:r>
+              <a:rPr lang="de-AT" sz="3800" dirty="0"/>
+              <a:t>Bausatz	</a:t>
+            </a:r>
+            <a:r>
+              <a:rPr lang="de-AT" sz="3800" b="1" dirty="0">
+                <a:solidFill>
+                  <a:schemeClr val="accent1"/>
+                </a:solidFill>
+                <a:latin typeface="Segoe UI Symbol" panose="020B0502040204020203" pitchFamily="34" charset="0"/>
+                <a:ea typeface="Segoe UI Symbol" panose="020B0502040204020203" pitchFamily="34" charset="0"/>
+              </a:rPr>
+              <a:t> 				</a:t>
+            </a:r>
+            <a:endParaRPr lang="de-AT" sz="3800" dirty="0"/>
+          </a:p>
+          <a:p>
+            <a:pPr>
+              <a:lnSpc>
+                <a:spcPct val="150000"/>
+              </a:lnSpc>
+            </a:pPr>
+            <a:r>
+              <a:rPr lang="de-AT" sz="3800" dirty="0"/>
+              <a:t>Grafische Oberfläche	</a:t>
+            </a:r>
+            <a:r>
+              <a:rPr lang="de-AT" sz="3800" b="1" dirty="0">
+                <a:solidFill>
+                  <a:schemeClr val="accent1"/>
+                </a:solidFill>
+                <a:latin typeface="Segoe UI Symbol" panose="020B0502040204020203" pitchFamily="34" charset="0"/>
+                <a:ea typeface="Segoe UI Symbol" panose="020B0502040204020203" pitchFamily="34" charset="0"/>
+              </a:rPr>
+              <a:t> </a:t>
+            </a:r>
+            <a:endParaRPr lang="de-AT" sz="3800" dirty="0"/>
+          </a:p>
+          <a:p>
+            <a:pPr>
+              <a:lnSpc>
+                <a:spcPct val="150000"/>
+              </a:lnSpc>
+            </a:pPr>
+            <a:r>
+              <a:rPr lang="de-AT" sz="3800" dirty="0"/>
+              <a:t>Optimierung				 </a:t>
+            </a:r>
+            <a:r>
+              <a:rPr lang="de-AT" sz="3800" b="1" dirty="0">
+                <a:solidFill>
+                  <a:srgbClr val="FF0000"/>
+                </a:solidFill>
+                <a:latin typeface="Segoe UI Symbol" panose="020B0502040204020203" pitchFamily="34" charset="0"/>
+                <a:ea typeface="Segoe UI Symbol" panose="020B0502040204020203" pitchFamily="34" charset="0"/>
+              </a:rPr>
+              <a:t></a:t>
+            </a:r>
+          </a:p>
+        </p:txBody>
+      </p:sp>
+      <p:sp>
+        <p:nvSpPr>
+          <p:cNvPr id="4" name="Textfeld 3">
+            <a:extLst>
+              <a:ext uri="{FF2B5EF4-FFF2-40B4-BE49-F238E27FC236}">
+                <a16:creationId xmlns:a16="http://schemas.microsoft.com/office/drawing/2014/main" id="{C97B8605-F8B2-496E-B1AC-B157EABBBC98}"/>
+              </a:ext>
+            </a:extLst>
+          </p:cNvPr>
+          <p:cNvSpPr txBox="1"/>
+          <p:nvPr/>
+        </p:nvSpPr>
+        <p:spPr>
+          <a:xfrm>
+            <a:off x="5863691" y="1626577"/>
+            <a:ext cx="4634324" cy="1967142"/>
+          </a:xfrm>
+          <a:prstGeom prst="rect">
+            <a:avLst/>
+          </a:prstGeom>
+          <a:noFill/>
+        </p:spPr>
+        <p:txBody>
+          <a:bodyPr wrap="square" rtlCol="0">
+            <a:spAutoFit/>
+          </a:bodyPr>
+          <a:lstStyle/>
+          <a:p>
+            <a:pPr>
+              <a:lnSpc>
+                <a:spcPct val="200000"/>
+              </a:lnSpc>
+            </a:pPr>
+            <a:r>
+              <a:rPr lang="de-AT" sz="2000" dirty="0"/>
+              <a:t>Probleme</a:t>
+            </a:r>
+            <a:r>
+              <a:rPr lang="de-AT" sz="2400" dirty="0"/>
+              <a:t>:</a:t>
+            </a:r>
+          </a:p>
+          <a:p>
+            <a:pPr marL="285750" indent="-285750">
+              <a:lnSpc>
+                <a:spcPct val="200000"/>
+              </a:lnSpc>
+              <a:buFont typeface="Arial" panose="020B0604020202020204" pitchFamily="34" charset="0"/>
+              <a:buChar char="•"/>
+            </a:pPr>
+            <a:r>
+              <a:rPr lang="de-AT" sz="2000" dirty="0"/>
+              <a:t>NASA Problem</a:t>
+            </a:r>
+          </a:p>
+          <a:p>
+            <a:pPr marL="285750" indent="-285750">
+              <a:lnSpc>
+                <a:spcPct val="200000"/>
+              </a:lnSpc>
+              <a:buFont typeface="Arial" panose="020B0604020202020204" pitchFamily="34" charset="0"/>
+              <a:buChar char="•"/>
+            </a:pPr>
+            <a:r>
+              <a:rPr lang="de-AT" sz="2000" dirty="0"/>
+              <a:t>Umsetzung Optimierung</a:t>
+            </a:r>
+            <a:endParaRPr lang="en-US" sz="2000" dirty="0"/>
+          </a:p>
+        </p:txBody>
+      </p:sp>
+    </p:spTree>
+    <p:extLst>
+      <p:ext uri="{BB962C8B-B14F-4D97-AF65-F5344CB8AC3E}">
+        <p14:creationId xmlns:p14="http://schemas.microsoft.com/office/powerpoint/2010/main" val="1982593105"/>
+      </p:ext>
+    </p:extLst>
+  </p:cSld>
+  <p:clrMapOvr>
+    <a:masterClrMapping/>
+  </p:clrMapOvr>
+  <p:timing>
+    <p:tnLst>
+      <p:par>
+        <p:cTn id="1" dur="indefinite" restart="never" nodeType="tmRoot">
+          <p:childTnLst>
+            <p:seq concurrent="1" nextAc="seek">
+              <p:cTn id="2" dur="indefinite" nodeType="mainSeq">
+                <p:childTnLst>
+                  <p:par>
+                    <p:cTn id="3" fill="hold">
+                      <p:stCondLst>
+                        <p:cond delay="indefinite"/>
+                      </p:stCondLst>
+                      <p:childTnLst>
+                        <p:par>
+                          <p:cTn id="4" fill="hold">
+                            <p:stCondLst>
+                              <p:cond delay="0"/>
+                            </p:stCondLst>
+                            <p:childTnLst>
+                              <p:par>
+                                <p:cTn id="5" presetID="1" presetClass="entr" presetSubtype="0" fill="hold" grpId="0" nodeType="clickEffect">
+                                  <p:stCondLst>
+                                    <p:cond delay="0"/>
+                                  </p:stCondLst>
+                                  <p:childTnLst>
+                                    <p:set>
+                                      <p:cBhvr>
+                                        <p:cTn id="6" dur="1" fill="hold">
+                                          <p:stCondLst>
+                                            <p:cond delay="0"/>
+                                          </p:stCondLst>
+                                        </p:cTn>
+                                        <p:tgtEl>
+                                          <p:spTgt spid="3">
+                                            <p:txEl>
+                                              <p:pRg st="0" end="0"/>
+                                            </p:txEl>
+                                          </p:spTgt>
+                                        </p:tgtEl>
+                                        <p:attrNameLst>
+                                          <p:attrName>style.visibility</p:attrName>
+                                        </p:attrNameLst>
+                                      </p:cBhvr>
+                                      <p:to>
+                                        <p:strVal val="visible"/>
+                                      </p:to>
+                                    </p:set>
+                                  </p:childTnLst>
+                                </p:cTn>
+                              </p:par>
+                              <p:par>
+                                <p:cTn id="7" presetID="1" presetClass="entr" presetSubtype="0" fill="hold" grpId="0" nodeType="withEffect">
+                                  <p:stCondLst>
+                                    <p:cond delay="0"/>
+                                  </p:stCondLst>
+                                  <p:childTnLst>
+                                    <p:set>
+                                      <p:cBhvr>
+                                        <p:cTn id="8" dur="1" fill="hold">
+                                          <p:stCondLst>
+                                            <p:cond delay="0"/>
+                                          </p:stCondLst>
+                                        </p:cTn>
+                                        <p:tgtEl>
+                                          <p:spTgt spid="3">
+                                            <p:txEl>
+                                              <p:pRg st="1" end="1"/>
+                                            </p:txEl>
+                                          </p:spTgt>
+                                        </p:tgtEl>
+                                        <p:attrNameLst>
+                                          <p:attrName>style.visibility</p:attrName>
+                                        </p:attrNameLst>
+                                      </p:cBhvr>
+                                      <p:to>
+                                        <p:strVal val="visible"/>
+                                      </p:to>
+                                    </p:set>
+                                  </p:childTnLst>
+                                </p:cTn>
+                              </p:par>
+                              <p:par>
+                                <p:cTn id="9" presetID="1" presetClass="entr" presetSubtype="0" fill="hold" grpId="0" nodeType="withEffect">
+                                  <p:stCondLst>
+                                    <p:cond delay="0"/>
+                                  </p:stCondLst>
+                                  <p:childTnLst>
+                                    <p:set>
+                                      <p:cBhvr>
+                                        <p:cTn id="10" dur="1" fill="hold">
+                                          <p:stCondLst>
+                                            <p:cond delay="0"/>
+                                          </p:stCondLst>
+                                        </p:cTn>
+                                        <p:tgtEl>
+                                          <p:spTgt spid="3">
+                                            <p:txEl>
+                                              <p:pRg st="2" end="2"/>
+                                            </p:txEl>
+                                          </p:spTgt>
+                                        </p:tgtEl>
+                                        <p:attrNameLst>
+                                          <p:attrName>style.visibility</p:attrName>
+                                        </p:attrNameLst>
+                                      </p:cBhvr>
+                                      <p:to>
+                                        <p:strVal val="visible"/>
+                                      </p:to>
+                                    </p:set>
+                                  </p:childTnLst>
+                                </p:cTn>
+                              </p:par>
+                              <p:par>
+                                <p:cTn id="11" presetID="1" presetClass="entr" presetSubtype="0" fill="hold" grpId="0" nodeType="withEffect">
+                                  <p:stCondLst>
+                                    <p:cond delay="0"/>
+                                  </p:stCondLst>
+                                  <p:childTnLst>
+                                    <p:set>
+                                      <p:cBhvr>
+                                        <p:cTn id="12" dur="1" fill="hold">
+                                          <p:stCondLst>
+                                            <p:cond delay="0"/>
+                                          </p:stCondLst>
+                                        </p:cTn>
+                                        <p:tgtEl>
+                                          <p:spTgt spid="3">
+                                            <p:txEl>
+                                              <p:pRg st="3" end="3"/>
+                                            </p:txEl>
+                                          </p:spTgt>
+                                        </p:tgtEl>
+                                        <p:attrNameLst>
+                                          <p:attrName>style.visibility</p:attrName>
+                                        </p:attrNameLst>
+                                      </p:cBhvr>
+                                      <p:to>
+                                        <p:strVal val="visible"/>
+                                      </p:to>
+                                    </p:set>
+                                  </p:childTnLst>
+                                </p:cTn>
+                              </p:par>
+                              <p:par>
+                                <p:cTn id="13" presetID="1" presetClass="entr" presetSubtype="0" fill="hold" grpId="0" nodeType="withEffect">
+                                  <p:stCondLst>
+                                    <p:cond delay="0"/>
+                                  </p:stCondLst>
+                                  <p:childTnLst>
+                                    <p:set>
+                                      <p:cBhvr>
+                                        <p:cTn id="14" dur="1" fill="hold">
+                                          <p:stCondLst>
+                                            <p:cond delay="0"/>
+                                          </p:stCondLst>
+                                        </p:cTn>
+                                        <p:tgtEl>
+                                          <p:spTgt spid="3">
+                                            <p:txEl>
+                                              <p:pRg st="4" end="4"/>
+                                            </p:txEl>
+                                          </p:spTgt>
+                                        </p:tgtEl>
+                                        <p:attrNameLst>
+                                          <p:attrName>style.visibility</p:attrName>
+                                        </p:attrNameLst>
+                                      </p:cBhvr>
+                                      <p:to>
+                                        <p:strVal val="visible"/>
+                                      </p:to>
+                                    </p:set>
+                                  </p:childTnLst>
+                                </p:cTn>
+                              </p:par>
+                              <p:par>
+                                <p:cTn id="15" presetID="1" presetClass="entr" presetSubtype="0" fill="hold" grpId="0" nodeType="withEffect">
+                                  <p:stCondLst>
+                                    <p:cond delay="0"/>
+                                  </p:stCondLst>
+                                  <p:childTnLst>
+                                    <p:set>
+                                      <p:cBhvr>
+                                        <p:cTn id="16" dur="1" fill="hold">
+                                          <p:stCondLst>
+                                            <p:cond delay="0"/>
+                                          </p:stCondLst>
+                                        </p:cTn>
+                                        <p:tgtEl>
+                                          <p:spTgt spid="3">
+                                            <p:txEl>
+                                              <p:pRg st="5" end="5"/>
+                                            </p:txEl>
+                                          </p:spTgt>
+                                        </p:tgtEl>
+                                        <p:attrNameLst>
+                                          <p:attrName>style.visibility</p:attrName>
+                                        </p:attrNameLst>
+                                      </p:cBhvr>
+                                      <p:to>
+                                        <p:strVal val="visible"/>
+                                      </p:to>
+                                    </p:set>
+                                  </p:childTnLst>
+                                </p:cTn>
+                              </p:par>
+                              <p:par>
+                                <p:cTn id="17" presetID="1" presetClass="entr" presetSubtype="0" fill="hold" grpId="0" nodeType="withEffect">
+                                  <p:stCondLst>
+                                    <p:cond delay="0"/>
+                                  </p:stCondLst>
+                                  <p:childTnLst>
+                                    <p:set>
+                                      <p:cBhvr>
+                                        <p:cTn id="18" dur="1" fill="hold">
+                                          <p:stCondLst>
+                                            <p:cond delay="0"/>
+                                          </p:stCondLst>
+                                        </p:cTn>
+                                        <p:tgtEl>
+                                          <p:spTgt spid="3">
+                                            <p:txEl>
+                                              <p:pRg st="6" end="6"/>
+                                            </p:txEl>
+                                          </p:spTgt>
+                                        </p:tgtEl>
+                                        <p:attrNameLst>
+                                          <p:attrName>style.visibility</p:attrName>
+                                        </p:attrNameLst>
+                                      </p:cBhvr>
+                                      <p:to>
+                                        <p:strVal val="visible"/>
+                                      </p:to>
+                                    </p:set>
+                                  </p:childTnLst>
+                                </p:cTn>
+                              </p:par>
+                            </p:childTnLst>
+                          </p:cTn>
+                        </p:par>
+                      </p:childTnLst>
+                    </p:cTn>
+                  </p:par>
+                  <p:par>
+                    <p:cTn id="19" fill="hold">
+                      <p:stCondLst>
+                        <p:cond delay="indefinite"/>
+                      </p:stCondLst>
+                      <p:childTnLst>
+                        <p:par>
+                          <p:cTn id="20" fill="hold">
+                            <p:stCondLst>
+                              <p:cond delay="0"/>
+                            </p:stCondLst>
+                            <p:childTnLst>
+                              <p:par>
+                                <p:cTn id="21" presetID="1" presetClass="entr" presetSubtype="0" fill="hold" grpId="0" nodeType="clickEffect">
+                                  <p:stCondLst>
+                                    <p:cond delay="0"/>
+                                  </p:stCondLst>
+                                  <p:childTnLst>
+                                    <p:set>
+                                      <p:cBhvr>
+                                        <p:cTn id="22" dur="1" fill="hold">
+                                          <p:stCondLst>
+                                            <p:cond delay="0"/>
+                                          </p:stCondLst>
+                                        </p:cTn>
+                                        <p:tgtEl>
+                                          <p:spTgt spid="4"/>
+                                        </p:tgtEl>
+                                        <p:attrNameLst>
+                                          <p:attrName>style.visibility</p:attrName>
+                                        </p:attrNameLst>
+                                      </p:cBhvr>
+                                      <p:to>
+                                        <p:strVal val="visible"/>
+                                      </p:to>
+                                    </p:set>
+                                  </p:childTnLst>
+                                </p:cTn>
+                              </p:par>
+                            </p:childTnLst>
+                          </p:cTn>
+                        </p:par>
+                      </p:childTnLst>
+                    </p:cTn>
+                  </p:par>
+                </p:childTnLst>
+              </p:cTn>
+              <p:prevCondLst>
+                <p:cond evt="onPrev" delay="0">
+                  <p:tgtEl>
+                    <p:sldTgt/>
+                  </p:tgtEl>
+                </p:cond>
+              </p:prevCondLst>
+              <p:nextCondLst>
+                <p:cond evt="onNext" delay="0">
+                  <p:tgtEl>
+                    <p:sldTgt/>
+                  </p:tgtEl>
+                </p:cond>
+              </p:nextCondLst>
+            </p:seq>
+          </p:childTnLst>
+        </p:cTn>
+      </p:par>
+    </p:tnLst>
+    <p:bldLst>
+      <p:bldP spid="3" grpId="0" uiExpand="1" build="p"/>
+      <p:bldP spid="4" grpId="0"/>
+    </p:bldLst>
+  </p:timing>
+</p:sld>
+</file>
+
+<file path=ppt/slides/slide9.xml><?xml version="1.0" encoding="utf-8"?>
+<p:sld xmlns:a="http://schemas.openxmlformats.org/drawingml/2006/main" xmlns:r="http://schemas.openxmlformats.org/officeDocument/2006/relationships" xmlns:p="http://schemas.openxmlformats.org/presentationml/2006/main">
+  <p:cSld>
+    <p:spTree>
+      <p:nvGrpSpPr>
+        <p:cNvPr id="1" name=""/>
+        <p:cNvGrpSpPr/>
+        <p:nvPr/>
+      </p:nvGrpSpPr>
+      <p:grpSpPr>
+        <a:xfrm>
+          <a:off x="0" y="0"/>
+          <a:ext cx="0" cy="0"/>
+          <a:chOff x="0" y="0"/>
+          <a:chExt cx="0" cy="0"/>
+        </a:xfrm>
+      </p:grpSpPr>
+      <p:sp>
+        <p:nvSpPr>
+          <p:cNvPr id="2" name="Titel 1">
+            <a:extLst>
+              <a:ext uri="{FF2B5EF4-FFF2-40B4-BE49-F238E27FC236}">
                 <a16:creationId xmlns:a16="http://schemas.microsoft.com/office/drawing/2014/main" id="{96CB0BC3-E60F-4F56-A527-AFC4A32B6275}"/>
               </a:ext>
             </a:extLst>
@@ -10536,10 +12120,46 @@
         </p:nvSpPr>
         <p:spPr/>
         <p:txBody>
-          <a:bodyPr/>
+          <a:bodyPr>
+            <a:normAutofit/>
+          </a:bodyPr>
           <a:lstStyle/>
           <a:p>
-            <a:endParaRPr lang="en-US"/>
+            <a:r>
+              <a:rPr lang="de-AT" sz="2400" dirty="0"/>
+              <a:t>Master: Projekt – Template </a:t>
+            </a:r>
+          </a:p>
+          <a:p>
+            <a:r>
+              <a:rPr lang="de-AT" sz="2400" dirty="0"/>
+              <a:t>Developer: Programmierung </a:t>
+            </a:r>
+          </a:p>
+          <a:p>
+            <a:endParaRPr lang="de-AT" sz="2400" dirty="0"/>
+          </a:p>
+          <a:p>
+            <a:r>
+              <a:rPr lang="de-AT" sz="2400" dirty="0"/>
+              <a:t>Kleine </a:t>
+            </a:r>
+            <a:r>
+              <a:rPr lang="de-AT" sz="2400" dirty="0" err="1"/>
+              <a:t>Merge</a:t>
+            </a:r>
+            <a:r>
+              <a:rPr lang="de-AT" sz="2400" dirty="0"/>
+              <a:t> Probleme</a:t>
+            </a:r>
+          </a:p>
+          <a:p>
+            <a:pPr lvl="1"/>
+            <a:r>
+              <a:rPr lang="de-AT" sz="2000" dirty="0"/>
+              <a:t>Gleichzeitiger Zugriff</a:t>
+            </a:r>
+            <a:endParaRPr lang="en-US" sz="2000" dirty="0"/>
           </a:p>
         </p:txBody>
       </p:sp>
@@ -10811,4 +12431,299 @@
     </a:ext>
   </a:extLst>
 </a:theme>
+</file>
+
+<file path=ppt/theme/theme2.xml><?xml version="1.0" encoding="utf-8"?>
+<a:theme xmlns:a="http://schemas.openxmlformats.org/drawingml/2006/main" name="Office">
+  <a:themeElements>
+    <a:clrScheme name="Office">
+      <a:dk1>
+        <a:sysClr val="windowText" lastClr="000000"/>
+      </a:dk1>
+      <a:lt1>
+        <a:sysClr val="window" lastClr="FFFFFF"/>
+      </a:lt1>
+      <a:dk2>
+        <a:srgbClr val="44546A"/>
+      </a:dk2>
+      <a:lt2>
+        <a:srgbClr val="E7E6E6"/>
+      </a:lt2>
+      <a:accent1>
+        <a:srgbClr val="4472C4"/>
+      </a:accent1>
+      <a:accent2>
+        <a:srgbClr val="ED7D31"/>
+      </a:accent2>
+      <a:accent3>
+        <a:srgbClr val="A5A5A5"/>
+      </a:accent3>
+      <a:accent4>
+        <a:srgbClr val="FFC000"/>
+      </a:accent4>
+      <a:accent5>
+        <a:srgbClr val="5B9BD5"/>
+      </a:accent5>
+      <a:accent6>
+        <a:srgbClr val="70AD47"/>
+      </a:accent6>
+      <a:hlink>
+        <a:srgbClr val="0563C1"/>
+      </a:hlink>
+      <a:folHlink>
+        <a:srgbClr val="954F72"/>
+      </a:folHlink>
+    </a:clrScheme>
+    <a:fontScheme name="Office">
+      <a:majorFont>
+        <a:latin typeface="Calibri Light" panose="020F0302020204030204"/>
+        <a:ea typeface=""/>
+        <a:cs typeface=""/>
+        <a:font script="Jpan" typeface="游ゴシック Light"/>
+        <a:font script="Hang" typeface="맑은 고딕"/>
+        <a:font script="Hans" typeface="等线 Light"/>
+        <a:font script="Hant" typeface="新細明體"/>
+        <a:font script="Arab" typeface="Times New Roman"/>
+        <a:font script="Hebr" typeface="Times New Roman"/>
+        <a:font script="Thai" typeface="Angsana New"/>
+        <a:font script="Ethi" typeface="Nyala"/>
+        <a:font script="Beng" typeface="Vrinda"/>
+        <a:font script="Gujr" typeface="Shruti"/>
+        <a:font script="Khmr" typeface="MoolBoran"/>
+        <a:font script="Knda" typeface="Tunga"/>
+        <a:font script="Guru" typeface="Raavi"/>
+        <a:font script="Cans" typeface="Euphemia"/>
+        <a:font script="Cher" typeface="Plantagenet Cherokee"/>
+        <a:font script="Yiii" typeface="Microsoft Yi Baiti"/>
+        <a:font script="Tibt" typeface="Microsoft Himalaya"/>
+        <a:font script="Thaa" typeface="MV Boli"/>
+        <a:font script="Deva" typeface="Mangal"/>
+        <a:font script="Telu" typeface="Gautami"/>
+        <a:font script="Taml" typeface="Latha"/>
+        <a:font script="Syrc" typeface="Estrangelo Edessa"/>
+        <a:font script="Orya" typeface="Kalinga"/>
+        <a:font script="Mlym" typeface="Kartika"/>
+        <a:font script="Laoo" typeface="DokChampa"/>
+        <a:font script="Sinh" typeface="Iskoola Pota"/>
+        <a:font script="Mong" typeface="Mongolian Baiti"/>
+        <a:font script="Viet" typeface="Times New Roman"/>
+        <a:font script="Uigh" typeface="Microsoft Uighur"/>
+        <a:font script="Geor" typeface="Sylfaen"/>
+        <a:font script="Armn" typeface="Arial"/>
+        <a:font script="Bugi" typeface="Leelawadee UI"/>
+        <a:font script="Bopo" typeface="Microsoft JhengHei"/>
+        <a:font script="Java" typeface="Javanese Text"/>
+        <a:font script="Lisu" typeface="Segoe UI"/>
+        <a:font script="Mymr" typeface="Myanmar Text"/>
+        <a:font script="Nkoo" typeface="Ebrima"/>
+        <a:font script="Olck" typeface="Nirmala UI"/>
+        <a:font script="Osma" typeface="Ebrima"/>
+        <a:font script="Phag" typeface="Phagspa"/>
+        <a:font script="Syrn" typeface="Estrangelo Edessa"/>
+        <a:font script="Syrj" typeface="Estrangelo Edessa"/>
+        <a:font script="Syre" typeface="Estrangelo Edessa"/>
+        <a:font script="Sora" typeface="Nirmala UI"/>
+        <a:font script="Tale" typeface="Microsoft Tai Le"/>
+        <a:font script="Talu" typeface="Microsoft New Tai Lue"/>
+        <a:font script="Tfng" typeface="Ebrima"/>
+      </a:majorFont>
+      <a:minorFont>
+        <a:latin typeface="Calibri" panose="020F0502020204030204"/>
+        <a:ea typeface=""/>
+        <a:cs typeface=""/>
+        <a:font script="Jpan" typeface="游ゴシック"/>
+        <a:font script="Hang" typeface="맑은 고딕"/>
+        <a:font script="Hans" typeface="等线"/>
+        <a:font script="Hant" typeface="新細明體"/>
+        <a:font script="Arab" typeface="Arial"/>
+        <a:font script="Hebr" typeface="Arial"/>
+        <a:font script="Thai" typeface="Cordia New"/>
+        <a:font script="Ethi" typeface="Nyala"/>
+        <a:font script="Beng" typeface="Vrinda"/>
+        <a:font script="Gujr" typeface="Shruti"/>
+        <a:font script="Khmr" typeface="DaunPenh"/>
+        <a:font script="Knda" typeface="Tunga"/>
+        <a:font script="Guru" typeface="Raavi"/>
+        <a:font script="Cans" typeface="Euphemia"/>
+        <a:font script="Cher" typeface="Plantagenet Cherokee"/>
+        <a:font script="Yiii" typeface="Microsoft Yi Baiti"/>
+        <a:font script="Tibt" typeface="Microsoft Himalaya"/>
+        <a:font script="Thaa" typeface="MV Boli"/>
+        <a:font script="Deva" typeface="Mangal"/>
+        <a:font script="Telu" typeface="Gautami"/>
+        <a:font script="Taml" typeface="Latha"/>
+        <a:font script="Syrc" typeface="Estrangelo Edessa"/>
+        <a:font script="Orya" typeface="Kalinga"/>
+        <a:font script="Mlym" typeface="Kartika"/>
+        <a:font script="Laoo" typeface="DokChampa"/>
+        <a:font script="Sinh" typeface="Iskoola Pota"/>
+        <a:font script="Mong" typeface="Mongolian Baiti"/>
+        <a:font script="Viet" typeface="Arial"/>
+        <a:font script="Uigh" typeface="Microsoft Uighur"/>
+        <a:font script="Geor" typeface="Sylfaen"/>
+        <a:font script="Armn" typeface="Arial"/>
+        <a:font script="Bugi" typeface="Leelawadee UI"/>
+        <a:font script="Bopo" typeface="Microsoft JhengHei"/>
+        <a:font script="Java" typeface="Javanese Text"/>
+        <a:font script="Lisu" typeface="Segoe UI"/>
+        <a:font script="Mymr" typeface="Myanmar Text"/>
+        <a:font script="Nkoo" typeface="Ebrima"/>
+        <a:font script="Olck" typeface="Nirmala UI"/>
+        <a:font script="Osma" typeface="Ebrima"/>
+        <a:font script="Phag" typeface="Phagspa"/>
+        <a:font script="Syrn" typeface="Estrangelo Edessa"/>
+        <a:font script="Syrj" typeface="Estrangelo Edessa"/>
+        <a:font script="Syre" typeface="Estrangelo Edessa"/>
+        <a:font script="Sora" typeface="Nirmala UI"/>
+        <a:font script="Tale" typeface="Microsoft Tai Le"/>
+        <a:font script="Talu" typeface="Microsoft New Tai Lue"/>
+        <a:font script="Tfng" typeface="Ebrima"/>
+      </a:minorFont>
+    </a:fontScheme>
+    <a:fmtScheme name="Office">
+      <a:fillStyleLst>
+        <a:solidFill>
+          <a:schemeClr val="phClr"/>
+        </a:solidFill>
+        <a:gradFill rotWithShape="1">
+          <a:gsLst>
+            <a:gs pos="0">
+              <a:schemeClr val="phClr">
+                <a:lumMod val="110000"/>
+                <a:satMod val="105000"/>
+                <a:tint val="67000"/>
+              </a:schemeClr>
+            </a:gs>
+            <a:gs pos="50000">
+              <a:schemeClr val="phClr">
+                <a:lumMod val="105000"/>
+                <a:satMod val="103000"/>
+                <a:tint val="73000"/>
+              </a:schemeClr>
+            </a:gs>
+            <a:gs pos="100000">
+              <a:schemeClr val="phClr">
+                <a:lumMod val="105000"/>
+                <a:satMod val="109000"/>
+                <a:tint val="81000"/>
+              </a:schemeClr>
+            </a:gs>
+          </a:gsLst>
+          <a:lin ang="5400000" scaled="0"/>
+        </a:gradFill>
+        <a:gradFill rotWithShape="1">
+          <a:gsLst>
+            <a:gs pos="0">
+              <a:schemeClr val="phClr">
+                <a:satMod val="103000"/>
+                <a:lumMod val="102000"/>
+                <a:tint val="94000"/>
+              </a:schemeClr>
+            </a:gs>
+            <a:gs pos="50000">
+              <a:schemeClr val="phClr">
+                <a:satMod val="110000"/>
+                <a:lumMod val="100000"/>
+                <a:shade val="100000"/>
+              </a:schemeClr>
+            </a:gs>
+            <a:gs pos="100000">
+              <a:schemeClr val="phClr">
+                <a:lumMod val="99000"/>
+                <a:satMod val="120000"/>
+                <a:shade val="78000"/>
+              </a:schemeClr>
+            </a:gs>
+          </a:gsLst>
+          <a:lin ang="5400000" scaled="0"/>
+        </a:gradFill>
+      </a:fillStyleLst>
+      <a:lnStyleLst>
+        <a:ln w="6350" cap="flat" cmpd="sng" algn="ctr">
+          <a:solidFill>
+            <a:schemeClr val="phClr"/>
+          </a:solidFill>
+          <a:prstDash val="solid"/>
+          <a:miter lim="800000"/>
+        </a:ln>
+        <a:ln w="12700" cap="flat" cmpd="sng" algn="ctr">
+          <a:solidFill>
+            <a:schemeClr val="phClr"/>
+          </a:solidFill>
+          <a:prstDash val="solid"/>
+          <a:miter lim="800000"/>
+        </a:ln>
+        <a:ln w="19050" cap="flat" cmpd="sng" algn="ctr">
+          <a:solidFill>
+            <a:schemeClr val="phClr"/>
+          </a:solidFill>
+          <a:prstDash val="solid"/>
+          <a:miter lim="800000"/>
+        </a:ln>
+      </a:lnStyleLst>
+      <a:effectStyleLst>
+        <a:effectStyle>
+          <a:effectLst/>
+        </a:effectStyle>
+        <a:effectStyle>
+          <a:effectLst/>
+        </a:effectStyle>
+        <a:effectStyle>
+          <a:effectLst>
+            <a:outerShdw blurRad="57150" dist="19050" dir="5400000" algn="ctr" rotWithShape="0">
+              <a:srgbClr val="000000">
+                <a:alpha val="63000"/>
+              </a:srgbClr>
+            </a:outerShdw>
+          </a:effectLst>
+        </a:effectStyle>
+      </a:effectStyleLst>
+      <a:bgFillStyleLst>
+        <a:solidFill>
+          <a:schemeClr val="phClr"/>
+        </a:solidFill>
+        <a:solidFill>
+          <a:schemeClr val="phClr">
+            <a:tint val="95000"/>
+            <a:satMod val="170000"/>
+          </a:schemeClr>
+        </a:solidFill>
+        <a:gradFill rotWithShape="1">
+          <a:gsLst>
+            <a:gs pos="0">
+              <a:schemeClr val="phClr">
+                <a:tint val="93000"/>
+                <a:satMod val="150000"/>
+                <a:shade val="98000"/>
+                <a:lumMod val="102000"/>
+              </a:schemeClr>
+            </a:gs>
+            <a:gs pos="50000">
+              <a:schemeClr val="phClr">
+                <a:tint val="98000"/>
+                <a:satMod val="130000"/>
+                <a:shade val="90000"/>
+                <a:lumMod val="103000"/>
+              </a:schemeClr>
+            </a:gs>
+            <a:gs pos="100000">
+              <a:schemeClr val="phClr">
+                <a:shade val="63000"/>
+                <a:satMod val="120000"/>
+              </a:schemeClr>
+            </a:gs>
+          </a:gsLst>
+          <a:lin ang="5400000" scaled="0"/>
+        </a:gradFill>
+      </a:bgFillStyleLst>
+    </a:fmtScheme>
+  </a:themeElements>
+  <a:objectDefaults/>
+  <a:extraClrSchemeLst/>
+  <a:extLst>
+    <a:ext uri="{05A4C25C-085E-4340-85A3-A5531E510DB2}">
+      <thm15:themeFamily xmlns:thm15="http://schemas.microsoft.com/office/thememl/2012/main" name="Office Theme" id="{62F939B6-93AF-4DB8-9C6B-D6C7DFDC589F}" vid="{4A3C46E8-61CC-4603-A589-7422A47A8E4A}"/>
+    </a:ext>
+  </a:extLst>
+</a:theme>
 </file>
--- a/OSD_BallControl.pptx
+++ b/OSD_BallControl.pptx
@@ -205,7 +205,7 @@
           <a:p>
             <a:fld id="{D3B4D332-2BB7-47DF-B388-95E82825E592}" type="datetimeFigureOut">
               <a:rPr lang="en-US" smtClean="0"/>
-              <a:t>6/10/2018</a:t>
+              <a:t>6/11/2018</a:t>
             </a:fld>
             <a:endParaRPr lang="en-US"/>
           </a:p>
@@ -1511,7 +1511,7 @@
             <a:fld id="{B61BEF0D-F0BB-DE4B-95CE-6DB70DBA9567}" type="datetimeFigureOut">
               <a:rPr lang="en-US" smtClean="0"/>
               <a:pPr/>
-              <a:t>6/10/2018</a:t>
+              <a:t>6/11/2018</a:t>
             </a:fld>
             <a:endParaRPr lang="en-US" dirty="0"/>
           </a:p>
@@ -1764,7 +1764,7 @@
             <a:fld id="{B61BEF0D-F0BB-DE4B-95CE-6DB70DBA9567}" type="datetimeFigureOut">
               <a:rPr lang="en-US" smtClean="0"/>
               <a:pPr/>
-              <a:t>6/10/2018</a:t>
+              <a:t>6/11/2018</a:t>
             </a:fld>
             <a:endParaRPr lang="en-US" dirty="0"/>
           </a:p>
@@ -2080,7 +2080,7 @@
             <a:fld id="{B61BEF0D-F0BB-DE4B-95CE-6DB70DBA9567}" type="datetimeFigureOut">
               <a:rPr lang="en-US" smtClean="0"/>
               <a:pPr/>
-              <a:t>6/10/2018</a:t>
+              <a:t>6/11/2018</a:t>
             </a:fld>
             <a:endParaRPr lang="en-US" dirty="0"/>
           </a:p>
@@ -2423,7 +2423,7 @@
             <a:fld id="{B61BEF0D-F0BB-DE4B-95CE-6DB70DBA9567}" type="datetimeFigureOut">
               <a:rPr lang="en-US" smtClean="0"/>
               <a:pPr/>
-              <a:t>6/10/2018</a:t>
+              <a:t>6/11/2018</a:t>
             </a:fld>
             <a:endParaRPr lang="en-US" dirty="0"/>
           </a:p>
@@ -2739,7 +2739,7 @@
             <a:fld id="{B61BEF0D-F0BB-DE4B-95CE-6DB70DBA9567}" type="datetimeFigureOut">
               <a:rPr lang="en-US" smtClean="0"/>
               <a:pPr/>
-              <a:t>6/10/2018</a:t>
+              <a:t>6/11/2018</a:t>
             </a:fld>
             <a:endParaRPr lang="en-US" dirty="0"/>
           </a:p>
@@ -3134,7 +3134,7 @@
             <a:fld id="{B61BEF0D-F0BB-DE4B-95CE-6DB70DBA9567}" type="datetimeFigureOut">
               <a:rPr lang="en-US" smtClean="0"/>
               <a:pPr/>
-              <a:t>6/10/2018</a:t>
+              <a:t>6/11/2018</a:t>
             </a:fld>
             <a:endParaRPr lang="en-US" dirty="0"/>
           </a:p>
@@ -3306,7 +3306,7 @@
             <a:fld id="{B61BEF0D-F0BB-DE4B-95CE-6DB70DBA9567}" type="datetimeFigureOut">
               <a:rPr lang="en-US" smtClean="0"/>
               <a:pPr/>
-              <a:t>6/10/2018</a:t>
+              <a:t>6/11/2018</a:t>
             </a:fld>
             <a:endParaRPr lang="en-US" dirty="0"/>
           </a:p>
@@ -3488,7 +3488,7 @@
             <a:fld id="{B61BEF0D-F0BB-DE4B-95CE-6DB70DBA9567}" type="datetimeFigureOut">
               <a:rPr lang="en-US" smtClean="0"/>
               <a:pPr/>
-              <a:t>6/10/2018</a:t>
+              <a:t>6/11/2018</a:t>
             </a:fld>
             <a:endParaRPr lang="en-US" dirty="0"/>
           </a:p>
@@ -3666,7 +3666,7 @@
             <a:fld id="{B61BEF0D-F0BB-DE4B-95CE-6DB70DBA9567}" type="datetimeFigureOut">
               <a:rPr lang="en-US" smtClean="0"/>
               <a:pPr/>
-              <a:t>6/10/2018</a:t>
+              <a:t>6/11/2018</a:t>
             </a:fld>
             <a:endParaRPr lang="en-US" dirty="0"/>
           </a:p>
@@ -3915,7 +3915,7 @@
             <a:fld id="{B61BEF0D-F0BB-DE4B-95CE-6DB70DBA9567}" type="datetimeFigureOut">
               <a:rPr lang="en-US" smtClean="0"/>
               <a:pPr/>
-              <a:t>6/10/2018</a:t>
+              <a:t>6/11/2018</a:t>
             </a:fld>
             <a:endParaRPr lang="en-US" dirty="0"/>
           </a:p>
@@ -4149,7 +4149,7 @@
             <a:fld id="{B61BEF0D-F0BB-DE4B-95CE-6DB70DBA9567}" type="datetimeFigureOut">
               <a:rPr lang="en-US" smtClean="0"/>
               <a:pPr/>
-              <a:t>6/10/2018</a:t>
+              <a:t>6/11/2018</a:t>
             </a:fld>
             <a:endParaRPr lang="en-US" dirty="0"/>
           </a:p>
@@ -4525,7 +4525,7 @@
             <a:fld id="{B61BEF0D-F0BB-DE4B-95CE-6DB70DBA9567}" type="datetimeFigureOut">
               <a:rPr lang="en-US" smtClean="0"/>
               <a:pPr/>
-              <a:t>6/10/2018</a:t>
+              <a:t>6/11/2018</a:t>
             </a:fld>
             <a:endParaRPr lang="en-US" dirty="0"/>
           </a:p>
@@ -4650,7 +4650,7 @@
             <a:fld id="{B61BEF0D-F0BB-DE4B-95CE-6DB70DBA9567}" type="datetimeFigureOut">
               <a:rPr lang="en-US" smtClean="0"/>
               <a:pPr/>
-              <a:t>6/10/2018</a:t>
+              <a:t>6/11/2018</a:t>
             </a:fld>
             <a:endParaRPr lang="en-US" dirty="0"/>
           </a:p>
@@ -4747,7 +4747,7 @@
             <a:fld id="{B61BEF0D-F0BB-DE4B-95CE-6DB70DBA9567}" type="datetimeFigureOut">
               <a:rPr lang="en-US" smtClean="0"/>
               <a:pPr/>
-              <a:t>6/10/2018</a:t>
+              <a:t>6/11/2018</a:t>
             </a:fld>
             <a:endParaRPr lang="en-US" dirty="0"/>
           </a:p>
@@ -5004,7 +5004,7 @@
             <a:fld id="{B61BEF0D-F0BB-DE4B-95CE-6DB70DBA9567}" type="datetimeFigureOut">
               <a:rPr lang="en-US" smtClean="0"/>
               <a:pPr/>
-              <a:t>6/10/2018</a:t>
+              <a:t>6/11/2018</a:t>
             </a:fld>
             <a:endParaRPr lang="en-US" dirty="0"/>
           </a:p>
@@ -5269,7 +5269,7 @@
             <a:fld id="{B61BEF0D-F0BB-DE4B-95CE-6DB70DBA9567}" type="datetimeFigureOut">
               <a:rPr lang="en-US" smtClean="0"/>
               <a:pPr/>
-              <a:t>6/10/2018</a:t>
+              <a:t>6/11/2018</a:t>
             </a:fld>
             <a:endParaRPr lang="en-US" dirty="0"/>
           </a:p>
@@ -6014,7 +6014,7 @@
             <a:fld id="{B61BEF0D-F0BB-DE4B-95CE-6DB70DBA9567}" type="datetimeFigureOut">
               <a:rPr lang="en-US" smtClean="0"/>
               <a:pPr/>
-              <a:t>6/10/2018</a:t>
+              <a:t>6/11/2018</a:t>
             </a:fld>
             <a:endParaRPr lang="en-US" dirty="0"/>
           </a:p>
@@ -6572,7 +6572,7 @@
                 <a:latin typeface="Calibri" panose="020F0502020204030204" pitchFamily="34" charset="0"/>
                 <a:cs typeface="Calibri" panose="020F0502020204030204" pitchFamily="34" charset="0"/>
               </a:rPr>
-              <a:t>Blancing</a:t>
+              <a:t>Balancing</a:t>
             </a:r>
             <a:r>
               <a:rPr lang="de-AT" sz="6000" dirty="0">
@@ -7815,7 +7815,7 @@
           <a:lstStyle/>
           <a:p>
             <a:r>
-              <a:rPr lang="en-US" sz="4400" kern="1200">
+              <a:rPr lang="en-US" sz="4400" kern="1200" dirty="0">
                 <a:solidFill>
                   <a:schemeClr val="accent1"/>
                 </a:solidFill>
@@ -7823,7 +7823,7 @@
                 <a:ea typeface="+mj-ea"/>
                 <a:cs typeface="+mj-cs"/>
               </a:rPr>
-              <a:t>Der Ball – class Goggly</a:t>
+              <a:t>Der Ball – class Googly</a:t>
             </a:r>
           </a:p>
         </p:txBody>
@@ -10409,38 +10409,6 @@
           </a:fontRef>
         </p:style>
       </p:sp>
-      <p:pic>
-        <p:nvPicPr>
-          <p:cNvPr id="6" name="Inhaltsplatzhalter 5">
-            <a:extLst>
-              <a:ext uri="{FF2B5EF4-FFF2-40B4-BE49-F238E27FC236}">
-                <a16:creationId xmlns:a16="http://schemas.microsoft.com/office/drawing/2014/main" id="{BD595AD9-45C6-4D2B-AB61-084C698239A5}"/>
-              </a:ext>
-            </a:extLst>
-          </p:cNvPr>
-          <p:cNvPicPr>
-            <a:picLocks noGrp="1" noChangeAspect="1"/>
-          </p:cNvPicPr>
-          <p:nvPr>
-            <p:ph idx="1"/>
-          </p:nvPr>
-        </p:nvPicPr>
-        <p:blipFill>
-          <a:blip r:embed="rId2"/>
-          <a:stretch>
-            <a:fillRect/>
-          </a:stretch>
-        </p:blipFill>
-        <p:spPr>
-          <a:xfrm>
-            <a:off x="879109" y="773617"/>
-            <a:ext cx="4673673" cy="5302298"/>
-          </a:xfrm>
-          <a:prstGeom prst="rect">
-            <a:avLst/>
-          </a:prstGeom>
-        </p:spPr>
-      </p:pic>
       <p:sp>
         <p:nvSpPr>
           <p:cNvPr id="2" name="Titel 1">
@@ -10505,6 +10473,38 @@
           </a:p>
         </p:txBody>
       </p:sp>
+      <p:pic>
+        <p:nvPicPr>
+          <p:cNvPr id="21" name="Inhaltsplatzhalter 20">
+            <a:extLst>
+              <a:ext uri="{FF2B5EF4-FFF2-40B4-BE49-F238E27FC236}">
+                <a16:creationId xmlns:a16="http://schemas.microsoft.com/office/drawing/2014/main" id="{6DA647B0-A13E-4FD9-B390-600A936C8FBE}"/>
+              </a:ext>
+            </a:extLst>
+          </p:cNvPr>
+          <p:cNvPicPr>
+            <a:picLocks noGrp="1" noChangeAspect="1"/>
+          </p:cNvPicPr>
+          <p:nvPr>
+            <p:ph idx="1"/>
+          </p:nvPr>
+        </p:nvPicPr>
+        <p:blipFill>
+          <a:blip r:embed="rId2"/>
+          <a:stretch>
+            <a:fillRect/>
+          </a:stretch>
+        </p:blipFill>
+        <p:spPr>
+          <a:xfrm>
+            <a:off x="964911" y="1214249"/>
+            <a:ext cx="4114406" cy="4751235"/>
+          </a:xfrm>
+          <a:prstGeom prst="rect">
+            <a:avLst/>
+          </a:prstGeom>
+        </p:spPr>
+      </p:pic>
     </p:spTree>
     <p:extLst>
       <p:ext uri="{BB962C8B-B14F-4D97-AF65-F5344CB8AC3E}">
@@ -11555,7 +11555,7 @@
             </a:pPr>
             <a:r>
               <a:rPr lang="de-AT" sz="3800" dirty="0"/>
-              <a:t>Physik	</a:t>
+              <a:t>Physik						</a:t>
             </a:r>
             <a:r>
               <a:rPr lang="de-AT" sz="3800" b="1" dirty="0">
@@ -11565,7 +11565,7 @@
                 <a:latin typeface="Segoe UI Symbol" panose="020B0502040204020203" pitchFamily="34" charset="0"/>
                 <a:ea typeface="Segoe UI Symbol" panose="020B0502040204020203" pitchFamily="34" charset="0"/>
               </a:rPr>
-              <a:t> 					</a:t>
+              <a:t></a:t>
             </a:r>
             <a:endParaRPr lang="de-AT" sz="3800" dirty="0"/>
           </a:p>
@@ -11577,7 +11577,7 @@
             </a:pPr>
             <a:r>
               <a:rPr lang="de-AT" sz="3800" dirty="0"/>
-              <a:t>Regler	</a:t>
+              <a:t>Regler						</a:t>
             </a:r>
             <a:r>
               <a:rPr lang="de-AT" sz="3800" b="1" dirty="0">
@@ -11587,7 +11587,7 @@
                 <a:latin typeface="Segoe UI Symbol" panose="020B0502040204020203" pitchFamily="34" charset="0"/>
                 <a:ea typeface="Segoe UI Symbol" panose="020B0502040204020203" pitchFamily="34" charset="0"/>
               </a:rPr>
-              <a:t> 					</a:t>
+              <a:t></a:t>
             </a:r>
             <a:endParaRPr lang="de-AT" sz="3800" dirty="0"/>
           </a:p>
@@ -11599,7 +11599,7 @@
             </a:pPr>
             <a:r>
               <a:rPr lang="de-AT" sz="3800" dirty="0"/>
-              <a:t>Bausatz	</a:t>
+              <a:t>Bausatz					</a:t>
             </a:r>
             <a:r>
               <a:rPr lang="de-AT" sz="3800" b="1" dirty="0">
@@ -11609,7 +11609,7 @@
                 <a:latin typeface="Segoe UI Symbol" panose="020B0502040204020203" pitchFamily="34" charset="0"/>
                 <a:ea typeface="Segoe UI Symbol" panose="020B0502040204020203" pitchFamily="34" charset="0"/>
               </a:rPr>
-              <a:t> 				</a:t>
+              <a:t></a:t>
             </a:r>
             <a:endParaRPr lang="de-AT" sz="3800" dirty="0"/>
           </a:p>
@@ -11631,7 +11631,7 @@
                 <a:latin typeface="Segoe UI Symbol" panose="020B0502040204020203" pitchFamily="34" charset="0"/>
                 <a:ea typeface="Segoe UI Symbol" panose="020B0502040204020203" pitchFamily="34" charset="0"/>
               </a:rPr>
-              <a:t> </a:t>
+              <a:t></a:t>
             </a:r>
             <a:endParaRPr lang="de-AT" sz="3800" dirty="0"/>
           </a:p>
@@ -11643,7 +11643,7 @@
             </a:pPr>
             <a:r>
               <a:rPr lang="de-AT" sz="3800" dirty="0"/>
-              <a:t>Optimierung				 </a:t>
+              <a:t>Optimierung				</a:t>
             </a:r>
             <a:r>
               <a:rPr lang="de-AT" sz="3800" b="1" dirty="0">
